--- a/dataviz_eposter.pptx
+++ b/dataviz_eposter.pptx
@@ -104,6 +104,11 @@
       </a:defRPr>
     </a:lvl9pPr>
   </p:defaultTextStyle>
+  <p:extLst>
+    <p:ext uri="{EFAFB233-063F-42B5-8137-9DF3F51BA10A}">
+      <p15:sldGuideLst xmlns:p15="http://schemas.microsoft.com/office/powerpoint/2012/main"/>
+    </p:ext>
+  </p:extLst>
 </p:presentation>
 </file>
 
@@ -238,7 +243,7 @@
           <a:p>
             <a:fld id="{CFBFEDE9-3BD6-46D7-89AD-0E13259DA1D0}" type="datetimeFigureOut">
               <a:rPr lang="en-US" smtClean="0"/>
-              <a:t>5/22/2019</a:t>
+              <a:t>5/23/2019</a:t>
             </a:fld>
             <a:endParaRPr lang="en-US"/>
           </a:p>
@@ -408,7 +413,7 @@
           <a:p>
             <a:fld id="{CFBFEDE9-3BD6-46D7-89AD-0E13259DA1D0}" type="datetimeFigureOut">
               <a:rPr lang="en-US" smtClean="0"/>
-              <a:t>5/22/2019</a:t>
+              <a:t>5/23/2019</a:t>
             </a:fld>
             <a:endParaRPr lang="en-US"/>
           </a:p>
@@ -588,7 +593,7 @@
           <a:p>
             <a:fld id="{CFBFEDE9-3BD6-46D7-89AD-0E13259DA1D0}" type="datetimeFigureOut">
               <a:rPr lang="en-US" smtClean="0"/>
-              <a:t>5/22/2019</a:t>
+              <a:t>5/23/2019</a:t>
             </a:fld>
             <a:endParaRPr lang="en-US"/>
           </a:p>
@@ -758,7 +763,7 @@
           <a:p>
             <a:fld id="{CFBFEDE9-3BD6-46D7-89AD-0E13259DA1D0}" type="datetimeFigureOut">
               <a:rPr lang="en-US" smtClean="0"/>
-              <a:t>5/22/2019</a:t>
+              <a:t>5/23/2019</a:t>
             </a:fld>
             <a:endParaRPr lang="en-US"/>
           </a:p>
@@ -1004,7 +1009,7 @@
           <a:p>
             <a:fld id="{CFBFEDE9-3BD6-46D7-89AD-0E13259DA1D0}" type="datetimeFigureOut">
               <a:rPr lang="en-US" smtClean="0"/>
-              <a:t>5/22/2019</a:t>
+              <a:t>5/23/2019</a:t>
             </a:fld>
             <a:endParaRPr lang="en-US"/>
           </a:p>
@@ -1236,7 +1241,7 @@
           <a:p>
             <a:fld id="{CFBFEDE9-3BD6-46D7-89AD-0E13259DA1D0}" type="datetimeFigureOut">
               <a:rPr lang="en-US" smtClean="0"/>
-              <a:t>5/22/2019</a:t>
+              <a:t>5/23/2019</a:t>
             </a:fld>
             <a:endParaRPr lang="en-US"/>
           </a:p>
@@ -1603,7 +1608,7 @@
           <a:p>
             <a:fld id="{CFBFEDE9-3BD6-46D7-89AD-0E13259DA1D0}" type="datetimeFigureOut">
               <a:rPr lang="en-US" smtClean="0"/>
-              <a:t>5/22/2019</a:t>
+              <a:t>5/23/2019</a:t>
             </a:fld>
             <a:endParaRPr lang="en-US"/>
           </a:p>
@@ -1721,7 +1726,7 @@
           <a:p>
             <a:fld id="{CFBFEDE9-3BD6-46D7-89AD-0E13259DA1D0}" type="datetimeFigureOut">
               <a:rPr lang="en-US" smtClean="0"/>
-              <a:t>5/22/2019</a:t>
+              <a:t>5/23/2019</a:t>
             </a:fld>
             <a:endParaRPr lang="en-US"/>
           </a:p>
@@ -1816,7 +1821,7 @@
           <a:p>
             <a:fld id="{CFBFEDE9-3BD6-46D7-89AD-0E13259DA1D0}" type="datetimeFigureOut">
               <a:rPr lang="en-US" smtClean="0"/>
-              <a:t>5/22/2019</a:t>
+              <a:t>5/23/2019</a:t>
             </a:fld>
             <a:endParaRPr lang="en-US"/>
           </a:p>
@@ -2093,7 +2098,7 @@
           <a:p>
             <a:fld id="{CFBFEDE9-3BD6-46D7-89AD-0E13259DA1D0}" type="datetimeFigureOut">
               <a:rPr lang="en-US" smtClean="0"/>
-              <a:t>5/22/2019</a:t>
+              <a:t>5/23/2019</a:t>
             </a:fld>
             <a:endParaRPr lang="en-US"/>
           </a:p>
@@ -2350,7 +2355,7 @@
           <a:p>
             <a:fld id="{CFBFEDE9-3BD6-46D7-89AD-0E13259DA1D0}" type="datetimeFigureOut">
               <a:rPr lang="en-US" smtClean="0"/>
-              <a:t>5/22/2019</a:t>
+              <a:t>5/23/2019</a:t>
             </a:fld>
             <a:endParaRPr lang="en-US"/>
           </a:p>
@@ -2415,9 +2420,12 @@
 <p:sldMaster xmlns:a="http://schemas.openxmlformats.org/drawingml/2006/main" xmlns:r="http://schemas.openxmlformats.org/officeDocument/2006/relationships" xmlns:p="http://schemas.openxmlformats.org/presentationml/2006/main">
   <p:cSld>
     <p:bg>
-      <p:bgRef idx="1001">
-        <a:schemeClr val="bg1"/>
-      </p:bgRef>
+      <p:bgPr>
+        <a:solidFill>
+          <a:srgbClr val="FCFAF7"/>
+        </a:solidFill>
+        <a:effectLst/>
+      </p:bgPr>
     </p:bg>
     <p:spTree>
       <p:nvGrpSpPr>
@@ -2563,7 +2571,7 @@
           <a:p>
             <a:fld id="{CFBFEDE9-3BD6-46D7-89AD-0E13259DA1D0}" type="datetimeFigureOut">
               <a:rPr lang="en-US" smtClean="0"/>
-              <a:t>5/22/2019</a:t>
+              <a:t>5/23/2019</a:t>
             </a:fld>
             <a:endParaRPr lang="en-US"/>
           </a:p>
@@ -6423,8 +6431,8 @@
         </p:blipFill>
         <p:spPr>
           <a:xfrm>
-            <a:off x="17016004" y="2717890"/>
-            <a:ext cx="4080503" cy="2895841"/>
+            <a:off x="17643754" y="2717890"/>
+            <a:ext cx="3328144" cy="2361909"/>
           </a:xfrm>
           <a:prstGeom prst="rect">
             <a:avLst/>
@@ -6474,8 +6482,8 @@
         </p:nvSpPr>
         <p:spPr>
           <a:xfrm>
-            <a:off x="12208031" y="5978547"/>
-            <a:ext cx="9615946" cy="2739211"/>
+            <a:off x="13206588" y="5220841"/>
+            <a:ext cx="7618831" cy="2123658"/>
           </a:xfrm>
           <a:prstGeom prst="rect">
             <a:avLst/>
@@ -6489,7 +6497,7 @@
           <a:p>
             <a:pPr algn="ctr"/>
             <a:r>
-              <a:rPr lang="en-US" sz="3200" b="1" u="sng" dirty="0"/>
+              <a:rPr lang="en-US" sz="3200" u="sng" dirty="0"/>
               <a:t>ggplot2</a:t>
             </a:r>
           </a:p>
@@ -6520,10 +6528,43 @@
                 <a:latin typeface="Courier New" panose="02070309020205020404" pitchFamily="49" charset="0"/>
                 <a:cs typeface="Courier New" panose="02070309020205020404" pitchFamily="49" charset="0"/>
               </a:rPr>
-              <a:t>) + </a:t>
-            </a:r>
-          </a:p>
-          <a:p>
+              <a:t>, </a:t>
+            </a:r>
+            <a:r>
+              <a:rPr lang="en-US" sz="2000" dirty="0" err="1">
+                <a:latin typeface="Courier New" panose="02070309020205020404" pitchFamily="49" charset="0"/>
+                <a:cs typeface="Courier New" panose="02070309020205020404" pitchFamily="49" charset="0"/>
+              </a:rPr>
+              <a:t>aes</a:t>
+            </a:r>
+            <a:r>
+              <a:rPr lang="en-US" sz="2000" dirty="0">
+                <a:latin typeface="Courier New" panose="02070309020205020404" pitchFamily="49" charset="0"/>
+                <a:cs typeface="Courier New" panose="02070309020205020404" pitchFamily="49" charset="0"/>
+              </a:rPr>
+              <a:t>(x = Factor1, </a:t>
+            </a:r>
+          </a:p>
+          <a:p>
+            <a:r>
+              <a:rPr lang="en-US" sz="2000" dirty="0">
+                <a:latin typeface="Courier New" panose="02070309020205020404" pitchFamily="49" charset="0"/>
+                <a:cs typeface="Courier New" panose="02070309020205020404" pitchFamily="49" charset="0"/>
+              </a:rPr>
+              <a:t>									  y = Response, </a:t>
+            </a:r>
+          </a:p>
+          <a:p>
+            <a:r>
+              <a:rPr lang="en-US" sz="2000" dirty="0">
+                <a:latin typeface="Courier New" panose="02070309020205020404" pitchFamily="49" charset="0"/>
+                <a:cs typeface="Courier New" panose="02070309020205020404" pitchFamily="49" charset="0"/>
+              </a:rPr>
+              <a:t>									  color = Factor2)) + </a:t>
+            </a:r>
+          </a:p>
+          <a:p>
+            <a:pPr lvl="1"/>
             <a:r>
               <a:rPr lang="en-US" sz="2000" dirty="0" err="1">
                 <a:latin typeface="Courier New" panose="02070309020205020404" pitchFamily="49" charset="0"/>
@@ -6550,28 +6591,11 @@
                 <a:latin typeface="Courier New" panose="02070309020205020404" pitchFamily="49" charset="0"/>
                 <a:cs typeface="Courier New" panose="02070309020205020404" pitchFamily="49" charset="0"/>
               </a:rPr>
-              <a:t>(x = Factor1, </a:t>
-            </a:r>
-          </a:p>
-          <a:p>
-            <a:r>
-              <a:rPr lang="en-US" sz="2000" dirty="0">
-                <a:latin typeface="Courier New" panose="02070309020205020404" pitchFamily="49" charset="0"/>
-                <a:cs typeface="Courier New" panose="02070309020205020404" pitchFamily="49" charset="0"/>
-              </a:rPr>
-              <a:t>						 y = Response, </a:t>
-            </a:r>
-          </a:p>
-          <a:p>
-            <a:r>
-              <a:rPr lang="en-US" sz="2000" dirty="0">
-                <a:latin typeface="Courier New" panose="02070309020205020404" pitchFamily="49" charset="0"/>
-                <a:cs typeface="Courier New" panose="02070309020205020404" pitchFamily="49" charset="0"/>
-              </a:rPr>
-              <a:t>						 col = Factor2, group = Factor2)) +</a:t>
-            </a:r>
-          </a:p>
-          <a:p>
+              <a:t>(group = Factor2)) +</a:t>
+            </a:r>
+          </a:p>
+          <a:p>
+            <a:pPr lvl="1"/>
             <a:r>
               <a:rPr lang="en-US" sz="2000" dirty="0" err="1">
                 <a:latin typeface="Courier New" panose="02070309020205020404" pitchFamily="49" charset="0"/>
@@ -6598,25 +6622,7 @@
                 <a:latin typeface="Courier New" panose="02070309020205020404" pitchFamily="49" charset="0"/>
                 <a:cs typeface="Courier New" panose="02070309020205020404" pitchFamily="49" charset="0"/>
               </a:rPr>
-              <a:t>(x = Factor1, </a:t>
-            </a:r>
-          </a:p>
-          <a:p>
-            <a:r>
-              <a:rPr lang="en-US" sz="2000" dirty="0">
-                <a:latin typeface="Courier New" panose="02070309020205020404" pitchFamily="49" charset="0"/>
-                <a:cs typeface="Courier New" panose="02070309020205020404" pitchFamily="49" charset="0"/>
-              </a:rPr>
-              <a:t>						  y = Response, </a:t>
-            </a:r>
-          </a:p>
-          <a:p>
-            <a:r>
-              <a:rPr lang="en-US" sz="2000" dirty="0">
-                <a:latin typeface="Courier New" panose="02070309020205020404" pitchFamily="49" charset="0"/>
-                <a:cs typeface="Courier New" panose="02070309020205020404" pitchFamily="49" charset="0"/>
-              </a:rPr>
-              <a:t>						  col = Factor2, shape = Factor2))</a:t>
+              <a:t>(shape = Factor2))</a:t>
             </a:r>
           </a:p>
         </p:txBody>
@@ -6635,7 +6641,7 @@
         </p:nvSpPr>
         <p:spPr>
           <a:xfrm>
-            <a:off x="12208031" y="9596555"/>
+            <a:off x="12208031" y="10101879"/>
             <a:ext cx="9615946" cy="584775"/>
           </a:xfrm>
           <a:prstGeom prst="rect">
@@ -6650,18 +6656,123 @@
           <a:p>
             <a:pPr algn="ctr"/>
             <a:r>
-              <a:rPr lang="en-US" sz="3200" b="1" u="sng" dirty="0"/>
+              <a:rPr lang="en-US" sz="3200" u="sng" dirty="0"/>
               <a:t>Tableau</a:t>
+            </a:r>
+          </a:p>
+        </p:txBody>
+      </p:sp>
+      <p:sp>
+        <p:nvSpPr>
+          <p:cNvPr id="1039" name="TextBox 1038">
+            <a:extLst>
+              <a:ext uri="{FF2B5EF4-FFF2-40B4-BE49-F238E27FC236}">
+                <a16:creationId xmlns:a16="http://schemas.microsoft.com/office/drawing/2014/main" id="{D3B46F89-65A9-4CAE-939F-FCF897642859}"/>
+              </a:ext>
+            </a:extLst>
+          </p:cNvPr>
+          <p:cNvSpPr txBox="1"/>
+          <p:nvPr/>
+        </p:nvSpPr>
+        <p:spPr>
+          <a:xfrm>
+            <a:off x="5083480" y="1436216"/>
+            <a:ext cx="2238626" cy="830997"/>
+          </a:xfrm>
+          <a:prstGeom prst="rect">
+            <a:avLst/>
+          </a:prstGeom>
+          <a:noFill/>
+        </p:spPr>
+        <p:txBody>
+          <a:bodyPr wrap="none" rtlCol="0">
+            <a:spAutoFit/>
+          </a:bodyPr>
+          <a:lstStyle/>
+          <a:p>
+            <a:r>
+              <a:rPr lang="en-US" sz="4800" b="1" dirty="0"/>
+              <a:t>THEORY</a:t>
+            </a:r>
+          </a:p>
+        </p:txBody>
+      </p:sp>
+      <p:sp>
+        <p:nvSpPr>
+          <p:cNvPr id="175" name="TextBox 174">
+            <a:extLst>
+              <a:ext uri="{FF2B5EF4-FFF2-40B4-BE49-F238E27FC236}">
+                <a16:creationId xmlns:a16="http://schemas.microsoft.com/office/drawing/2014/main" id="{1AA9284B-2499-462A-AF27-DCB5A9D12419}"/>
+              </a:ext>
+            </a:extLst>
+          </p:cNvPr>
+          <p:cNvSpPr txBox="1"/>
+          <p:nvPr/>
+        </p:nvSpPr>
+        <p:spPr>
+          <a:xfrm>
+            <a:off x="15426090" y="1491422"/>
+            <a:ext cx="3576620" cy="830997"/>
+          </a:xfrm>
+          <a:prstGeom prst="rect">
+            <a:avLst/>
+          </a:prstGeom>
+          <a:noFill/>
+        </p:spPr>
+        <p:txBody>
+          <a:bodyPr wrap="none" rtlCol="0">
+            <a:spAutoFit/>
+          </a:bodyPr>
+          <a:lstStyle/>
+          <a:p>
+            <a:r>
+              <a:rPr lang="en-US" sz="4800" b="1" dirty="0"/>
+              <a:t>APPLICATION</a:t>
+            </a:r>
+          </a:p>
+        </p:txBody>
+      </p:sp>
+      <p:sp>
+        <p:nvSpPr>
+          <p:cNvPr id="176" name="TextBox 175">
+            <a:extLst>
+              <a:ext uri="{FF2B5EF4-FFF2-40B4-BE49-F238E27FC236}">
+                <a16:creationId xmlns:a16="http://schemas.microsoft.com/office/drawing/2014/main" id="{C79413BB-6F96-4E10-A304-67836D53DDEE}"/>
+              </a:ext>
+            </a:extLst>
+          </p:cNvPr>
+          <p:cNvSpPr txBox="1"/>
+          <p:nvPr/>
+        </p:nvSpPr>
+        <p:spPr>
+          <a:xfrm>
+            <a:off x="14165745" y="14475809"/>
+            <a:ext cx="6097310" cy="830997"/>
+          </a:xfrm>
+          <a:prstGeom prst="rect">
+            <a:avLst/>
+          </a:prstGeom>
+          <a:noFill/>
+        </p:spPr>
+        <p:txBody>
+          <a:bodyPr wrap="none" rtlCol="0">
+            <a:spAutoFit/>
+          </a:bodyPr>
+          <a:lstStyle/>
+          <a:p>
+            <a:r>
+              <a:rPr lang="en-US" sz="4800" b="1" dirty="0"/>
+              <a:t>STUDENT ASSESSMENT</a:t>
             </a:r>
           </a:p>
         </p:txBody>
       </p:sp>
       <p:pic>
         <p:nvPicPr>
-          <p:cNvPr id="1036" name="Picture 1035">
-            <a:extLst>
-              <a:ext uri="{FF2B5EF4-FFF2-40B4-BE49-F238E27FC236}">
-                <a16:creationId xmlns:a16="http://schemas.microsoft.com/office/drawing/2014/main" id="{AD4AF237-057B-44C4-8567-97AACED1FB16}"/>
+          <p:cNvPr id="177" name="Picture 176">
+            <a:extLst>
+              <a:ext uri="{FF2B5EF4-FFF2-40B4-BE49-F238E27FC236}">
+                <a16:creationId xmlns:a16="http://schemas.microsoft.com/office/drawing/2014/main" id="{33B49538-FEE2-4F8A-AC1A-31060F53B016}"/>
               </a:ext>
             </a:extLst>
           </p:cNvPr>
@@ -6671,15 +6782,510 @@
           <p:nvPr/>
         </p:nvPicPr>
         <p:blipFill>
-          <a:blip r:embed="rId6"/>
+          <a:blip r:embed="rId4"/>
           <a:stretch>
             <a:fillRect/>
           </a:stretch>
         </p:blipFill>
         <p:spPr>
           <a:xfrm>
-            <a:off x="14605338" y="11282010"/>
-            <a:ext cx="1849887" cy="1838325"/>
+            <a:off x="12421743" y="15758018"/>
+            <a:ext cx="2918985" cy="2071538"/>
+          </a:xfrm>
+          <a:prstGeom prst="rect">
+            <a:avLst/>
+          </a:prstGeom>
+        </p:spPr>
+      </p:pic>
+      <p:sp>
+        <p:nvSpPr>
+          <p:cNvPr id="1040" name="TextBox 1039">
+            <a:extLst>
+              <a:ext uri="{FF2B5EF4-FFF2-40B4-BE49-F238E27FC236}">
+                <a16:creationId xmlns:a16="http://schemas.microsoft.com/office/drawing/2014/main" id="{EC9B092D-61C5-4685-B8C8-19298B680533}"/>
+              </a:ext>
+            </a:extLst>
+          </p:cNvPr>
+          <p:cNvSpPr txBox="1"/>
+          <p:nvPr/>
+        </p:nvSpPr>
+        <p:spPr>
+          <a:xfrm>
+            <a:off x="15679539" y="15502942"/>
+            <a:ext cx="1816459" cy="2031325"/>
+          </a:xfrm>
+          <a:prstGeom prst="rect">
+            <a:avLst/>
+          </a:prstGeom>
+          <a:noFill/>
+        </p:spPr>
+        <p:txBody>
+          <a:bodyPr wrap="none" rtlCol="0">
+            <a:spAutoFit/>
+          </a:bodyPr>
+          <a:lstStyle/>
+          <a:p>
+            <a:r>
+              <a:rPr lang="en-US" u="sng" dirty="0"/>
+              <a:t>Specification</a:t>
+            </a:r>
+          </a:p>
+          <a:p>
+            <a:pPr marL="285750" indent="-285750">
+              <a:buFont typeface="Arial" panose="020B0604020202020204" pitchFamily="34" charset="0"/>
+              <a:buChar char="•"/>
+            </a:pPr>
+            <a:r>
+              <a:rPr lang="en-US" dirty="0"/>
+              <a:t>Geometry ___</a:t>
+            </a:r>
+          </a:p>
+          <a:p>
+            <a:pPr marL="742950" lvl="1" indent="-285750">
+              <a:buFont typeface="Courier New" panose="02070309020205020404" pitchFamily="49" charset="0"/>
+              <a:buChar char="o"/>
+            </a:pPr>
+            <a:r>
+              <a:rPr lang="en-US" dirty="0"/>
+              <a:t>X __</a:t>
+            </a:r>
+          </a:p>
+          <a:p>
+            <a:pPr marL="742950" lvl="1" indent="-285750">
+              <a:buFont typeface="Courier New" panose="02070309020205020404" pitchFamily="49" charset="0"/>
+              <a:buChar char="o"/>
+            </a:pPr>
+            <a:r>
+              <a:rPr lang="en-US" dirty="0"/>
+              <a:t>Y __</a:t>
+            </a:r>
+          </a:p>
+          <a:p>
+            <a:pPr marL="742950" lvl="1" indent="-285750">
+              <a:buFont typeface="Courier New" panose="02070309020205020404" pitchFamily="49" charset="0"/>
+              <a:buChar char="o"/>
+            </a:pPr>
+            <a:r>
+              <a:rPr lang="en-US" dirty="0"/>
+              <a:t>Color __</a:t>
+            </a:r>
+          </a:p>
+          <a:p>
+            <a:pPr marL="742950" lvl="1" indent="-285750">
+              <a:buFont typeface="Courier New" panose="02070309020205020404" pitchFamily="49" charset="0"/>
+              <a:buChar char="o"/>
+            </a:pPr>
+            <a:r>
+              <a:rPr lang="en-US" dirty="0"/>
+              <a:t>Shape __</a:t>
+            </a:r>
+          </a:p>
+          <a:p>
+            <a:pPr marL="742950" lvl="1" indent="-285750">
+              <a:buFont typeface="Courier New" panose="02070309020205020404" pitchFamily="49" charset="0"/>
+              <a:buChar char="o"/>
+            </a:pPr>
+            <a:r>
+              <a:rPr lang="en-US" dirty="0"/>
+              <a:t>Size ___</a:t>
+            </a:r>
+          </a:p>
+        </p:txBody>
+      </p:sp>
+      <p:sp>
+        <p:nvSpPr>
+          <p:cNvPr id="1041" name="Rectangle 1040">
+            <a:extLst>
+              <a:ext uri="{FF2B5EF4-FFF2-40B4-BE49-F238E27FC236}">
+                <a16:creationId xmlns:a16="http://schemas.microsoft.com/office/drawing/2014/main" id="{6B87BB40-A5BF-4B55-9E8C-7C9B4770CC2E}"/>
+              </a:ext>
+            </a:extLst>
+          </p:cNvPr>
+          <p:cNvSpPr/>
+          <p:nvPr/>
+        </p:nvSpPr>
+        <p:spPr>
+          <a:xfrm>
+            <a:off x="17842065" y="15501899"/>
+            <a:ext cx="1534842" cy="2031325"/>
+          </a:xfrm>
+          <a:prstGeom prst="rect">
+            <a:avLst/>
+          </a:prstGeom>
+        </p:spPr>
+        <p:txBody>
+          <a:bodyPr wrap="square">
+            <a:spAutoFit/>
+          </a:bodyPr>
+          <a:lstStyle/>
+          <a:p>
+            <a:r>
+              <a:rPr lang="en-US" u="sng" dirty="0"/>
+              <a:t>EPTs</a:t>
+            </a:r>
+          </a:p>
+          <a:p>
+            <a:pPr marL="285750" indent="-285750">
+              <a:buFont typeface="Wingdings" panose="05000000000000000000" pitchFamily="2" charset="2"/>
+              <a:buChar char="q"/>
+            </a:pPr>
+            <a:r>
+              <a:rPr lang="en-US" dirty="0"/>
+              <a:t>Position</a:t>
+            </a:r>
+          </a:p>
+          <a:p>
+            <a:pPr marL="285750" indent="-285750">
+              <a:buFont typeface="Wingdings" panose="05000000000000000000" pitchFamily="2" charset="2"/>
+              <a:buChar char="q"/>
+            </a:pPr>
+            <a:r>
+              <a:rPr lang="en-US" dirty="0"/>
+              <a:t>Length</a:t>
+            </a:r>
+          </a:p>
+          <a:p>
+            <a:pPr marL="285750" indent="-285750">
+              <a:buFont typeface="Wingdings" panose="05000000000000000000" pitchFamily="2" charset="2"/>
+              <a:buChar char="q"/>
+            </a:pPr>
+            <a:r>
+              <a:rPr lang="en-US" dirty="0"/>
+              <a:t>Direction</a:t>
+            </a:r>
+          </a:p>
+          <a:p>
+            <a:pPr marL="285750" indent="-285750">
+              <a:buFont typeface="Wingdings" panose="05000000000000000000" pitchFamily="2" charset="2"/>
+              <a:buChar char="q"/>
+            </a:pPr>
+            <a:r>
+              <a:rPr lang="en-US" dirty="0"/>
+              <a:t>Angle</a:t>
+            </a:r>
+          </a:p>
+          <a:p>
+            <a:pPr marL="285750" indent="-285750">
+              <a:buFont typeface="Wingdings" panose="05000000000000000000" pitchFamily="2" charset="2"/>
+              <a:buChar char="q"/>
+            </a:pPr>
+            <a:r>
+              <a:rPr lang="en-US" dirty="0"/>
+              <a:t>Area</a:t>
+            </a:r>
+          </a:p>
+          <a:p>
+            <a:pPr marL="285750" indent="-285750">
+              <a:buFont typeface="Wingdings" panose="05000000000000000000" pitchFamily="2" charset="2"/>
+              <a:buChar char="q"/>
+            </a:pPr>
+            <a:r>
+              <a:rPr lang="en-US" dirty="0"/>
+              <a:t>Color</a:t>
+            </a:r>
+          </a:p>
+        </p:txBody>
+      </p:sp>
+      <p:sp>
+        <p:nvSpPr>
+          <p:cNvPr id="181" name="Rectangle 180">
+            <a:extLst>
+              <a:ext uri="{FF2B5EF4-FFF2-40B4-BE49-F238E27FC236}">
+                <a16:creationId xmlns:a16="http://schemas.microsoft.com/office/drawing/2014/main" id="{35B66ECF-F54C-4471-8E6A-3BD8424325ED}"/>
+              </a:ext>
+            </a:extLst>
+          </p:cNvPr>
+          <p:cNvSpPr/>
+          <p:nvPr/>
+        </p:nvSpPr>
+        <p:spPr>
+          <a:xfrm>
+            <a:off x="19307826" y="15501898"/>
+            <a:ext cx="2071400" cy="1477328"/>
+          </a:xfrm>
+          <a:prstGeom prst="rect">
+            <a:avLst/>
+          </a:prstGeom>
+        </p:spPr>
+        <p:txBody>
+          <a:bodyPr wrap="square">
+            <a:spAutoFit/>
+          </a:bodyPr>
+          <a:lstStyle/>
+          <a:p>
+            <a:r>
+              <a:rPr lang="en-US" u="sng" dirty="0"/>
+              <a:t>Grouping principles</a:t>
+            </a:r>
+          </a:p>
+          <a:p>
+            <a:pPr marL="285750" indent="-285750">
+              <a:buFont typeface="Wingdings" panose="05000000000000000000" pitchFamily="2" charset="2"/>
+              <a:buChar char="q"/>
+            </a:pPr>
+            <a:r>
+              <a:rPr lang="en-US" dirty="0"/>
+              <a:t>Similarity</a:t>
+            </a:r>
+          </a:p>
+          <a:p>
+            <a:pPr marL="285750" indent="-285750">
+              <a:buFont typeface="Wingdings" panose="05000000000000000000" pitchFamily="2" charset="2"/>
+              <a:buChar char="q"/>
+            </a:pPr>
+            <a:r>
+              <a:rPr lang="en-US" dirty="0"/>
+              <a:t>Proximity</a:t>
+            </a:r>
+          </a:p>
+          <a:p>
+            <a:pPr marL="285750" indent="-285750">
+              <a:buFont typeface="Wingdings" panose="05000000000000000000" pitchFamily="2" charset="2"/>
+              <a:buChar char="q"/>
+            </a:pPr>
+            <a:r>
+              <a:rPr lang="en-US" dirty="0"/>
+              <a:t>Connection</a:t>
+            </a:r>
+          </a:p>
+          <a:p>
+            <a:pPr marL="285750" indent="-285750">
+              <a:buFont typeface="Wingdings" panose="05000000000000000000" pitchFamily="2" charset="2"/>
+              <a:buChar char="q"/>
+            </a:pPr>
+            <a:r>
+              <a:rPr lang="en-US" dirty="0"/>
+              <a:t>Enclosure</a:t>
+            </a:r>
+          </a:p>
+        </p:txBody>
+      </p:sp>
+      <p:sp>
+        <p:nvSpPr>
+          <p:cNvPr id="84" name="TextBox 83">
+            <a:extLst>
+              <a:ext uri="{FF2B5EF4-FFF2-40B4-BE49-F238E27FC236}">
+                <a16:creationId xmlns:a16="http://schemas.microsoft.com/office/drawing/2014/main" id="{692B1475-22A6-443F-9FC5-7FE4247B9AD5}"/>
+              </a:ext>
+            </a:extLst>
+          </p:cNvPr>
+          <p:cNvSpPr txBox="1"/>
+          <p:nvPr/>
+        </p:nvSpPr>
+        <p:spPr>
+          <a:xfrm>
+            <a:off x="25243465" y="1491422"/>
+            <a:ext cx="5208605" cy="830997"/>
+          </a:xfrm>
+          <a:prstGeom prst="rect">
+            <a:avLst/>
+          </a:prstGeom>
+          <a:noFill/>
+        </p:spPr>
+        <p:txBody>
+          <a:bodyPr wrap="none" rtlCol="0">
+            <a:spAutoFit/>
+          </a:bodyPr>
+          <a:lstStyle/>
+          <a:p>
+            <a:r>
+              <a:rPr lang="en-US" sz="4800" b="1" dirty="0"/>
+              <a:t>STUDENT PROJECTS</a:t>
+            </a:r>
+          </a:p>
+        </p:txBody>
+      </p:sp>
+      <p:sp>
+        <p:nvSpPr>
+          <p:cNvPr id="2" name="Rectangle 1">
+            <a:extLst>
+              <a:ext uri="{FF2B5EF4-FFF2-40B4-BE49-F238E27FC236}">
+                <a16:creationId xmlns:a16="http://schemas.microsoft.com/office/drawing/2014/main" id="{72FDF23F-B68F-44C5-BC40-CB6DBEED7C31}"/>
+              </a:ext>
+            </a:extLst>
+          </p:cNvPr>
+          <p:cNvSpPr/>
+          <p:nvPr/>
+        </p:nvSpPr>
+        <p:spPr>
+          <a:xfrm>
+            <a:off x="24448908" y="3504637"/>
+            <a:ext cx="2743200" cy="1788678"/>
+          </a:xfrm>
+          <a:prstGeom prst="rect">
+            <a:avLst/>
+          </a:prstGeom>
+        </p:spPr>
+        <p:style>
+          <a:lnRef idx="2">
+            <a:schemeClr val="accent1">
+              <a:shade val="50000"/>
+            </a:schemeClr>
+          </a:lnRef>
+          <a:fillRef idx="1">
+            <a:schemeClr val="accent1"/>
+          </a:fillRef>
+          <a:effectRef idx="0">
+            <a:schemeClr val="accent1"/>
+          </a:effectRef>
+          <a:fontRef idx="minor">
+            <a:schemeClr val="lt1"/>
+          </a:fontRef>
+        </p:style>
+        <p:txBody>
+          <a:bodyPr rtlCol="0" anchor="ctr"/>
+          <a:lstStyle/>
+          <a:p>
+            <a:pPr algn="ctr"/>
+            <a:r>
+              <a:rPr lang="en-US" dirty="0"/>
+              <a:t>Chris Planet Photo 1</a:t>
+            </a:r>
+          </a:p>
+        </p:txBody>
+      </p:sp>
+      <p:sp>
+        <p:nvSpPr>
+          <p:cNvPr id="85" name="Rectangle 84">
+            <a:extLst>
+              <a:ext uri="{FF2B5EF4-FFF2-40B4-BE49-F238E27FC236}">
+                <a16:creationId xmlns:a16="http://schemas.microsoft.com/office/drawing/2014/main" id="{3F69E54E-1E19-462A-A861-348A0ECA00CC}"/>
+              </a:ext>
+            </a:extLst>
+          </p:cNvPr>
+          <p:cNvSpPr/>
+          <p:nvPr/>
+        </p:nvSpPr>
+        <p:spPr>
+          <a:xfrm>
+            <a:off x="28059067" y="3507503"/>
+            <a:ext cx="2743200" cy="1788678"/>
+          </a:xfrm>
+          <a:prstGeom prst="rect">
+            <a:avLst/>
+          </a:prstGeom>
+        </p:spPr>
+        <p:style>
+          <a:lnRef idx="2">
+            <a:schemeClr val="accent1">
+              <a:shade val="50000"/>
+            </a:schemeClr>
+          </a:lnRef>
+          <a:fillRef idx="1">
+            <a:schemeClr val="accent1"/>
+          </a:fillRef>
+          <a:effectRef idx="0">
+            <a:schemeClr val="accent1"/>
+          </a:effectRef>
+          <a:fontRef idx="minor">
+            <a:schemeClr val="lt1"/>
+          </a:fontRef>
+        </p:style>
+        <p:txBody>
+          <a:bodyPr rtlCol="0" anchor="ctr"/>
+          <a:lstStyle/>
+          <a:p>
+            <a:pPr algn="ctr"/>
+            <a:r>
+              <a:rPr lang="en-US" dirty="0"/>
+              <a:t>Chris Planet Photo 2</a:t>
+            </a:r>
+          </a:p>
+        </p:txBody>
+      </p:sp>
+      <p:sp>
+        <p:nvSpPr>
+          <p:cNvPr id="87" name="TextBox 86">
+            <a:extLst>
+              <a:ext uri="{FF2B5EF4-FFF2-40B4-BE49-F238E27FC236}">
+                <a16:creationId xmlns:a16="http://schemas.microsoft.com/office/drawing/2014/main" id="{2D298482-33B1-450C-8018-BE9EF2B421A0}"/>
+              </a:ext>
+            </a:extLst>
+          </p:cNvPr>
+          <p:cNvSpPr txBox="1"/>
+          <p:nvPr/>
+        </p:nvSpPr>
+        <p:spPr>
+          <a:xfrm>
+            <a:off x="26920430" y="2557869"/>
+            <a:ext cx="1679883" cy="584775"/>
+          </a:xfrm>
+          <a:prstGeom prst="rect">
+            <a:avLst/>
+          </a:prstGeom>
+          <a:noFill/>
+        </p:spPr>
+        <p:txBody>
+          <a:bodyPr wrap="none" rtlCol="0">
+            <a:spAutoFit/>
+          </a:bodyPr>
+          <a:lstStyle/>
+          <a:p>
+            <a:r>
+              <a:rPr lang="en-US" sz="3200" strike="sngStrike" dirty="0"/>
+              <a:t>Software</a:t>
+            </a:r>
+          </a:p>
+        </p:txBody>
+      </p:sp>
+      <p:sp>
+        <p:nvSpPr>
+          <p:cNvPr id="88" name="TextBox 87">
+            <a:extLst>
+              <a:ext uri="{FF2B5EF4-FFF2-40B4-BE49-F238E27FC236}">
+                <a16:creationId xmlns:a16="http://schemas.microsoft.com/office/drawing/2014/main" id="{73F32F00-D30C-4C23-AB4C-1166FE71A0B7}"/>
+              </a:ext>
+            </a:extLst>
+          </p:cNvPr>
+          <p:cNvSpPr txBox="1"/>
+          <p:nvPr/>
+        </p:nvSpPr>
+        <p:spPr>
+          <a:xfrm>
+            <a:off x="25871919" y="6043542"/>
+            <a:ext cx="3957750" cy="584775"/>
+          </a:xfrm>
+          <a:prstGeom prst="rect">
+            <a:avLst/>
+          </a:prstGeom>
+          <a:noFill/>
+        </p:spPr>
+        <p:txBody>
+          <a:bodyPr wrap="none" rtlCol="0">
+            <a:spAutoFit/>
+          </a:bodyPr>
+          <a:lstStyle/>
+          <a:p>
+            <a:r>
+              <a:rPr lang="en-US" sz="3200" dirty="0"/>
+              <a:t>Critiques &amp; Makeovers</a:t>
+            </a:r>
+          </a:p>
+        </p:txBody>
+      </p:sp>
+      <p:pic>
+        <p:nvPicPr>
+          <p:cNvPr id="3" name="Picture 2">
+            <a:extLst>
+              <a:ext uri="{FF2B5EF4-FFF2-40B4-BE49-F238E27FC236}">
+                <a16:creationId xmlns:a16="http://schemas.microsoft.com/office/drawing/2014/main" id="{AAA6146A-05DC-4C48-92A3-046829E0DD89}"/>
+              </a:ext>
+            </a:extLst>
+          </p:cNvPr>
+          <p:cNvPicPr>
+            <a:picLocks noChangeAspect="1"/>
+          </p:cNvPicPr>
+          <p:nvPr/>
+        </p:nvPicPr>
+        <p:blipFill rotWithShape="1">
+          <a:blip r:embed="rId6"/>
+          <a:srcRect r="249" b="681"/>
+          <a:stretch/>
+        </p:blipFill>
+        <p:spPr>
+          <a:xfrm>
+            <a:off x="26258946" y="6734613"/>
+            <a:ext cx="3007437" cy="1777255"/>
           </a:xfrm>
           <a:prstGeom prst="rect">
             <a:avLst/>
@@ -6688,10 +7294,10 @@
       </p:pic>
       <p:pic>
         <p:nvPicPr>
-          <p:cNvPr id="1037" name="Picture 1036">
-            <a:extLst>
-              <a:ext uri="{FF2B5EF4-FFF2-40B4-BE49-F238E27FC236}">
-                <a16:creationId xmlns:a16="http://schemas.microsoft.com/office/drawing/2014/main" id="{80DE7872-74BA-40FE-AF85-5A8433F14D2F}"/>
+          <p:cNvPr id="4" name="Picture 3">
+            <a:extLst>
+              <a:ext uri="{FF2B5EF4-FFF2-40B4-BE49-F238E27FC236}">
+                <a16:creationId xmlns:a16="http://schemas.microsoft.com/office/drawing/2014/main" id="{10C3333C-86F1-4576-B67E-0AEEE8E9DD6E}"/>
               </a:ext>
             </a:extLst>
           </p:cNvPr>
@@ -6708,8 +7314,8 @@
         </p:blipFill>
         <p:spPr>
           <a:xfrm>
-            <a:off x="17016004" y="11282010"/>
-            <a:ext cx="1565909" cy="1865558"/>
+            <a:off x="23977916" y="9073515"/>
+            <a:ext cx="2510237" cy="1759165"/>
           </a:xfrm>
           <a:prstGeom prst="rect">
             <a:avLst/>
@@ -6718,10 +7324,10 @@
       </p:pic>
       <p:pic>
         <p:nvPicPr>
-          <p:cNvPr id="1038" name="Picture 1037">
-            <a:extLst>
-              <a:ext uri="{FF2B5EF4-FFF2-40B4-BE49-F238E27FC236}">
-                <a16:creationId xmlns:a16="http://schemas.microsoft.com/office/drawing/2014/main" id="{BD45463D-5AE8-463E-97B8-272B2B2DA11F}"/>
+          <p:cNvPr id="11" name="Picture 10">
+            <a:extLst>
+              <a:ext uri="{FF2B5EF4-FFF2-40B4-BE49-F238E27FC236}">
+                <a16:creationId xmlns:a16="http://schemas.microsoft.com/office/drawing/2014/main" id="{129BAC47-D812-4427-B628-CB5281913F42}"/>
               </a:ext>
             </a:extLst>
           </p:cNvPr>
@@ -6738,20 +7344,108 @@
         </p:blipFill>
         <p:spPr>
           <a:xfrm>
-            <a:off x="14605339" y="10332830"/>
-            <a:ext cx="5218122" cy="802788"/>
+            <a:off x="27847767" y="8954260"/>
+            <a:ext cx="3606815" cy="2188445"/>
           </a:xfrm>
           <a:prstGeom prst="rect">
             <a:avLst/>
           </a:prstGeom>
         </p:spPr>
       </p:pic>
-      <p:sp>
-        <p:nvSpPr>
-          <p:cNvPr id="1039" name="TextBox 1038">
-            <a:extLst>
-              <a:ext uri="{FF2B5EF4-FFF2-40B4-BE49-F238E27FC236}">
-                <a16:creationId xmlns:a16="http://schemas.microsoft.com/office/drawing/2014/main" id="{D3B46F89-65A9-4CAE-939F-FCF897642859}"/>
+      <p:cxnSp>
+        <p:nvCxnSpPr>
+          <p:cNvPr id="13" name="Straight Arrow Connector 12">
+            <a:extLst>
+              <a:ext uri="{FF2B5EF4-FFF2-40B4-BE49-F238E27FC236}">
+                <a16:creationId xmlns:a16="http://schemas.microsoft.com/office/drawing/2014/main" id="{4EBCDD9C-E00E-4650-9578-F9640FDBC536}"/>
+              </a:ext>
+            </a:extLst>
+          </p:cNvPr>
+          <p:cNvCxnSpPr>
+            <a:cxnSpLocks/>
+          </p:cNvCxnSpPr>
+          <p:nvPr/>
+        </p:nvCxnSpPr>
+        <p:spPr>
+          <a:xfrm flipH="1">
+            <a:off x="26826301" y="8741676"/>
+            <a:ext cx="926913" cy="322314"/>
+          </a:xfrm>
+          <a:prstGeom prst="straightConnector1">
+            <a:avLst/>
+          </a:prstGeom>
+          <a:ln>
+            <a:solidFill>
+              <a:schemeClr val="tx1"/>
+            </a:solidFill>
+            <a:tailEnd type="triangle"/>
+          </a:ln>
+        </p:spPr>
+        <p:style>
+          <a:lnRef idx="1">
+            <a:schemeClr val="accent1"/>
+          </a:lnRef>
+          <a:fillRef idx="0">
+            <a:schemeClr val="accent1"/>
+          </a:fillRef>
+          <a:effectRef idx="0">
+            <a:schemeClr val="accent1"/>
+          </a:effectRef>
+          <a:fontRef idx="minor">
+            <a:schemeClr val="tx1"/>
+          </a:fontRef>
+        </p:style>
+      </p:cxnSp>
+      <p:cxnSp>
+        <p:nvCxnSpPr>
+          <p:cNvPr id="97" name="Straight Arrow Connector 96">
+            <a:extLst>
+              <a:ext uri="{FF2B5EF4-FFF2-40B4-BE49-F238E27FC236}">
+                <a16:creationId xmlns:a16="http://schemas.microsoft.com/office/drawing/2014/main" id="{7BA7DB0D-0948-4AED-873A-8DC1CCC44D0E}"/>
+              </a:ext>
+            </a:extLst>
+          </p:cNvPr>
+          <p:cNvCxnSpPr>
+            <a:cxnSpLocks noChangeAspect="1"/>
+          </p:cNvCxnSpPr>
+          <p:nvPr/>
+        </p:nvCxnSpPr>
+        <p:spPr>
+          <a:xfrm rot="-8400000" flipH="1">
+            <a:off x="27748375" y="8761607"/>
+            <a:ext cx="926913" cy="322314"/>
+          </a:xfrm>
+          <a:prstGeom prst="straightConnector1">
+            <a:avLst/>
+          </a:prstGeom>
+          <a:ln>
+            <a:solidFill>
+              <a:schemeClr val="tx1"/>
+            </a:solidFill>
+            <a:tailEnd type="triangle"/>
+          </a:ln>
+        </p:spPr>
+        <p:style>
+          <a:lnRef idx="1">
+            <a:schemeClr val="accent1"/>
+          </a:lnRef>
+          <a:fillRef idx="0">
+            <a:schemeClr val="accent1"/>
+          </a:fillRef>
+          <a:effectRef idx="0">
+            <a:schemeClr val="accent1"/>
+          </a:effectRef>
+          <a:fontRef idx="minor">
+            <a:schemeClr val="tx1"/>
+          </a:fontRef>
+        </p:style>
+      </p:cxnSp>
+      <p:sp>
+        <p:nvSpPr>
+          <p:cNvPr id="98" name="TextBox 97">
+            <a:extLst>
+              <a:ext uri="{FF2B5EF4-FFF2-40B4-BE49-F238E27FC236}">
+                <a16:creationId xmlns:a16="http://schemas.microsoft.com/office/drawing/2014/main" id="{C427F7E2-B832-4A44-9309-17345E6929A9}"/>
               </a:ext>
             </a:extLst>
           </p:cNvPr>
@@ -6760,8 +7454,8 @@
         </p:nvSpPr>
         <p:spPr>
           <a:xfrm>
-            <a:off x="5083480" y="1436216"/>
-            <a:ext cx="2238626" cy="830997"/>
+            <a:off x="26589858" y="11320413"/>
+            <a:ext cx="2515817" cy="584775"/>
           </a:xfrm>
           <a:prstGeom prst="rect">
             <a:avLst/>
@@ -6775,88 +7469,18 @@
           <a:lstStyle/>
           <a:p>
             <a:r>
-              <a:rPr lang="en-US" sz="4800" b="1" dirty="0"/>
-              <a:t>THEORY</a:t>
-            </a:r>
-          </a:p>
-        </p:txBody>
-      </p:sp>
-      <p:sp>
-        <p:nvSpPr>
-          <p:cNvPr id="175" name="TextBox 174">
-            <a:extLst>
-              <a:ext uri="{FF2B5EF4-FFF2-40B4-BE49-F238E27FC236}">
-                <a16:creationId xmlns:a16="http://schemas.microsoft.com/office/drawing/2014/main" id="{1AA9284B-2499-462A-AF27-DCB5A9D12419}"/>
-              </a:ext>
-            </a:extLst>
-          </p:cNvPr>
-          <p:cNvSpPr txBox="1"/>
-          <p:nvPr/>
-        </p:nvSpPr>
-        <p:spPr>
-          <a:xfrm>
-            <a:off x="15426090" y="1491422"/>
-            <a:ext cx="3576620" cy="830997"/>
-          </a:xfrm>
-          <a:prstGeom prst="rect">
-            <a:avLst/>
-          </a:prstGeom>
-          <a:noFill/>
-        </p:spPr>
-        <p:txBody>
-          <a:bodyPr wrap="none" rtlCol="0">
-            <a:spAutoFit/>
-          </a:bodyPr>
-          <a:lstStyle/>
-          <a:p>
-            <a:r>
-              <a:rPr lang="en-US" sz="4800" b="1" dirty="0"/>
-              <a:t>APPLICATION</a:t>
-            </a:r>
-          </a:p>
-        </p:txBody>
-      </p:sp>
-      <p:sp>
-        <p:nvSpPr>
-          <p:cNvPr id="176" name="TextBox 175">
-            <a:extLst>
-              <a:ext uri="{FF2B5EF4-FFF2-40B4-BE49-F238E27FC236}">
-                <a16:creationId xmlns:a16="http://schemas.microsoft.com/office/drawing/2014/main" id="{C79413BB-6F96-4E10-A304-67836D53DDEE}"/>
-              </a:ext>
-            </a:extLst>
-          </p:cNvPr>
-          <p:cNvSpPr txBox="1"/>
-          <p:nvPr/>
-        </p:nvSpPr>
-        <p:spPr>
-          <a:xfrm>
-            <a:off x="15079827" y="13988665"/>
-            <a:ext cx="3215945" cy="830997"/>
-          </a:xfrm>
-          <a:prstGeom prst="rect">
-            <a:avLst/>
-          </a:prstGeom>
-          <a:noFill/>
-        </p:spPr>
-        <p:txBody>
-          <a:bodyPr wrap="none" rtlCol="0">
-            <a:spAutoFit/>
-          </a:bodyPr>
-          <a:lstStyle/>
-          <a:p>
-            <a:r>
-              <a:rPr lang="en-US" sz="4800" b="1" dirty="0"/>
-              <a:t>EDUCATION</a:t>
+              <a:rPr lang="en-US" sz="3200" dirty="0"/>
+              <a:t>Large Projects</a:t>
             </a:r>
           </a:p>
         </p:txBody>
       </p:sp>
       <p:pic>
         <p:nvPicPr>
-          <p:cNvPr id="177" name="Picture 176">
-            <a:extLst>
-              <a:ext uri="{FF2B5EF4-FFF2-40B4-BE49-F238E27FC236}">
-                <a16:creationId xmlns:a16="http://schemas.microsoft.com/office/drawing/2014/main" id="{33B49538-FEE2-4F8A-AC1A-31060F53B016}"/>
+          <p:cNvPr id="18" name="Picture 17">
+            <a:extLst>
+              <a:ext uri="{FF2B5EF4-FFF2-40B4-BE49-F238E27FC236}">
+                <a16:creationId xmlns:a16="http://schemas.microsoft.com/office/drawing/2014/main" id="{D659BDE0-13A0-48EB-9347-14D1444B693D}"/>
               </a:ext>
             </a:extLst>
           </p:cNvPr>
@@ -6866,27 +7490,123 @@
           <p:nvPr/>
         </p:nvPicPr>
         <p:blipFill>
-          <a:blip r:embed="rId4"/>
+          <a:blip r:embed="rId9"/>
           <a:stretch>
             <a:fillRect/>
           </a:stretch>
         </p:blipFill>
         <p:spPr>
           <a:xfrm>
-            <a:off x="12421743" y="15228632"/>
-            <a:ext cx="2918985" cy="2071538"/>
+            <a:off x="26488153" y="12185320"/>
+            <a:ext cx="2942514" cy="1633761"/>
           </a:xfrm>
           <a:prstGeom prst="rect">
             <a:avLst/>
           </a:prstGeom>
         </p:spPr>
       </p:pic>
-      <p:sp>
-        <p:nvSpPr>
-          <p:cNvPr id="1040" name="TextBox 1039">
-            <a:extLst>
-              <a:ext uri="{FF2B5EF4-FFF2-40B4-BE49-F238E27FC236}">
-                <a16:creationId xmlns:a16="http://schemas.microsoft.com/office/drawing/2014/main" id="{EC9B092D-61C5-4685-B8C8-19298B680533}"/>
+      <p:pic>
+        <p:nvPicPr>
+          <p:cNvPr id="19" name="Picture 18">
+            <a:extLst>
+              <a:ext uri="{FF2B5EF4-FFF2-40B4-BE49-F238E27FC236}">
+                <a16:creationId xmlns:a16="http://schemas.microsoft.com/office/drawing/2014/main" id="{5E199993-AC78-4F74-8251-B368695EA779}"/>
+              </a:ext>
+            </a:extLst>
+          </p:cNvPr>
+          <p:cNvPicPr>
+            <a:picLocks noChangeAspect="1"/>
+          </p:cNvPicPr>
+          <p:nvPr/>
+        </p:nvPicPr>
+        <p:blipFill>
+          <a:blip r:embed="rId10"/>
+          <a:stretch>
+            <a:fillRect/>
+          </a:stretch>
+        </p:blipFill>
+        <p:spPr>
+          <a:xfrm>
+            <a:off x="29763604" y="12258282"/>
+            <a:ext cx="2871618" cy="1560799"/>
+          </a:xfrm>
+          <a:prstGeom prst="rect">
+            <a:avLst/>
+          </a:prstGeom>
+        </p:spPr>
+      </p:pic>
+      <p:pic>
+        <p:nvPicPr>
+          <p:cNvPr id="25" name="Picture 24">
+            <a:extLst>
+              <a:ext uri="{FF2B5EF4-FFF2-40B4-BE49-F238E27FC236}">
+                <a16:creationId xmlns:a16="http://schemas.microsoft.com/office/drawing/2014/main" id="{6C44640D-B979-4C82-A197-0F3998CF63D6}"/>
+              </a:ext>
+            </a:extLst>
+          </p:cNvPr>
+          <p:cNvPicPr>
+            <a:picLocks noChangeAspect="1"/>
+          </p:cNvPicPr>
+          <p:nvPr/>
+        </p:nvPicPr>
+        <p:blipFill>
+          <a:blip r:embed="rId11"/>
+          <a:stretch>
+            <a:fillRect/>
+          </a:stretch>
+        </p:blipFill>
+        <p:spPr>
+          <a:xfrm>
+            <a:off x="23123010" y="12185320"/>
+            <a:ext cx="3032206" cy="1633761"/>
+          </a:xfrm>
+          <a:prstGeom prst="rect">
+            <a:avLst/>
+          </a:prstGeom>
+        </p:spPr>
+      </p:pic>
+      <p:pic>
+        <p:nvPicPr>
+          <p:cNvPr id="22" name="Picture 21">
+            <a:extLst>
+              <a:ext uri="{FF2B5EF4-FFF2-40B4-BE49-F238E27FC236}">
+                <a16:creationId xmlns:a16="http://schemas.microsoft.com/office/drawing/2014/main" id="{FBCFD63A-C691-4E44-A45C-76810445B8EB}"/>
+              </a:ext>
+            </a:extLst>
+          </p:cNvPr>
+          <p:cNvPicPr>
+            <a:picLocks noChangeAspect="1"/>
+          </p:cNvPicPr>
+          <p:nvPr/>
+        </p:nvPicPr>
+        <p:blipFill>
+          <a:blip r:embed="rId12">
+            <a:extLst>
+              <a:ext uri="{28A0092B-C50C-407E-A947-70E740481C1C}">
+                <a14:useLocalDpi xmlns:a14="http://schemas.microsoft.com/office/drawing/2010/main" val="0"/>
+              </a:ext>
+            </a:extLst>
+          </a:blip>
+          <a:stretch>
+            <a:fillRect/>
+          </a:stretch>
+        </p:blipFill>
+        <p:spPr>
+          <a:xfrm>
+            <a:off x="23123010" y="13132087"/>
+            <a:ext cx="616268" cy="616268"/>
+          </a:xfrm>
+          <a:prstGeom prst="rect">
+            <a:avLst/>
+          </a:prstGeom>
+        </p:spPr>
+      </p:pic>
+      <p:sp>
+        <p:nvSpPr>
+          <p:cNvPr id="27" name="TextBox 26">
+            <a:extLst>
+              <a:ext uri="{FF2B5EF4-FFF2-40B4-BE49-F238E27FC236}">
+                <a16:creationId xmlns:a16="http://schemas.microsoft.com/office/drawing/2014/main" id="{8E539E95-74F9-4C86-9377-82AE6BF2D99A}"/>
               </a:ext>
             </a:extLst>
           </p:cNvPr>
@@ -6895,8 +7615,8 @@
         </p:nvSpPr>
         <p:spPr>
           <a:xfrm>
-            <a:off x="15679539" y="14973556"/>
-            <a:ext cx="1816459" cy="2031325"/>
+            <a:off x="20116588" y="13102024"/>
+            <a:ext cx="3054554" cy="646331"/>
           </a:xfrm>
           <a:prstGeom prst="rect">
             <a:avLst/>
@@ -6910,78 +7630,89 @@
           <a:lstStyle/>
           <a:p>
             <a:r>
-              <a:rPr lang="en-US" u="sng" dirty="0"/>
-              <a:t>Specification</a:t>
-            </a:r>
-          </a:p>
-          <a:p>
-            <a:pPr marL="285750" indent="-285750">
-              <a:buFont typeface="Arial" panose="020B0604020202020204" pitchFamily="34" charset="0"/>
-              <a:buChar char="•"/>
-            </a:pPr>
-            <a:r>
               <a:rPr lang="en-US" dirty="0"/>
-              <a:t>Geometry ___</a:t>
-            </a:r>
-          </a:p>
-          <a:p>
-            <a:pPr marL="742950" lvl="1" indent="-285750">
-              <a:buFont typeface="Courier New" panose="02070309020205020404" pitchFamily="49" charset="0"/>
-              <a:buChar char="o"/>
-            </a:pPr>
+              <a:t>Work by Stacey Miertschin</a:t>
+            </a:r>
+          </a:p>
+          <a:p>
             <a:r>
               <a:rPr lang="en-US" dirty="0"/>
-              <a:t>X __</a:t>
-            </a:r>
-          </a:p>
-          <a:p>
-            <a:pPr marL="742950" lvl="1" indent="-285750">
-              <a:buFont typeface="Courier New" panose="02070309020205020404" pitchFamily="49" charset="0"/>
-              <a:buChar char="o"/>
-            </a:pPr>
-            <a:r>
-              <a:rPr lang="en-US" dirty="0"/>
-              <a:t>Y __</a:t>
-            </a:r>
-          </a:p>
-          <a:p>
-            <a:pPr marL="742950" lvl="1" indent="-285750">
-              <a:buFont typeface="Courier New" panose="02070309020205020404" pitchFamily="49" charset="0"/>
-              <a:buChar char="o"/>
-            </a:pPr>
-            <a:r>
-              <a:rPr lang="en-US" dirty="0"/>
-              <a:t>Color __</a:t>
-            </a:r>
-          </a:p>
-          <a:p>
-            <a:pPr marL="742950" lvl="1" indent="-285750">
-              <a:buFont typeface="Courier New" panose="02070309020205020404" pitchFamily="49" charset="0"/>
-              <a:buChar char="o"/>
-            </a:pPr>
-            <a:r>
-              <a:rPr lang="en-US" dirty="0"/>
-              <a:t>Shape __</a:t>
-            </a:r>
-          </a:p>
-          <a:p>
-            <a:pPr marL="742950" lvl="1" indent="-285750">
-              <a:buFont typeface="Courier New" panose="02070309020205020404" pitchFamily="49" charset="0"/>
-              <a:buChar char="o"/>
-            </a:pPr>
-            <a:r>
-              <a:rPr lang="en-US" dirty="0"/>
-              <a:t>Size ___</a:t>
-            </a:r>
-          </a:p>
-        </p:txBody>
-      </p:sp>
-      <p:sp>
-        <p:nvSpPr>
-          <p:cNvPr id="1041" name="Rectangle 1040">
-            <a:extLst>
-              <a:ext uri="{FF2B5EF4-FFF2-40B4-BE49-F238E27FC236}">
-                <a16:creationId xmlns:a16="http://schemas.microsoft.com/office/drawing/2014/main" id="{6B87BB40-A5BF-4B55-9E8C-7C9B4770CC2E}"/>
+              <a:t>Stacey’s Tableau Public Profile:</a:t>
+            </a:r>
+          </a:p>
+        </p:txBody>
+      </p:sp>
+      <p:sp>
+        <p:nvSpPr>
+          <p:cNvPr id="28" name="TextBox 27">
+            <a:extLst>
+              <a:ext uri="{FF2B5EF4-FFF2-40B4-BE49-F238E27FC236}">
+                <a16:creationId xmlns:a16="http://schemas.microsoft.com/office/drawing/2014/main" id="{E3B08D4B-0AF5-4E75-9172-9040EA9BFF17}"/>
+              </a:ext>
+            </a:extLst>
+          </p:cNvPr>
+          <p:cNvSpPr txBox="1"/>
+          <p:nvPr/>
+        </p:nvSpPr>
+        <p:spPr>
+          <a:xfrm>
+            <a:off x="26175481" y="14161611"/>
+            <a:ext cx="3344570" cy="830997"/>
+          </a:xfrm>
+          <a:prstGeom prst="rect">
+            <a:avLst/>
+          </a:prstGeom>
+          <a:noFill/>
+        </p:spPr>
+        <p:txBody>
+          <a:bodyPr wrap="none" rtlCol="0">
+            <a:spAutoFit/>
+          </a:bodyPr>
+          <a:lstStyle/>
+          <a:p>
+            <a:r>
+              <a:rPr lang="en-US" sz="4800" b="1" dirty="0"/>
+              <a:t>REFERENCES</a:t>
+            </a:r>
+          </a:p>
+        </p:txBody>
+      </p:sp>
+      <p:pic>
+        <p:nvPicPr>
+          <p:cNvPr id="29" name="Picture 28">
+            <a:extLst>
+              <a:ext uri="{FF2B5EF4-FFF2-40B4-BE49-F238E27FC236}">
+                <a16:creationId xmlns:a16="http://schemas.microsoft.com/office/drawing/2014/main" id="{9BEC36C4-E344-48D7-BDBA-F7E04D53E32A}"/>
+              </a:ext>
+            </a:extLst>
+          </p:cNvPr>
+          <p:cNvPicPr>
+            <a:picLocks noChangeAspect="1"/>
+          </p:cNvPicPr>
+          <p:nvPr/>
+        </p:nvPicPr>
+        <p:blipFill>
+          <a:blip r:embed="rId13"/>
+          <a:stretch>
+            <a:fillRect/>
+          </a:stretch>
+        </p:blipFill>
+        <p:spPr>
+          <a:xfrm>
+            <a:off x="25358652" y="15085501"/>
+            <a:ext cx="4978230" cy="3041546"/>
+          </a:xfrm>
+          <a:prstGeom prst="rect">
+            <a:avLst/>
+          </a:prstGeom>
+        </p:spPr>
+      </p:pic>
+      <p:sp>
+        <p:nvSpPr>
+          <p:cNvPr id="109" name="Rectangle 108">
+            <a:extLst>
+              <a:ext uri="{FF2B5EF4-FFF2-40B4-BE49-F238E27FC236}">
+                <a16:creationId xmlns:a16="http://schemas.microsoft.com/office/drawing/2014/main" id="{1ADA485C-10E1-44E4-823A-9BCE559F9108}"/>
               </a:ext>
             </a:extLst>
           </p:cNvPr>
@@ -6990,8 +7721,8 @@
         </p:nvSpPr>
         <p:spPr>
           <a:xfrm>
-            <a:off x="17842065" y="14972513"/>
-            <a:ext cx="1534842" cy="2031325"/>
+            <a:off x="13296775" y="7546431"/>
+            <a:ext cx="7141779" cy="2431435"/>
           </a:xfrm>
           <a:prstGeom prst="rect">
             <a:avLst/>
@@ -7003,147 +7734,207 @@
           </a:bodyPr>
           <a:lstStyle/>
           <a:p>
-            <a:r>
-              <a:rPr lang="en-US" u="sng" dirty="0"/>
-              <a:t>EPTs</a:t>
-            </a:r>
-          </a:p>
-          <a:p>
-            <a:pPr marL="285750" indent="-285750">
-              <a:buFont typeface="Wingdings" panose="05000000000000000000" pitchFamily="2" charset="2"/>
-              <a:buChar char="q"/>
-            </a:pPr>
-            <a:r>
-              <a:rPr lang="en-US" dirty="0"/>
-              <a:t>Position</a:t>
-            </a:r>
-          </a:p>
-          <a:p>
-            <a:pPr marL="285750" indent="-285750">
-              <a:buFont typeface="Wingdings" panose="05000000000000000000" pitchFamily="2" charset="2"/>
-              <a:buChar char="q"/>
-            </a:pPr>
-            <a:r>
-              <a:rPr lang="en-US" dirty="0"/>
-              <a:t>Length</a:t>
-            </a:r>
-          </a:p>
-          <a:p>
-            <a:pPr marL="285750" indent="-285750">
-              <a:buFont typeface="Wingdings" panose="05000000000000000000" pitchFamily="2" charset="2"/>
-              <a:buChar char="q"/>
-            </a:pPr>
-            <a:r>
-              <a:rPr lang="en-US" dirty="0"/>
-              <a:t>Direction</a:t>
-            </a:r>
-          </a:p>
-          <a:p>
-            <a:pPr marL="285750" indent="-285750">
-              <a:buFont typeface="Wingdings" panose="05000000000000000000" pitchFamily="2" charset="2"/>
-              <a:buChar char="q"/>
-            </a:pPr>
-            <a:r>
-              <a:rPr lang="en-US" dirty="0"/>
-              <a:t>Angle</a:t>
-            </a:r>
-          </a:p>
-          <a:p>
-            <a:pPr marL="285750" indent="-285750">
-              <a:buFont typeface="Wingdings" panose="05000000000000000000" pitchFamily="2" charset="2"/>
-              <a:buChar char="q"/>
-            </a:pPr>
-            <a:r>
-              <a:rPr lang="en-US" dirty="0"/>
-              <a:t>Area</a:t>
-            </a:r>
-          </a:p>
-          <a:p>
-            <a:pPr marL="285750" indent="-285750">
-              <a:buFont typeface="Wingdings" panose="05000000000000000000" pitchFamily="2" charset="2"/>
-              <a:buChar char="q"/>
-            </a:pPr>
-            <a:r>
-              <a:rPr lang="en-US" dirty="0"/>
-              <a:t>Color</a:t>
-            </a:r>
-          </a:p>
-        </p:txBody>
-      </p:sp>
-      <p:sp>
-        <p:nvSpPr>
-          <p:cNvPr id="181" name="Rectangle 180">
-            <a:extLst>
-              <a:ext uri="{FF2B5EF4-FFF2-40B4-BE49-F238E27FC236}">
-                <a16:creationId xmlns:a16="http://schemas.microsoft.com/office/drawing/2014/main" id="{35B66ECF-F54C-4471-8E6A-3BD8424325ED}"/>
-              </a:ext>
-            </a:extLst>
-          </p:cNvPr>
-          <p:cNvSpPr/>
-          <p:nvPr/>
-        </p:nvSpPr>
-        <p:spPr>
-          <a:xfrm>
-            <a:off x="19307826" y="14972512"/>
-            <a:ext cx="2071400" cy="1477328"/>
+            <a:pPr algn="ctr"/>
+            <a:r>
+              <a:rPr lang="en-US" sz="3200" u="sng" dirty="0"/>
+              <a:t>Altair</a:t>
+            </a:r>
+          </a:p>
+          <a:p>
+            <a:r>
+              <a:rPr lang="en-US" sz="2000" dirty="0" err="1">
+                <a:latin typeface="Courier New" panose="02070309020205020404" pitchFamily="49" charset="0"/>
+                <a:cs typeface="Courier New" panose="02070309020205020404" pitchFamily="49" charset="0"/>
+              </a:rPr>
+              <a:t>alt.Chart</a:t>
+            </a:r>
+            <a:r>
+              <a:rPr lang="en-US" sz="2000" dirty="0">
+                <a:latin typeface="Courier New" panose="02070309020205020404" pitchFamily="49" charset="0"/>
+                <a:cs typeface="Courier New" panose="02070309020205020404" pitchFamily="49" charset="0"/>
+              </a:rPr>
+              <a:t>(</a:t>
+            </a:r>
+            <a:r>
+              <a:rPr lang="en-US" sz="2000" dirty="0" err="1">
+                <a:latin typeface="Courier New" panose="02070309020205020404" pitchFamily="49" charset="0"/>
+                <a:cs typeface="Courier New" panose="02070309020205020404" pitchFamily="49" charset="0"/>
+              </a:rPr>
+              <a:t>fake_data</a:t>
+            </a:r>
+            <a:r>
+              <a:rPr lang="en-US" sz="2000" dirty="0">
+                <a:latin typeface="Courier New" panose="02070309020205020404" pitchFamily="49" charset="0"/>
+                <a:cs typeface="Courier New" panose="02070309020205020404" pitchFamily="49" charset="0"/>
+              </a:rPr>
+              <a:t>)</a:t>
+            </a:r>
+          </a:p>
+          <a:p>
+            <a:r>
+              <a:rPr lang="en-US" sz="2000" dirty="0">
+                <a:latin typeface="Courier New" panose="02070309020205020404" pitchFamily="49" charset="0"/>
+                <a:cs typeface="Courier New" panose="02070309020205020404" pitchFamily="49" charset="0"/>
+              </a:rPr>
+              <a:t>	.encode(x = 'Factor1',</a:t>
+            </a:r>
+          </a:p>
+          <a:p>
+            <a:r>
+              <a:rPr lang="en-US" sz="2000" dirty="0">
+                <a:latin typeface="Courier New" panose="02070309020205020404" pitchFamily="49" charset="0"/>
+                <a:cs typeface="Courier New" panose="02070309020205020404" pitchFamily="49" charset="0"/>
+              </a:rPr>
+              <a:t>			  y = 'Response’,</a:t>
+            </a:r>
+          </a:p>
+          <a:p>
+            <a:r>
+              <a:rPr lang="en-US" sz="2000" dirty="0">
+                <a:latin typeface="Courier New" panose="02070309020205020404" pitchFamily="49" charset="0"/>
+                <a:cs typeface="Courier New" panose="02070309020205020404" pitchFamily="49" charset="0"/>
+              </a:rPr>
+              <a:t>	  		  color = 'Factor2')</a:t>
+            </a:r>
+          </a:p>
+          <a:p>
+            <a:r>
+              <a:rPr lang="en-US" sz="2000" dirty="0">
+                <a:latin typeface="Courier New" panose="02070309020205020404" pitchFamily="49" charset="0"/>
+                <a:cs typeface="Courier New" panose="02070309020205020404" pitchFamily="49" charset="0"/>
+              </a:rPr>
+              <a:t>	.</a:t>
+            </a:r>
+            <a:r>
+              <a:rPr lang="en-US" sz="2000" dirty="0" err="1">
+                <a:latin typeface="Courier New" panose="02070309020205020404" pitchFamily="49" charset="0"/>
+                <a:cs typeface="Courier New" panose="02070309020205020404" pitchFamily="49" charset="0"/>
+              </a:rPr>
+              <a:t>mark_line</a:t>
+            </a:r>
+            <a:r>
+              <a:rPr lang="en-US" sz="2000" dirty="0">
+                <a:latin typeface="Courier New" panose="02070309020205020404" pitchFamily="49" charset="0"/>
+                <a:cs typeface="Courier New" panose="02070309020205020404" pitchFamily="49" charset="0"/>
+              </a:rPr>
+              <a:t>()</a:t>
+            </a:r>
+          </a:p>
+          <a:p>
+            <a:r>
+              <a:rPr lang="en-US" sz="2000" dirty="0">
+                <a:latin typeface="Courier New" panose="02070309020205020404" pitchFamily="49" charset="0"/>
+                <a:cs typeface="Courier New" panose="02070309020205020404" pitchFamily="49" charset="0"/>
+              </a:rPr>
+              <a:t>	.</a:t>
+            </a:r>
+            <a:r>
+              <a:rPr lang="en-US" sz="2000" dirty="0" err="1">
+                <a:latin typeface="Courier New" panose="02070309020205020404" pitchFamily="49" charset="0"/>
+                <a:cs typeface="Courier New" panose="02070309020205020404" pitchFamily="49" charset="0"/>
+              </a:rPr>
+              <a:t>mark_point</a:t>
+            </a:r>
+            <a:r>
+              <a:rPr lang="en-US" sz="2000" dirty="0">
+                <a:latin typeface="Courier New" panose="02070309020205020404" pitchFamily="49" charset="0"/>
+                <a:cs typeface="Courier New" panose="02070309020205020404" pitchFamily="49" charset="0"/>
+              </a:rPr>
+              <a:t>().encode(shape = 'Factor2')</a:t>
+            </a:r>
+          </a:p>
+        </p:txBody>
+      </p:sp>
+      <p:pic>
+        <p:nvPicPr>
+          <p:cNvPr id="30" name="Picture 29">
+            <a:extLst>
+              <a:ext uri="{FF2B5EF4-FFF2-40B4-BE49-F238E27FC236}">
+                <a16:creationId xmlns:a16="http://schemas.microsoft.com/office/drawing/2014/main" id="{BAA6B818-B609-4B55-A565-54BDBB9BF53F}"/>
+              </a:ext>
+            </a:extLst>
+          </p:cNvPr>
+          <p:cNvPicPr>
+            <a:picLocks noChangeAspect="1"/>
+          </p:cNvPicPr>
+          <p:nvPr/>
+        </p:nvPicPr>
+        <p:blipFill>
+          <a:blip r:embed="rId14"/>
+          <a:stretch>
+            <a:fillRect/>
+          </a:stretch>
+        </p:blipFill>
+        <p:spPr>
+          <a:xfrm>
+            <a:off x="14631156" y="11824624"/>
+            <a:ext cx="1870799" cy="1971244"/>
           </a:xfrm>
           <a:prstGeom prst="rect">
             <a:avLst/>
           </a:prstGeom>
         </p:spPr>
-        <p:txBody>
-          <a:bodyPr wrap="square">
-            <a:spAutoFit/>
-          </a:bodyPr>
-          <a:lstStyle/>
-          <a:p>
-            <a:r>
-              <a:rPr lang="en-US" u="sng" dirty="0"/>
-              <a:t>Grouping principles</a:t>
-            </a:r>
-          </a:p>
-          <a:p>
-            <a:pPr marL="285750" indent="-285750">
-              <a:buFont typeface="Wingdings" panose="05000000000000000000" pitchFamily="2" charset="2"/>
-              <a:buChar char="q"/>
-            </a:pPr>
-            <a:r>
-              <a:rPr lang="en-US" dirty="0"/>
-              <a:t>Similarity</a:t>
-            </a:r>
-          </a:p>
-          <a:p>
-            <a:pPr marL="285750" indent="-285750">
-              <a:buFont typeface="Wingdings" panose="05000000000000000000" pitchFamily="2" charset="2"/>
-              <a:buChar char="q"/>
-            </a:pPr>
-            <a:r>
-              <a:rPr lang="en-US" dirty="0"/>
-              <a:t>Proximity</a:t>
-            </a:r>
-          </a:p>
-          <a:p>
-            <a:pPr marL="285750" indent="-285750">
-              <a:buFont typeface="Wingdings" panose="05000000000000000000" pitchFamily="2" charset="2"/>
-              <a:buChar char="q"/>
-            </a:pPr>
-            <a:r>
-              <a:rPr lang="en-US" dirty="0"/>
-              <a:t>Connection</a:t>
-            </a:r>
-          </a:p>
-          <a:p>
-            <a:pPr marL="285750" indent="-285750">
-              <a:buFont typeface="Wingdings" panose="05000000000000000000" pitchFamily="2" charset="2"/>
-              <a:buChar char="q"/>
-            </a:pPr>
-            <a:r>
-              <a:rPr lang="en-US" dirty="0"/>
-              <a:t>Enclosure</a:t>
-            </a:r>
-          </a:p>
-        </p:txBody>
-      </p:sp>
+      </p:pic>
+      <p:pic>
+        <p:nvPicPr>
+          <p:cNvPr id="31" name="Picture 30">
+            <a:extLst>
+              <a:ext uri="{FF2B5EF4-FFF2-40B4-BE49-F238E27FC236}">
+                <a16:creationId xmlns:a16="http://schemas.microsoft.com/office/drawing/2014/main" id="{680D08A7-966D-430D-B817-687609DE287E}"/>
+              </a:ext>
+            </a:extLst>
+          </p:cNvPr>
+          <p:cNvPicPr>
+            <a:picLocks noChangeAspect="1"/>
+          </p:cNvPicPr>
+          <p:nvPr/>
+        </p:nvPicPr>
+        <p:blipFill>
+          <a:blip r:embed="rId15"/>
+          <a:stretch>
+            <a:fillRect/>
+          </a:stretch>
+        </p:blipFill>
+        <p:spPr>
+          <a:xfrm>
+            <a:off x="16873645" y="11824624"/>
+            <a:ext cx="1606859" cy="1934790"/>
+          </a:xfrm>
+          <a:prstGeom prst="rect">
+            <a:avLst/>
+          </a:prstGeom>
+        </p:spPr>
+      </p:pic>
+      <p:pic>
+        <p:nvPicPr>
+          <p:cNvPr id="34" name="Picture 33">
+            <a:extLst>
+              <a:ext uri="{FF2B5EF4-FFF2-40B4-BE49-F238E27FC236}">
+                <a16:creationId xmlns:a16="http://schemas.microsoft.com/office/drawing/2014/main" id="{F43DADE2-FDC1-4779-B3FD-E6130C833AE7}"/>
+              </a:ext>
+            </a:extLst>
+          </p:cNvPr>
+          <p:cNvPicPr>
+            <a:picLocks noChangeAspect="1"/>
+          </p:cNvPicPr>
+          <p:nvPr/>
+        </p:nvPicPr>
+        <p:blipFill>
+          <a:blip r:embed="rId16"/>
+          <a:stretch>
+            <a:fillRect/>
+          </a:stretch>
+        </p:blipFill>
+        <p:spPr>
+          <a:xfrm>
+            <a:off x="14435030" y="10953175"/>
+            <a:ext cx="4133850" cy="628650"/>
+          </a:xfrm>
+          <a:prstGeom prst="rect">
+            <a:avLst/>
+          </a:prstGeom>
+        </p:spPr>
+      </p:pic>
     </p:spTree>
     <p:extLst>
       <p:ext uri="{BB962C8B-B14F-4D97-AF65-F5344CB8AC3E}">

--- a/dataviz_eposter.pptx
+++ b/dataviz_eposter.pptx
@@ -7721,8 +7721,8 @@
         </p:nvSpPr>
         <p:spPr>
           <a:xfrm>
-            <a:off x="13296775" y="7546431"/>
-            <a:ext cx="7141779" cy="2431435"/>
+            <a:off x="12686470" y="7560294"/>
+            <a:ext cx="8659066" cy="2431435"/>
           </a:xfrm>
           <a:prstGeom prst="rect">
             <a:avLst/>
@@ -7741,6 +7741,13 @@
             </a:r>
           </a:p>
           <a:p>
+            <a:r>
+              <a:rPr lang="en-US" sz="2000" dirty="0">
+                <a:latin typeface="Courier New" panose="02070309020205020404" pitchFamily="49" charset="0"/>
+                <a:cs typeface="Courier New" panose="02070309020205020404" pitchFamily="49" charset="0"/>
+              </a:rPr>
+              <a:t>base = </a:t>
+            </a:r>
             <a:r>
               <a:rPr lang="en-US" sz="2000" dirty="0" err="1">
                 <a:latin typeface="Courier New" panose="02070309020205020404" pitchFamily="49" charset="0"/>
@@ -7767,7 +7774,7 @@
                 <a:latin typeface="Courier New" panose="02070309020205020404" pitchFamily="49" charset="0"/>
                 <a:cs typeface="Courier New" panose="02070309020205020404" pitchFamily="49" charset="0"/>
               </a:rPr>
-              <a:t>)</a:t>
+              <a:t>).encode(x = 'Factor1',</a:t>
             </a:r>
           </a:p>
           <a:p>
@@ -7776,7 +7783,7 @@
                 <a:latin typeface="Courier New" panose="02070309020205020404" pitchFamily="49" charset="0"/>
                 <a:cs typeface="Courier New" panose="02070309020205020404" pitchFamily="49" charset="0"/>
               </a:rPr>
-              <a:t>	.encode(x = 'Factor1',</a:t>
+              <a:t>			 								 y = 'Response',</a:t>
             </a:r>
           </a:p>
           <a:p>
@@ -7785,7 +7792,7 @@
                 <a:latin typeface="Courier New" panose="02070309020205020404" pitchFamily="49" charset="0"/>
                 <a:cs typeface="Courier New" panose="02070309020205020404" pitchFamily="49" charset="0"/>
               </a:rPr>
-              <a:t>			  y = 'Response’,</a:t>
+              <a:t>	  		 								 color = 'Factor2')</a:t>
             </a:r>
           </a:p>
           <a:p>
@@ -7794,46 +7801,37 @@
                 <a:latin typeface="Courier New" panose="02070309020205020404" pitchFamily="49" charset="0"/>
                 <a:cs typeface="Courier New" panose="02070309020205020404" pitchFamily="49" charset="0"/>
               </a:rPr>
-              <a:t>	  		  color = 'Factor2')</a:t>
-            </a:r>
-          </a:p>
-          <a:p>
+              <a:t>lines = </a:t>
+            </a:r>
+            <a:r>
+              <a:rPr lang="en-US" sz="2000" dirty="0" err="1">
+                <a:latin typeface="Courier New" panose="02070309020205020404" pitchFamily="49" charset="0"/>
+                <a:cs typeface="Courier New" panose="02070309020205020404" pitchFamily="49" charset="0"/>
+              </a:rPr>
+              <a:t>base.mark_line</a:t>
+            </a:r>
             <a:r>
               <a:rPr lang="en-US" sz="2000" dirty="0">
                 <a:latin typeface="Courier New" panose="02070309020205020404" pitchFamily="49" charset="0"/>
                 <a:cs typeface="Courier New" panose="02070309020205020404" pitchFamily="49" charset="0"/>
               </a:rPr>
-              <a:t>	.</a:t>
+              <a:t>() </a:t>
+            </a:r>
+          </a:p>
+          <a:p>
+            <a:r>
+              <a:rPr lang="en-US" sz="2000" dirty="0">
+                <a:latin typeface="Courier New" panose="02070309020205020404" pitchFamily="49" charset="0"/>
+                <a:cs typeface="Courier New" panose="02070309020205020404" pitchFamily="49" charset="0"/>
+              </a:rPr>
+              <a:t>points = </a:t>
             </a:r>
             <a:r>
               <a:rPr lang="en-US" sz="2000" dirty="0" err="1">
                 <a:latin typeface="Courier New" panose="02070309020205020404" pitchFamily="49" charset="0"/>
                 <a:cs typeface="Courier New" panose="02070309020205020404" pitchFamily="49" charset="0"/>
               </a:rPr>
-              <a:t>mark_line</a:t>
-            </a:r>
-            <a:r>
-              <a:rPr lang="en-US" sz="2000" dirty="0">
-                <a:latin typeface="Courier New" panose="02070309020205020404" pitchFamily="49" charset="0"/>
-                <a:cs typeface="Courier New" panose="02070309020205020404" pitchFamily="49" charset="0"/>
-              </a:rPr>
-              <a:t>()</a:t>
-            </a:r>
-          </a:p>
-          <a:p>
-            <a:r>
-              <a:rPr lang="en-US" sz="2000" dirty="0">
-                <a:latin typeface="Courier New" panose="02070309020205020404" pitchFamily="49" charset="0"/>
-                <a:cs typeface="Courier New" panose="02070309020205020404" pitchFamily="49" charset="0"/>
-              </a:rPr>
-              <a:t>	.</a:t>
-            </a:r>
-            <a:r>
-              <a:rPr lang="en-US" sz="2000" dirty="0" err="1">
-                <a:latin typeface="Courier New" panose="02070309020205020404" pitchFamily="49" charset="0"/>
-                <a:cs typeface="Courier New" panose="02070309020205020404" pitchFamily="49" charset="0"/>
-              </a:rPr>
-              <a:t>mark_point</a:t>
+              <a:t>base.mark_point</a:t>
             </a:r>
             <a:r>
               <a:rPr lang="en-US" sz="2000" dirty="0">
@@ -7841,6 +7839,15 @@
                 <a:cs typeface="Courier New" panose="02070309020205020404" pitchFamily="49" charset="0"/>
               </a:rPr>
               <a:t>().encode(shape = 'Factor2')</a:t>
+            </a:r>
+          </a:p>
+          <a:p>
+            <a:r>
+              <a:rPr lang="en-US" sz="2000" dirty="0">
+                <a:latin typeface="Courier New" panose="02070309020205020404" pitchFamily="49" charset="0"/>
+                <a:cs typeface="Courier New" panose="02070309020205020404" pitchFamily="49" charset="0"/>
+              </a:rPr>
+              <a:t>lines + points</a:t>
             </a:r>
           </a:p>
         </p:txBody>

--- a/dataviz_eposter.pptx
+++ b/dataviz_eposter.pptx
@@ -8,7 +8,7 @@
     <p:sldId id="256" r:id="rId2"/>
   </p:sldIdLst>
   <p:sldSz cx="33375600" cy="18745200"/>
-  <p:notesSz cx="6858000" cy="9144000"/>
+  <p:notesSz cx="7010400" cy="9296400"/>
   <p:defaultTextStyle>
     <a:defPPr>
       <a:defRPr lang="en-US"/>
@@ -243,7 +243,7 @@
           <a:p>
             <a:fld id="{CFBFEDE9-3BD6-46D7-89AD-0E13259DA1D0}" type="datetimeFigureOut">
               <a:rPr lang="en-US" smtClean="0"/>
-              <a:t>5/23/2019</a:t>
+              <a:t>5/27/2019</a:t>
             </a:fld>
             <a:endParaRPr lang="en-US"/>
           </a:p>
@@ -413,7 +413,7 @@
           <a:p>
             <a:fld id="{CFBFEDE9-3BD6-46D7-89AD-0E13259DA1D0}" type="datetimeFigureOut">
               <a:rPr lang="en-US" smtClean="0"/>
-              <a:t>5/23/2019</a:t>
+              <a:t>5/27/2019</a:t>
             </a:fld>
             <a:endParaRPr lang="en-US"/>
           </a:p>
@@ -593,7 +593,7 @@
           <a:p>
             <a:fld id="{CFBFEDE9-3BD6-46D7-89AD-0E13259DA1D0}" type="datetimeFigureOut">
               <a:rPr lang="en-US" smtClean="0"/>
-              <a:t>5/23/2019</a:t>
+              <a:t>5/27/2019</a:t>
             </a:fld>
             <a:endParaRPr lang="en-US"/>
           </a:p>
@@ -763,7 +763,7 @@
           <a:p>
             <a:fld id="{CFBFEDE9-3BD6-46D7-89AD-0E13259DA1D0}" type="datetimeFigureOut">
               <a:rPr lang="en-US" smtClean="0"/>
-              <a:t>5/23/2019</a:t>
+              <a:t>5/27/2019</a:t>
             </a:fld>
             <a:endParaRPr lang="en-US"/>
           </a:p>
@@ -1009,7 +1009,7 @@
           <a:p>
             <a:fld id="{CFBFEDE9-3BD6-46D7-89AD-0E13259DA1D0}" type="datetimeFigureOut">
               <a:rPr lang="en-US" smtClean="0"/>
-              <a:t>5/23/2019</a:t>
+              <a:t>5/27/2019</a:t>
             </a:fld>
             <a:endParaRPr lang="en-US"/>
           </a:p>
@@ -1241,7 +1241,7 @@
           <a:p>
             <a:fld id="{CFBFEDE9-3BD6-46D7-89AD-0E13259DA1D0}" type="datetimeFigureOut">
               <a:rPr lang="en-US" smtClean="0"/>
-              <a:t>5/23/2019</a:t>
+              <a:t>5/27/2019</a:t>
             </a:fld>
             <a:endParaRPr lang="en-US"/>
           </a:p>
@@ -1608,7 +1608,7 @@
           <a:p>
             <a:fld id="{CFBFEDE9-3BD6-46D7-89AD-0E13259DA1D0}" type="datetimeFigureOut">
               <a:rPr lang="en-US" smtClean="0"/>
-              <a:t>5/23/2019</a:t>
+              <a:t>5/27/2019</a:t>
             </a:fld>
             <a:endParaRPr lang="en-US"/>
           </a:p>
@@ -1726,7 +1726,7 @@
           <a:p>
             <a:fld id="{CFBFEDE9-3BD6-46D7-89AD-0E13259DA1D0}" type="datetimeFigureOut">
               <a:rPr lang="en-US" smtClean="0"/>
-              <a:t>5/23/2019</a:t>
+              <a:t>5/27/2019</a:t>
             </a:fld>
             <a:endParaRPr lang="en-US"/>
           </a:p>
@@ -1821,7 +1821,7 @@
           <a:p>
             <a:fld id="{CFBFEDE9-3BD6-46D7-89AD-0E13259DA1D0}" type="datetimeFigureOut">
               <a:rPr lang="en-US" smtClean="0"/>
-              <a:t>5/23/2019</a:t>
+              <a:t>5/27/2019</a:t>
             </a:fld>
             <a:endParaRPr lang="en-US"/>
           </a:p>
@@ -2098,7 +2098,7 @@
           <a:p>
             <a:fld id="{CFBFEDE9-3BD6-46D7-89AD-0E13259DA1D0}" type="datetimeFigureOut">
               <a:rPr lang="en-US" smtClean="0"/>
-              <a:t>5/23/2019</a:t>
+              <a:t>5/27/2019</a:t>
             </a:fld>
             <a:endParaRPr lang="en-US"/>
           </a:p>
@@ -2355,7 +2355,7 @@
           <a:p>
             <a:fld id="{CFBFEDE9-3BD6-46D7-89AD-0E13259DA1D0}" type="datetimeFigureOut">
               <a:rPr lang="en-US" smtClean="0"/>
-              <a:t>5/23/2019</a:t>
+              <a:t>5/27/2019</a:t>
             </a:fld>
             <a:endParaRPr lang="en-US"/>
           </a:p>
@@ -2571,7 +2571,7 @@
           <a:p>
             <a:fld id="{CFBFEDE9-3BD6-46D7-89AD-0E13259DA1D0}" type="datetimeFigureOut">
               <a:rPr lang="en-US" smtClean="0"/>
-              <a:t>5/23/2019</a:t>
+              <a:t>5/27/2019</a:t>
             </a:fld>
             <a:endParaRPr lang="en-US"/>
           </a:p>
@@ -2962,6 +2962,14 @@
 <file path=ppt/slides/slide1.xml><?xml version="1.0" encoding="utf-8"?>
 <p:sld xmlns:a="http://schemas.openxmlformats.org/drawingml/2006/main" xmlns:r="http://schemas.openxmlformats.org/officeDocument/2006/relationships" xmlns:p="http://schemas.openxmlformats.org/presentationml/2006/main">
   <p:cSld>
+    <p:bg>
+      <p:bgPr>
+        <a:solidFill>
+          <a:schemeClr val="bg1"/>
+        </a:solidFill>
+        <a:effectLst/>
+      </p:bgPr>
+    </p:bg>
     <p:spTree>
       <p:nvGrpSpPr>
         <p:cNvPr id="1" name=""/>
@@ -2990,8 +2998,8 @@
         </p:nvSpPr>
         <p:spPr>
           <a:xfrm>
-            <a:off x="1834440" y="7923209"/>
-            <a:ext cx="8298691" cy="2062103"/>
+            <a:off x="736603" y="7995401"/>
+            <a:ext cx="9985153" cy="1508105"/>
           </a:xfrm>
           <a:prstGeom prst="rect">
             <a:avLst/>
@@ -3003,273 +3011,20 @@
           </a:bodyPr>
           <a:lstStyle/>
           <a:p>
-            <a:pPr algn="ctr"/>
             <a:r>
               <a:rPr lang="en-US" sz="3200" b="1" u="sng" dirty="0"/>
-              <a:t>Elementary perceptual tasks</a:t>
-            </a:r>
-          </a:p>
-          <a:p>
-            <a:pPr algn="ctr"/>
-            <a:r>
-              <a:rPr lang="en-US" sz="3200" i="1" dirty="0"/>
-              <a:t>a set of tasks that are carried out when people extract quantitative information from graphs </a:t>
-            </a:r>
-            <a:r>
-              <a:rPr lang="en-US" sz="3200" dirty="0"/>
+              <a:t>Elementary Perceptual Tasks</a:t>
+            </a:r>
+            <a:br>
+              <a:rPr lang="en-US" sz="3200" b="1" u="sng" dirty="0"/>
+            </a:br>
+            <a:r>
+              <a:rPr lang="en-US" sz="3000" i="1" dirty="0"/>
+              <a:t>a set of tasks that are carried out when extracting quantitative information from graphs </a:t>
+            </a:r>
+            <a:r>
+              <a:rPr lang="en-US" sz="3000" dirty="0"/>
               <a:t>(Cleveland &amp; McGill, 1984)</a:t>
-            </a:r>
-          </a:p>
-        </p:txBody>
-      </p:sp>
-      <p:pic>
-        <p:nvPicPr>
-          <p:cNvPr id="5" name="Picture 4">
-            <a:extLst>
-              <a:ext uri="{FF2B5EF4-FFF2-40B4-BE49-F238E27FC236}">
-                <a16:creationId xmlns:a16="http://schemas.microsoft.com/office/drawing/2014/main" id="{F4F9D860-5160-432E-9602-0F6DC577BCEB}"/>
-              </a:ext>
-            </a:extLst>
-          </p:cNvPr>
-          <p:cNvPicPr>
-            <a:picLocks noChangeAspect="1"/>
-          </p:cNvPicPr>
-          <p:nvPr/>
-        </p:nvPicPr>
-        <p:blipFill>
-          <a:blip r:embed="rId2"/>
-          <a:stretch>
-            <a:fillRect/>
-          </a:stretch>
-        </p:blipFill>
-        <p:spPr>
-          <a:xfrm>
-            <a:off x="1052132" y="5915537"/>
-            <a:ext cx="2667001" cy="1130521"/>
-          </a:xfrm>
-          <a:prstGeom prst="rect">
-            <a:avLst/>
-          </a:prstGeom>
-        </p:spPr>
-      </p:pic>
-      <p:sp>
-        <p:nvSpPr>
-          <p:cNvPr id="6" name="Arrow: Curved Down 5">
-            <a:extLst>
-              <a:ext uri="{FF2B5EF4-FFF2-40B4-BE49-F238E27FC236}">
-                <a16:creationId xmlns:a16="http://schemas.microsoft.com/office/drawing/2014/main" id="{F3ED62DB-0A74-4567-9449-7ED750907356}"/>
-              </a:ext>
-            </a:extLst>
-          </p:cNvPr>
-          <p:cNvSpPr/>
-          <p:nvPr/>
-        </p:nvSpPr>
-        <p:spPr>
-          <a:xfrm>
-            <a:off x="3127636" y="4691685"/>
-            <a:ext cx="5638800" cy="604496"/>
-          </a:xfrm>
-          <a:prstGeom prst="curvedDownArrow">
-            <a:avLst/>
-          </a:prstGeom>
-        </p:spPr>
-        <p:style>
-          <a:lnRef idx="2">
-            <a:schemeClr val="dk1">
-              <a:shade val="50000"/>
-            </a:schemeClr>
-          </a:lnRef>
-          <a:fillRef idx="1">
-            <a:schemeClr val="dk1"/>
-          </a:fillRef>
-          <a:effectRef idx="0">
-            <a:schemeClr val="dk1"/>
-          </a:effectRef>
-          <a:fontRef idx="minor">
-            <a:schemeClr val="lt1"/>
-          </a:fontRef>
-        </p:style>
-        <p:txBody>
-          <a:bodyPr rtlCol="0" anchor="ctr"/>
-          <a:lstStyle/>
-          <a:p>
-            <a:pPr algn="ctr"/>
-            <a:endParaRPr lang="en-US" sz="2400">
-              <a:solidFill>
-                <a:schemeClr val="tx1"/>
-              </a:solidFill>
-            </a:endParaRPr>
-          </a:p>
-        </p:txBody>
-      </p:sp>
-      <p:sp>
-        <p:nvSpPr>
-          <p:cNvPr id="7" name="TextBox 6">
-            <a:extLst>
-              <a:ext uri="{FF2B5EF4-FFF2-40B4-BE49-F238E27FC236}">
-                <a16:creationId xmlns:a16="http://schemas.microsoft.com/office/drawing/2014/main" id="{6D4D932C-8FCA-4518-B23E-8AE2135EAC6A}"/>
-              </a:ext>
-            </a:extLst>
-          </p:cNvPr>
-          <p:cNvSpPr txBox="1"/>
-          <p:nvPr/>
-        </p:nvSpPr>
-        <p:spPr>
-          <a:xfrm>
-            <a:off x="1770295" y="5281433"/>
-            <a:ext cx="981551" cy="535531"/>
-          </a:xfrm>
-          <a:prstGeom prst="rect">
-            <a:avLst/>
-          </a:prstGeom>
-          <a:noFill/>
-        </p:spPr>
-        <p:txBody>
-          <a:bodyPr wrap="none" rtlCol="0">
-            <a:spAutoFit/>
-          </a:bodyPr>
-          <a:lstStyle/>
-          <a:p>
-            <a:pPr>
-              <a:lnSpc>
-                <a:spcPct val="90000"/>
-              </a:lnSpc>
-            </a:pPr>
-            <a:r>
-              <a:rPr lang="en-US" sz="3200" b="1" dirty="0"/>
-              <a:t>Data</a:t>
-            </a:r>
-          </a:p>
-        </p:txBody>
-      </p:sp>
-      <p:sp>
-        <p:nvSpPr>
-          <p:cNvPr id="8" name="TextBox 7">
-            <a:extLst>
-              <a:ext uri="{FF2B5EF4-FFF2-40B4-BE49-F238E27FC236}">
-                <a16:creationId xmlns:a16="http://schemas.microsoft.com/office/drawing/2014/main" id="{912CF7FE-0FAF-41CB-8A1E-9922A8E97AEE}"/>
-              </a:ext>
-            </a:extLst>
-          </p:cNvPr>
-          <p:cNvSpPr txBox="1"/>
-          <p:nvPr/>
-        </p:nvSpPr>
-        <p:spPr>
-          <a:xfrm>
-            <a:off x="7882272" y="5281226"/>
-            <a:ext cx="2171172" cy="535531"/>
-          </a:xfrm>
-          <a:prstGeom prst="rect">
-            <a:avLst/>
-          </a:prstGeom>
-          <a:noFill/>
-        </p:spPr>
-        <p:txBody>
-          <a:bodyPr wrap="none" rtlCol="0">
-            <a:spAutoFit/>
-          </a:bodyPr>
-          <a:lstStyle/>
-          <a:p>
-            <a:pPr>
-              <a:lnSpc>
-                <a:spcPct val="90000"/>
-              </a:lnSpc>
-            </a:pPr>
-            <a:r>
-              <a:rPr lang="en-US" sz="3200" b="1" dirty="0"/>
-              <a:t>Geometries</a:t>
-            </a:r>
-          </a:p>
-        </p:txBody>
-      </p:sp>
-      <p:sp>
-        <p:nvSpPr>
-          <p:cNvPr id="9" name="TextBox 8">
-            <a:extLst>
-              <a:ext uri="{FF2B5EF4-FFF2-40B4-BE49-F238E27FC236}">
-                <a16:creationId xmlns:a16="http://schemas.microsoft.com/office/drawing/2014/main" id="{5DBB171D-E952-42D3-B190-D58332CDD402}"/>
-              </a:ext>
-            </a:extLst>
-          </p:cNvPr>
-          <p:cNvSpPr txBox="1"/>
-          <p:nvPr/>
-        </p:nvSpPr>
-        <p:spPr>
-          <a:xfrm>
-            <a:off x="5009615" y="5281226"/>
-            <a:ext cx="1943737" cy="2308324"/>
-          </a:xfrm>
-          <a:prstGeom prst="rect">
-            <a:avLst/>
-          </a:prstGeom>
-          <a:noFill/>
-        </p:spPr>
-        <p:txBody>
-          <a:bodyPr wrap="none" rtlCol="0">
-            <a:spAutoFit/>
-          </a:bodyPr>
-          <a:lstStyle/>
-          <a:p>
-            <a:pPr>
-              <a:lnSpc>
-                <a:spcPct val="90000"/>
-              </a:lnSpc>
-            </a:pPr>
-            <a:r>
-              <a:rPr lang="en-US" sz="3200" b="1" dirty="0"/>
-              <a:t>Aesthetics</a:t>
-            </a:r>
-          </a:p>
-          <a:p>
-            <a:pPr marL="457200" indent="-457200">
-              <a:lnSpc>
-                <a:spcPct val="90000"/>
-              </a:lnSpc>
-              <a:buFont typeface="Arial" panose="020B0604020202020204" pitchFamily="34" charset="0"/>
-              <a:buChar char="•"/>
-            </a:pPr>
-            <a:r>
-              <a:rPr lang="en-US" sz="3200" dirty="0"/>
-              <a:t>X, Y</a:t>
-            </a:r>
-          </a:p>
-          <a:p>
-            <a:pPr marL="457200" indent="-457200">
-              <a:lnSpc>
-                <a:spcPct val="90000"/>
-              </a:lnSpc>
-              <a:buFont typeface="Arial" panose="020B0604020202020204" pitchFamily="34" charset="0"/>
-              <a:buChar char="•"/>
-            </a:pPr>
-            <a:r>
-              <a:rPr lang="en-US" sz="3200" dirty="0"/>
-              <a:t>Shape</a:t>
-            </a:r>
-          </a:p>
-          <a:p>
-            <a:pPr marL="457200" indent="-457200">
-              <a:lnSpc>
-                <a:spcPct val="90000"/>
-              </a:lnSpc>
-              <a:buFont typeface="Arial" panose="020B0604020202020204" pitchFamily="34" charset="0"/>
-              <a:buChar char="•"/>
-            </a:pPr>
-            <a:r>
-              <a:rPr lang="en-US" sz="3200" dirty="0"/>
-              <a:t>Color</a:t>
-            </a:r>
-          </a:p>
-          <a:p>
-            <a:pPr marL="457200" indent="-457200">
-              <a:lnSpc>
-                <a:spcPct val="90000"/>
-              </a:lnSpc>
-              <a:buFont typeface="Arial" panose="020B0604020202020204" pitchFamily="34" charset="0"/>
-              <a:buChar char="•"/>
-            </a:pPr>
-            <a:r>
-              <a:rPr lang="en-US" sz="3200" dirty="0"/>
-              <a:t>Size</a:t>
             </a:r>
           </a:p>
         </p:txBody>
@@ -3288,8 +3043,8 @@
         </p:nvSpPr>
         <p:spPr>
           <a:xfrm>
-            <a:off x="2053448" y="2541701"/>
-            <a:ext cx="8298691" cy="1569660"/>
+            <a:off x="733371" y="3487753"/>
+            <a:ext cx="9985152" cy="1046440"/>
           </a:xfrm>
           <a:prstGeom prst="rect">
             <a:avLst/>
@@ -3301,790 +3056,1055 @@
           </a:bodyPr>
           <a:lstStyle/>
           <a:p>
-            <a:pPr marL="45720" indent="0" algn="ctr">
+            <a:pPr marL="45720" indent="0">
               <a:buNone/>
             </a:pPr>
             <a:r>
               <a:rPr lang="en-US" sz="3200" b="1" u="sng" dirty="0"/>
-              <a:t>Grammar of graphics</a:t>
+              <a:t>Grammar of Graphics</a:t>
             </a:r>
             <a:r>
               <a:rPr lang="en-US" sz="3200" dirty="0"/>
               <a:t> </a:t>
             </a:r>
-          </a:p>
-          <a:p>
-            <a:pPr marL="45720" indent="0" algn="ctr">
-              <a:buNone/>
-            </a:pPr>
-            <a:r>
-              <a:rPr lang="en-US" sz="3200" i="1" dirty="0"/>
+            <a:br>
+              <a:rPr lang="en-US" sz="3200" dirty="0"/>
+            </a:br>
+            <a:r>
+              <a:rPr lang="en-US" sz="3000" i="1" dirty="0"/>
               <a:t>set of rules for creating perceivable graphs </a:t>
             </a:r>
             <a:r>
-              <a:rPr lang="en-US" sz="3200" dirty="0"/>
-              <a:t>(Wilkinson, p1)</a:t>
-            </a:r>
-            <a:endParaRPr lang="en-US" sz="3200" b="1" dirty="0"/>
+              <a:rPr lang="en-US" sz="3000" dirty="0"/>
+              <a:t>(Wilkinson, 2005)</a:t>
+            </a:r>
+            <a:endParaRPr lang="en-US" sz="3000" b="1" dirty="0"/>
           </a:p>
         </p:txBody>
       </p:sp>
-      <p:cxnSp>
-        <p:nvCxnSpPr>
-          <p:cNvPr id="23" name="Straight Arrow Connector 22">
-            <a:extLst>
-              <a:ext uri="{FF2B5EF4-FFF2-40B4-BE49-F238E27FC236}">
-                <a16:creationId xmlns:a16="http://schemas.microsoft.com/office/drawing/2014/main" id="{FE56A90D-795A-4BC7-A6EC-B127814F058B}"/>
-              </a:ext>
-            </a:extLst>
-          </p:cNvPr>
-          <p:cNvCxnSpPr>
-            <a:cxnSpLocks/>
-          </p:cNvCxnSpPr>
+      <p:grpSp>
+        <p:nvGrpSpPr>
+          <p:cNvPr id="40" name="Group 39"/>
+          <p:cNvGrpSpPr/>
           <p:nvPr/>
-        </p:nvCxnSpPr>
-        <p:spPr>
+        </p:nvGrpSpPr>
+        <p:grpSpPr>
           <a:xfrm>
-            <a:off x="7425948" y="7293578"/>
-            <a:ext cx="851277" cy="0"/>
+            <a:off x="918169" y="4772897"/>
+            <a:ext cx="9426950" cy="2897865"/>
+            <a:chOff x="1052132" y="4234487"/>
+            <a:chExt cx="9426950" cy="2897865"/>
           </a:xfrm>
-          <a:prstGeom prst="straightConnector1">
-            <a:avLst/>
-          </a:prstGeom>
-          <a:ln w="12700">
-            <a:solidFill>
+        </p:grpSpPr>
+        <p:pic>
+          <p:nvPicPr>
+            <p:cNvPr id="5" name="Picture 4">
+              <a:extLst>
+                <a:ext uri="{FF2B5EF4-FFF2-40B4-BE49-F238E27FC236}">
+                  <a16:creationId xmlns:a16="http://schemas.microsoft.com/office/drawing/2014/main" id="{F4F9D860-5160-432E-9602-0F6DC577BCEB}"/>
+                </a:ext>
+              </a:extLst>
+            </p:cNvPr>
+            <p:cNvPicPr>
+              <a:picLocks noChangeAspect="1"/>
+            </p:cNvPicPr>
+            <p:nvPr/>
+          </p:nvPicPr>
+          <p:blipFill>
+            <a:blip r:embed="rId2"/>
+            <a:stretch>
+              <a:fillRect/>
+            </a:stretch>
+          </p:blipFill>
+          <p:spPr>
+            <a:xfrm>
+              <a:off x="1052132" y="5458339"/>
+              <a:ext cx="2667001" cy="1130521"/>
+            </a:xfrm>
+            <a:prstGeom prst="rect">
+              <a:avLst/>
+            </a:prstGeom>
+          </p:spPr>
+        </p:pic>
+        <p:sp>
+          <p:nvSpPr>
+            <p:cNvPr id="6" name="Arrow: Curved Down 5">
+              <a:extLst>
+                <a:ext uri="{FF2B5EF4-FFF2-40B4-BE49-F238E27FC236}">
+                  <a16:creationId xmlns:a16="http://schemas.microsoft.com/office/drawing/2014/main" id="{F3ED62DB-0A74-4567-9449-7ED750907356}"/>
+                </a:ext>
+              </a:extLst>
+            </p:cNvPr>
+            <p:cNvSpPr/>
+            <p:nvPr/>
+          </p:nvSpPr>
+          <p:spPr>
+            <a:xfrm>
+              <a:off x="3127636" y="4234487"/>
+              <a:ext cx="5638800" cy="604496"/>
+            </a:xfrm>
+            <a:prstGeom prst="curvedDownArrow">
+              <a:avLst/>
+            </a:prstGeom>
+          </p:spPr>
+          <p:style>
+            <a:lnRef idx="2">
+              <a:schemeClr val="dk1">
+                <a:shade val="50000"/>
+              </a:schemeClr>
+            </a:lnRef>
+            <a:fillRef idx="1">
+              <a:schemeClr val="dk1"/>
+            </a:fillRef>
+            <a:effectRef idx="0">
+              <a:schemeClr val="dk1"/>
+            </a:effectRef>
+            <a:fontRef idx="minor">
+              <a:schemeClr val="lt1"/>
+            </a:fontRef>
+          </p:style>
+          <p:txBody>
+            <a:bodyPr rtlCol="0" anchor="ctr"/>
+            <a:lstStyle/>
+            <a:p>
+              <a:pPr algn="ctr"/>
+              <a:endParaRPr lang="en-US" sz="2400">
+                <a:solidFill>
+                  <a:schemeClr val="tx1"/>
+                </a:solidFill>
+              </a:endParaRPr>
+            </a:p>
+          </p:txBody>
+        </p:sp>
+        <p:sp>
+          <p:nvSpPr>
+            <p:cNvPr id="7" name="TextBox 6">
+              <a:extLst>
+                <a:ext uri="{FF2B5EF4-FFF2-40B4-BE49-F238E27FC236}">
+                  <a16:creationId xmlns:a16="http://schemas.microsoft.com/office/drawing/2014/main" id="{6D4D932C-8FCA-4518-B23E-8AE2135EAC6A}"/>
+                </a:ext>
+              </a:extLst>
+            </p:cNvPr>
+            <p:cNvSpPr txBox="1"/>
+            <p:nvPr/>
+          </p:nvSpPr>
+          <p:spPr>
+            <a:xfrm>
+              <a:off x="1770295" y="4824235"/>
+              <a:ext cx="981551" cy="535531"/>
+            </a:xfrm>
+            <a:prstGeom prst="rect">
+              <a:avLst/>
+            </a:prstGeom>
+            <a:noFill/>
+          </p:spPr>
+          <p:txBody>
+            <a:bodyPr wrap="none" rtlCol="0">
+              <a:spAutoFit/>
+            </a:bodyPr>
+            <a:lstStyle/>
+            <a:p>
+              <a:pPr>
+                <a:lnSpc>
+                  <a:spcPct val="90000"/>
+                </a:lnSpc>
+              </a:pPr>
+              <a:r>
+                <a:rPr lang="en-US" sz="3200" b="1" dirty="0"/>
+                <a:t>Data</a:t>
+              </a:r>
+            </a:p>
+          </p:txBody>
+        </p:sp>
+        <p:sp>
+          <p:nvSpPr>
+            <p:cNvPr id="8" name="TextBox 7">
+              <a:extLst>
+                <a:ext uri="{FF2B5EF4-FFF2-40B4-BE49-F238E27FC236}">
+                  <a16:creationId xmlns:a16="http://schemas.microsoft.com/office/drawing/2014/main" id="{912CF7FE-0FAF-41CB-8A1E-9922A8E97AEE}"/>
+                </a:ext>
+              </a:extLst>
+            </p:cNvPr>
+            <p:cNvSpPr txBox="1"/>
+            <p:nvPr/>
+          </p:nvSpPr>
+          <p:spPr>
+            <a:xfrm>
+              <a:off x="7882272" y="4824028"/>
+              <a:ext cx="2171172" cy="535531"/>
+            </a:xfrm>
+            <a:prstGeom prst="rect">
+              <a:avLst/>
+            </a:prstGeom>
+            <a:noFill/>
+          </p:spPr>
+          <p:txBody>
+            <a:bodyPr wrap="none" rtlCol="0">
+              <a:spAutoFit/>
+            </a:bodyPr>
+            <a:lstStyle/>
+            <a:p>
+              <a:pPr>
+                <a:lnSpc>
+                  <a:spcPct val="90000"/>
+                </a:lnSpc>
+              </a:pPr>
+              <a:r>
+                <a:rPr lang="en-US" sz="3200" b="1" dirty="0"/>
+                <a:t>Geometries</a:t>
+              </a:r>
+            </a:p>
+          </p:txBody>
+        </p:sp>
+        <p:sp>
+          <p:nvSpPr>
+            <p:cNvPr id="9" name="TextBox 8">
+              <a:extLst>
+                <a:ext uri="{FF2B5EF4-FFF2-40B4-BE49-F238E27FC236}">
+                  <a16:creationId xmlns:a16="http://schemas.microsoft.com/office/drawing/2014/main" id="{5DBB171D-E952-42D3-B190-D58332CDD402}"/>
+                </a:ext>
+              </a:extLst>
+            </p:cNvPr>
+            <p:cNvSpPr txBox="1"/>
+            <p:nvPr/>
+          </p:nvSpPr>
+          <p:spPr>
+            <a:xfrm>
+              <a:off x="5009615" y="4824028"/>
+              <a:ext cx="1943737" cy="2308324"/>
+            </a:xfrm>
+            <a:prstGeom prst="rect">
+              <a:avLst/>
+            </a:prstGeom>
+            <a:noFill/>
+          </p:spPr>
+          <p:txBody>
+            <a:bodyPr wrap="none" rtlCol="0">
+              <a:spAutoFit/>
+            </a:bodyPr>
+            <a:lstStyle/>
+            <a:p>
+              <a:pPr>
+                <a:lnSpc>
+                  <a:spcPct val="90000"/>
+                </a:lnSpc>
+              </a:pPr>
+              <a:r>
+                <a:rPr lang="en-US" sz="3200" b="1" dirty="0"/>
+                <a:t>Aesthetics</a:t>
+              </a:r>
+            </a:p>
+            <a:p>
+              <a:pPr marL="457200" indent="-457200">
+                <a:lnSpc>
+                  <a:spcPct val="90000"/>
+                </a:lnSpc>
+                <a:buFont typeface="Arial" panose="020B0604020202020204" pitchFamily="34" charset="0"/>
+                <a:buChar char="•"/>
+              </a:pPr>
+              <a:r>
+                <a:rPr lang="en-US" sz="3200" dirty="0"/>
+                <a:t>X, Y</a:t>
+              </a:r>
+            </a:p>
+            <a:p>
+              <a:pPr marL="457200" indent="-457200">
+                <a:lnSpc>
+                  <a:spcPct val="90000"/>
+                </a:lnSpc>
+                <a:buFont typeface="Arial" panose="020B0604020202020204" pitchFamily="34" charset="0"/>
+                <a:buChar char="•"/>
+              </a:pPr>
+              <a:r>
+                <a:rPr lang="en-US" sz="3200" dirty="0"/>
+                <a:t>Shape</a:t>
+              </a:r>
+            </a:p>
+            <a:p>
+              <a:pPr marL="457200" indent="-457200">
+                <a:lnSpc>
+                  <a:spcPct val="90000"/>
+                </a:lnSpc>
+                <a:buFont typeface="Arial" panose="020B0604020202020204" pitchFamily="34" charset="0"/>
+                <a:buChar char="•"/>
+              </a:pPr>
+              <a:r>
+                <a:rPr lang="en-US" sz="3200" dirty="0"/>
+                <a:t>Color</a:t>
+              </a:r>
+            </a:p>
+            <a:p>
+              <a:pPr marL="457200" indent="-457200">
+                <a:lnSpc>
+                  <a:spcPct val="90000"/>
+                </a:lnSpc>
+                <a:buFont typeface="Arial" panose="020B0604020202020204" pitchFamily="34" charset="0"/>
+                <a:buChar char="•"/>
+              </a:pPr>
+              <a:r>
+                <a:rPr lang="en-US" sz="3200" dirty="0"/>
+                <a:t>Size</a:t>
+              </a:r>
+            </a:p>
+          </p:txBody>
+        </p:sp>
+        <p:cxnSp>
+          <p:nvCxnSpPr>
+            <p:cNvPr id="23" name="Straight Arrow Connector 22">
+              <a:extLst>
+                <a:ext uri="{FF2B5EF4-FFF2-40B4-BE49-F238E27FC236}">
+                  <a16:creationId xmlns:a16="http://schemas.microsoft.com/office/drawing/2014/main" id="{FE56A90D-795A-4BC7-A6EC-B127814F058B}"/>
+                </a:ext>
+              </a:extLst>
+            </p:cNvPr>
+            <p:cNvCxnSpPr>
+              <a:cxnSpLocks/>
+            </p:cNvCxnSpPr>
+            <p:nvPr/>
+          </p:nvCxnSpPr>
+          <p:spPr>
+            <a:xfrm>
+              <a:off x="7425948" y="6836380"/>
+              <a:ext cx="851277" cy="0"/>
+            </a:xfrm>
+            <a:prstGeom prst="straightConnector1">
+              <a:avLst/>
+            </a:prstGeom>
+            <a:ln w="12700">
+              <a:solidFill>
+                <a:schemeClr val="tx1"/>
+              </a:solidFill>
+              <a:tailEnd type="triangle"/>
+            </a:ln>
+          </p:spPr>
+          <p:style>
+            <a:lnRef idx="1">
+              <a:schemeClr val="accent1"/>
+            </a:lnRef>
+            <a:fillRef idx="0">
+              <a:schemeClr val="accent1"/>
+            </a:fillRef>
+            <a:effectRef idx="0">
+              <a:schemeClr val="accent1"/>
+            </a:effectRef>
+            <a:fontRef idx="minor">
               <a:schemeClr val="tx1"/>
-            </a:solidFill>
-            <a:tailEnd type="triangle"/>
-          </a:ln>
-        </p:spPr>
-        <p:style>
-          <a:lnRef idx="1">
-            <a:schemeClr val="accent1"/>
-          </a:lnRef>
-          <a:fillRef idx="0">
-            <a:schemeClr val="accent1"/>
-          </a:fillRef>
-          <a:effectRef idx="0">
-            <a:schemeClr val="accent1"/>
-          </a:effectRef>
-          <a:fontRef idx="minor">
-            <a:schemeClr val="tx1"/>
-          </a:fontRef>
-        </p:style>
-      </p:cxnSp>
-      <p:cxnSp>
-        <p:nvCxnSpPr>
-          <p:cNvPr id="24" name="Straight Arrow Connector 23">
-            <a:extLst>
-              <a:ext uri="{FF2B5EF4-FFF2-40B4-BE49-F238E27FC236}">
-                <a16:creationId xmlns:a16="http://schemas.microsoft.com/office/drawing/2014/main" id="{0BF61DC2-CFD7-4246-B780-58CC4A5EA2C3}"/>
-              </a:ext>
-            </a:extLst>
-          </p:cNvPr>
-          <p:cNvCxnSpPr>
-            <a:cxnSpLocks/>
-          </p:cNvCxnSpPr>
-          <p:nvPr/>
-        </p:nvCxnSpPr>
-        <p:spPr>
-          <a:xfrm flipV="1">
-            <a:off x="7425948" y="6460312"/>
-            <a:ext cx="0" cy="833266"/>
-          </a:xfrm>
-          <a:prstGeom prst="straightConnector1">
-            <a:avLst/>
-          </a:prstGeom>
-          <a:ln w="12700">
-            <a:solidFill>
+            </a:fontRef>
+          </p:style>
+        </p:cxnSp>
+        <p:cxnSp>
+          <p:nvCxnSpPr>
+            <p:cNvPr id="24" name="Straight Arrow Connector 23">
+              <a:extLst>
+                <a:ext uri="{FF2B5EF4-FFF2-40B4-BE49-F238E27FC236}">
+                  <a16:creationId xmlns:a16="http://schemas.microsoft.com/office/drawing/2014/main" id="{0BF61DC2-CFD7-4246-B780-58CC4A5EA2C3}"/>
+                </a:ext>
+              </a:extLst>
+            </p:cNvPr>
+            <p:cNvCxnSpPr>
+              <a:cxnSpLocks/>
+            </p:cNvCxnSpPr>
+            <p:nvPr/>
+          </p:nvCxnSpPr>
+          <p:spPr>
+            <a:xfrm flipV="1">
+              <a:off x="7425948" y="6003114"/>
+              <a:ext cx="0" cy="833266"/>
+            </a:xfrm>
+            <a:prstGeom prst="straightConnector1">
+              <a:avLst/>
+            </a:prstGeom>
+            <a:ln w="12700">
+              <a:solidFill>
+                <a:schemeClr val="tx1"/>
+              </a:solidFill>
+              <a:tailEnd type="triangle"/>
+            </a:ln>
+          </p:spPr>
+          <p:style>
+            <a:lnRef idx="1">
+              <a:schemeClr val="accent1"/>
+            </a:lnRef>
+            <a:fillRef idx="0">
+              <a:schemeClr val="accent1"/>
+            </a:fillRef>
+            <a:effectRef idx="0">
+              <a:schemeClr val="accent1"/>
+            </a:effectRef>
+            <a:fontRef idx="minor">
               <a:schemeClr val="tx1"/>
-            </a:solidFill>
-            <a:tailEnd type="triangle"/>
-          </a:ln>
-        </p:spPr>
-        <p:style>
-          <a:lnRef idx="1">
-            <a:schemeClr val="accent1"/>
-          </a:lnRef>
-          <a:fillRef idx="0">
-            <a:schemeClr val="accent1"/>
-          </a:fillRef>
-          <a:effectRef idx="0">
-            <a:schemeClr val="accent1"/>
-          </a:effectRef>
-          <a:fontRef idx="minor">
-            <a:schemeClr val="tx1"/>
-          </a:fontRef>
-        </p:style>
-      </p:cxnSp>
-      <p:sp>
-        <p:nvSpPr>
-          <p:cNvPr id="26" name="Oval 25">
-            <a:extLst>
-              <a:ext uri="{FF2B5EF4-FFF2-40B4-BE49-F238E27FC236}">
-                <a16:creationId xmlns:a16="http://schemas.microsoft.com/office/drawing/2014/main" id="{F6628F24-B69C-41A5-9D8B-8C684FCD7BE8}"/>
-              </a:ext>
-            </a:extLst>
-          </p:cNvPr>
-          <p:cNvSpPr/>
-          <p:nvPr/>
-        </p:nvSpPr>
-        <p:spPr>
-          <a:xfrm>
-            <a:off x="7561576" y="6649576"/>
-            <a:ext cx="145907" cy="130949"/>
-          </a:xfrm>
-          <a:prstGeom prst="ellipse">
-            <a:avLst/>
-          </a:prstGeom>
-          <a:solidFill>
-            <a:schemeClr val="accent2">
-              <a:lumMod val="40000"/>
-              <a:lumOff val="60000"/>
-            </a:schemeClr>
-          </a:solidFill>
-          <a:ln>
-            <a:noFill/>
-          </a:ln>
-        </p:spPr>
-        <p:style>
-          <a:lnRef idx="2">
-            <a:schemeClr val="dk1">
-              <a:shade val="50000"/>
-            </a:schemeClr>
-          </a:lnRef>
-          <a:fillRef idx="1">
-            <a:schemeClr val="dk1"/>
-          </a:fillRef>
-          <a:effectRef idx="0">
-            <a:schemeClr val="dk1"/>
-          </a:effectRef>
-          <a:fontRef idx="minor">
-            <a:schemeClr val="lt1"/>
-          </a:fontRef>
-        </p:style>
-        <p:txBody>
-          <a:bodyPr rtlCol="0" anchor="ctr"/>
-          <a:lstStyle/>
-          <a:p>
-            <a:pPr algn="ctr"/>
-            <a:endParaRPr lang="en-US" sz="2400"/>
-          </a:p>
-        </p:txBody>
-      </p:sp>
-      <p:sp>
-        <p:nvSpPr>
-          <p:cNvPr id="32" name="Rectangle 31">
-            <a:extLst>
-              <a:ext uri="{FF2B5EF4-FFF2-40B4-BE49-F238E27FC236}">
-                <a16:creationId xmlns:a16="http://schemas.microsoft.com/office/drawing/2014/main" id="{D3AAE512-175F-4FAD-AD73-58149BBECA07}"/>
-              </a:ext>
-            </a:extLst>
-          </p:cNvPr>
-          <p:cNvSpPr/>
-          <p:nvPr/>
-        </p:nvSpPr>
-        <p:spPr>
-          <a:xfrm>
-            <a:off x="8599631" y="6870507"/>
-            <a:ext cx="166804" cy="418836"/>
-          </a:xfrm>
-          <a:prstGeom prst="rect">
-            <a:avLst/>
-          </a:prstGeom>
-          <a:solidFill>
-            <a:schemeClr val="accent2">
-              <a:lumMod val="40000"/>
-              <a:lumOff val="60000"/>
-            </a:schemeClr>
-          </a:solidFill>
-          <a:ln>
-            <a:noFill/>
-          </a:ln>
-        </p:spPr>
-        <p:style>
-          <a:lnRef idx="2">
-            <a:schemeClr val="dk1">
-              <a:shade val="50000"/>
-            </a:schemeClr>
-          </a:lnRef>
-          <a:fillRef idx="1">
-            <a:schemeClr val="dk1"/>
-          </a:fillRef>
-          <a:effectRef idx="0">
-            <a:schemeClr val="dk1"/>
-          </a:effectRef>
-          <a:fontRef idx="minor">
-            <a:schemeClr val="lt1"/>
-          </a:fontRef>
-        </p:style>
-        <p:txBody>
-          <a:bodyPr rtlCol="0" anchor="ctr"/>
-          <a:lstStyle/>
-          <a:p>
-            <a:pPr algn="ctr"/>
-            <a:endParaRPr lang="en-US" sz="2400"/>
-          </a:p>
-        </p:txBody>
-      </p:sp>
-      <p:sp>
-        <p:nvSpPr>
-          <p:cNvPr id="33" name="Rectangle 32">
-            <a:extLst>
-              <a:ext uri="{FF2B5EF4-FFF2-40B4-BE49-F238E27FC236}">
-                <a16:creationId xmlns:a16="http://schemas.microsoft.com/office/drawing/2014/main" id="{600084D1-E2BB-414F-89DC-F53709F8BBAF}"/>
-              </a:ext>
-            </a:extLst>
-          </p:cNvPr>
-          <p:cNvSpPr/>
-          <p:nvPr/>
-        </p:nvSpPr>
-        <p:spPr>
-          <a:xfrm>
-            <a:off x="8872422" y="7053026"/>
-            <a:ext cx="190043" cy="234302"/>
-          </a:xfrm>
-          <a:prstGeom prst="rect">
-            <a:avLst/>
-          </a:prstGeom>
-          <a:solidFill>
-            <a:schemeClr val="accent1">
-              <a:lumMod val="20000"/>
-              <a:lumOff val="80000"/>
-            </a:schemeClr>
-          </a:solidFill>
-          <a:ln>
-            <a:noFill/>
-          </a:ln>
-        </p:spPr>
-        <p:style>
-          <a:lnRef idx="2">
-            <a:schemeClr val="dk1">
-              <a:shade val="50000"/>
-            </a:schemeClr>
-          </a:lnRef>
-          <a:fillRef idx="1">
-            <a:schemeClr val="dk1"/>
-          </a:fillRef>
-          <a:effectRef idx="0">
-            <a:schemeClr val="dk1"/>
-          </a:effectRef>
-          <a:fontRef idx="minor">
-            <a:schemeClr val="lt1"/>
-          </a:fontRef>
-        </p:style>
-        <p:txBody>
-          <a:bodyPr rtlCol="0" anchor="ctr"/>
-          <a:lstStyle/>
-          <a:p>
-            <a:pPr algn="ctr"/>
-            <a:endParaRPr lang="en-US" sz="2400"/>
-          </a:p>
-        </p:txBody>
-      </p:sp>
-      <p:sp>
-        <p:nvSpPr>
-          <p:cNvPr id="38" name="Freeform: Shape 37">
-            <a:extLst>
-              <a:ext uri="{FF2B5EF4-FFF2-40B4-BE49-F238E27FC236}">
-                <a16:creationId xmlns:a16="http://schemas.microsoft.com/office/drawing/2014/main" id="{F9FBAD9F-878C-4D1D-A2E6-C68C13D284DE}"/>
-              </a:ext>
-            </a:extLst>
-          </p:cNvPr>
-          <p:cNvSpPr/>
-          <p:nvPr/>
-        </p:nvSpPr>
-        <p:spPr>
-          <a:xfrm rot="10800000">
-            <a:off x="9718406" y="6897624"/>
-            <a:ext cx="760673" cy="253491"/>
-          </a:xfrm>
-          <a:custGeom>
-            <a:avLst/>
-            <a:gdLst>
-              <a:gd name="connsiteX0" fmla="*/ 0 w 1351129"/>
-              <a:gd name="connsiteY0" fmla="*/ 791570 h 791570"/>
-              <a:gd name="connsiteX1" fmla="*/ 573206 w 1351129"/>
-              <a:gd name="connsiteY1" fmla="*/ 368489 h 791570"/>
-              <a:gd name="connsiteX2" fmla="*/ 996287 w 1351129"/>
-              <a:gd name="connsiteY2" fmla="*/ 559558 h 791570"/>
-              <a:gd name="connsiteX3" fmla="*/ 1351129 w 1351129"/>
-              <a:gd name="connsiteY3" fmla="*/ 0 h 791570"/>
-            </a:gdLst>
-            <a:ahLst/>
-            <a:cxnLst>
-              <a:cxn ang="0">
-                <a:pos x="connsiteX0" y="connsiteY0"/>
-              </a:cxn>
-              <a:cxn ang="0">
-                <a:pos x="connsiteX1" y="connsiteY1"/>
-              </a:cxn>
-              <a:cxn ang="0">
-                <a:pos x="connsiteX2" y="connsiteY2"/>
-              </a:cxn>
-              <a:cxn ang="0">
-                <a:pos x="connsiteX3" y="connsiteY3"/>
-              </a:cxn>
-            </a:cxnLst>
-            <a:rect l="l" t="t" r="r" b="b"/>
-            <a:pathLst>
-              <a:path w="1351129" h="791570">
-                <a:moveTo>
-                  <a:pt x="0" y="791570"/>
-                </a:moveTo>
-                <a:cubicBezTo>
-                  <a:pt x="203579" y="599364"/>
-                  <a:pt x="407158" y="407158"/>
-                  <a:pt x="573206" y="368489"/>
-                </a:cubicBezTo>
-                <a:cubicBezTo>
-                  <a:pt x="739254" y="329820"/>
-                  <a:pt x="866633" y="620973"/>
-                  <a:pt x="996287" y="559558"/>
-                </a:cubicBezTo>
-                <a:cubicBezTo>
-                  <a:pt x="1125941" y="498143"/>
-                  <a:pt x="1238535" y="249071"/>
-                  <a:pt x="1351129" y="0"/>
-                </a:cubicBezTo>
-              </a:path>
-            </a:pathLst>
-          </a:custGeom>
-          <a:noFill/>
-          <a:ln w="50800">
+            </a:fontRef>
+          </p:style>
+        </p:cxnSp>
+        <p:sp>
+          <p:nvSpPr>
+            <p:cNvPr id="26" name="Oval 25">
+              <a:extLst>
+                <a:ext uri="{FF2B5EF4-FFF2-40B4-BE49-F238E27FC236}">
+                  <a16:creationId xmlns:a16="http://schemas.microsoft.com/office/drawing/2014/main" id="{F6628F24-B69C-41A5-9D8B-8C684FCD7BE8}"/>
+                </a:ext>
+              </a:extLst>
+            </p:cNvPr>
+            <p:cNvSpPr/>
+            <p:nvPr/>
+          </p:nvSpPr>
+          <p:spPr>
+            <a:xfrm>
+              <a:off x="7561576" y="6192378"/>
+              <a:ext cx="145907" cy="130949"/>
+            </a:xfrm>
+            <a:prstGeom prst="ellipse">
+              <a:avLst/>
+            </a:prstGeom>
             <a:solidFill>
               <a:schemeClr val="accent2">
                 <a:lumMod val="40000"/>
                 <a:lumOff val="60000"/>
               </a:schemeClr>
             </a:solidFill>
-            <a:prstDash val="sysDot"/>
-          </a:ln>
-        </p:spPr>
-        <p:style>
-          <a:lnRef idx="2">
-            <a:schemeClr val="dk1">
-              <a:shade val="50000"/>
-            </a:schemeClr>
-          </a:lnRef>
-          <a:fillRef idx="1">
-            <a:schemeClr val="dk1"/>
-          </a:fillRef>
-          <a:effectRef idx="0">
-            <a:schemeClr val="dk1"/>
-          </a:effectRef>
-          <a:fontRef idx="minor">
-            <a:schemeClr val="lt1"/>
-          </a:fontRef>
-        </p:style>
-        <p:txBody>
-          <a:bodyPr rtlCol="0" anchor="ctr"/>
-          <a:lstStyle/>
-          <a:p>
-            <a:pPr algn="ctr"/>
-            <a:endParaRPr lang="en-US"/>
-          </a:p>
-        </p:txBody>
-      </p:sp>
-      <p:sp>
-        <p:nvSpPr>
-          <p:cNvPr id="39" name="Freeform: Shape 38">
-            <a:extLst>
-              <a:ext uri="{FF2B5EF4-FFF2-40B4-BE49-F238E27FC236}">
-                <a16:creationId xmlns:a16="http://schemas.microsoft.com/office/drawing/2014/main" id="{70798F09-0195-4C0A-ABD7-E2EA05B3A603}"/>
-              </a:ext>
-            </a:extLst>
-          </p:cNvPr>
-          <p:cNvSpPr/>
-          <p:nvPr/>
-        </p:nvSpPr>
-        <p:spPr>
-          <a:xfrm>
-            <a:off x="9718403" y="6648297"/>
-            <a:ext cx="760673" cy="132228"/>
-          </a:xfrm>
-          <a:custGeom>
-            <a:avLst/>
-            <a:gdLst>
-              <a:gd name="connsiteX0" fmla="*/ 0 w 1501254"/>
-              <a:gd name="connsiteY0" fmla="*/ 95534 h 395920"/>
-              <a:gd name="connsiteX1" fmla="*/ 300251 w 1501254"/>
-              <a:gd name="connsiteY1" fmla="*/ 395785 h 395920"/>
-              <a:gd name="connsiteX2" fmla="*/ 600501 w 1501254"/>
-              <a:gd name="connsiteY2" fmla="*/ 136478 h 395920"/>
-              <a:gd name="connsiteX3" fmla="*/ 1078173 w 1501254"/>
-              <a:gd name="connsiteY3" fmla="*/ 313899 h 395920"/>
-              <a:gd name="connsiteX4" fmla="*/ 1501254 w 1501254"/>
-              <a:gd name="connsiteY4" fmla="*/ 0 h 395920"/>
-            </a:gdLst>
-            <a:ahLst/>
-            <a:cxnLst>
-              <a:cxn ang="0">
-                <a:pos x="connsiteX0" y="connsiteY0"/>
-              </a:cxn>
-              <a:cxn ang="0">
-                <a:pos x="connsiteX1" y="connsiteY1"/>
-              </a:cxn>
-              <a:cxn ang="0">
-                <a:pos x="connsiteX2" y="connsiteY2"/>
-              </a:cxn>
-              <a:cxn ang="0">
-                <a:pos x="connsiteX3" y="connsiteY3"/>
-              </a:cxn>
-              <a:cxn ang="0">
-                <a:pos x="connsiteX4" y="connsiteY4"/>
-              </a:cxn>
-            </a:cxnLst>
-            <a:rect l="l" t="t" r="r" b="b"/>
-            <a:pathLst>
-              <a:path w="1501254" h="395920">
-                <a:moveTo>
-                  <a:pt x="0" y="95534"/>
-                </a:moveTo>
-                <a:cubicBezTo>
-                  <a:pt x="100084" y="242247"/>
-                  <a:pt x="200168" y="388961"/>
-                  <a:pt x="300251" y="395785"/>
-                </a:cubicBezTo>
-                <a:cubicBezTo>
-                  <a:pt x="400334" y="402609"/>
-                  <a:pt x="470847" y="150126"/>
-                  <a:pt x="600501" y="136478"/>
-                </a:cubicBezTo>
-                <a:cubicBezTo>
-                  <a:pt x="730155" y="122830"/>
-                  <a:pt x="928048" y="336645"/>
-                  <a:pt x="1078173" y="313899"/>
-                </a:cubicBezTo>
-                <a:cubicBezTo>
-                  <a:pt x="1228298" y="291153"/>
-                  <a:pt x="1364776" y="145576"/>
-                  <a:pt x="1501254" y="0"/>
-                </a:cubicBezTo>
-              </a:path>
-            </a:pathLst>
-          </a:custGeom>
-          <a:noFill/>
-          <a:ln w="50800">
+            <a:ln>
+              <a:noFill/>
+            </a:ln>
+          </p:spPr>
+          <p:style>
+            <a:lnRef idx="2">
+              <a:schemeClr val="dk1">
+                <a:shade val="50000"/>
+              </a:schemeClr>
+            </a:lnRef>
+            <a:fillRef idx="1">
+              <a:schemeClr val="dk1"/>
+            </a:fillRef>
+            <a:effectRef idx="0">
+              <a:schemeClr val="dk1"/>
+            </a:effectRef>
+            <a:fontRef idx="minor">
+              <a:schemeClr val="lt1"/>
+            </a:fontRef>
+          </p:style>
+          <p:txBody>
+            <a:bodyPr rtlCol="0" anchor="ctr"/>
+            <a:lstStyle/>
+            <a:p>
+              <a:pPr algn="ctr"/>
+              <a:endParaRPr lang="en-US" sz="2400"/>
+            </a:p>
+          </p:txBody>
+        </p:sp>
+        <p:sp>
+          <p:nvSpPr>
+            <p:cNvPr id="32" name="Rectangle 31">
+              <a:extLst>
+                <a:ext uri="{FF2B5EF4-FFF2-40B4-BE49-F238E27FC236}">
+                  <a16:creationId xmlns:a16="http://schemas.microsoft.com/office/drawing/2014/main" id="{D3AAE512-175F-4FAD-AD73-58149BBECA07}"/>
+                </a:ext>
+              </a:extLst>
+            </p:cNvPr>
+            <p:cNvSpPr/>
+            <p:nvPr/>
+          </p:nvSpPr>
+          <p:spPr>
+            <a:xfrm>
+              <a:off x="8599631" y="6413309"/>
+              <a:ext cx="166804" cy="418836"/>
+            </a:xfrm>
+            <a:prstGeom prst="rect">
+              <a:avLst/>
+            </a:prstGeom>
+            <a:solidFill>
+              <a:schemeClr val="accent2">
+                <a:lumMod val="40000"/>
+                <a:lumOff val="60000"/>
+              </a:schemeClr>
+            </a:solidFill>
+            <a:ln>
+              <a:noFill/>
+            </a:ln>
+          </p:spPr>
+          <p:style>
+            <a:lnRef idx="2">
+              <a:schemeClr val="dk1">
+                <a:shade val="50000"/>
+              </a:schemeClr>
+            </a:lnRef>
+            <a:fillRef idx="1">
+              <a:schemeClr val="dk1"/>
+            </a:fillRef>
+            <a:effectRef idx="0">
+              <a:schemeClr val="dk1"/>
+            </a:effectRef>
+            <a:fontRef idx="minor">
+              <a:schemeClr val="lt1"/>
+            </a:fontRef>
+          </p:style>
+          <p:txBody>
+            <a:bodyPr rtlCol="0" anchor="ctr"/>
+            <a:lstStyle/>
+            <a:p>
+              <a:pPr algn="ctr"/>
+              <a:endParaRPr lang="en-US" sz="2400"/>
+            </a:p>
+          </p:txBody>
+        </p:sp>
+        <p:sp>
+          <p:nvSpPr>
+            <p:cNvPr id="33" name="Rectangle 32">
+              <a:extLst>
+                <a:ext uri="{FF2B5EF4-FFF2-40B4-BE49-F238E27FC236}">
+                  <a16:creationId xmlns:a16="http://schemas.microsoft.com/office/drawing/2014/main" id="{600084D1-E2BB-414F-89DC-F53709F8BBAF}"/>
+                </a:ext>
+              </a:extLst>
+            </p:cNvPr>
+            <p:cNvSpPr/>
+            <p:nvPr/>
+          </p:nvSpPr>
+          <p:spPr>
+            <a:xfrm>
+              <a:off x="8872422" y="6595828"/>
+              <a:ext cx="190043" cy="234302"/>
+            </a:xfrm>
+            <a:prstGeom prst="rect">
+              <a:avLst/>
+            </a:prstGeom>
             <a:solidFill>
               <a:schemeClr val="accent1">
-                <a:lumMod val="60000"/>
-                <a:lumOff val="40000"/>
+                <a:lumMod val="20000"/>
+                <a:lumOff val="80000"/>
               </a:schemeClr>
             </a:solidFill>
-          </a:ln>
-        </p:spPr>
-        <p:style>
-          <a:lnRef idx="2">
-            <a:schemeClr val="dk1">
-              <a:shade val="50000"/>
-            </a:schemeClr>
-          </a:lnRef>
-          <a:fillRef idx="1">
-            <a:schemeClr val="dk1"/>
-          </a:fillRef>
-          <a:effectRef idx="0">
-            <a:schemeClr val="dk1"/>
-          </a:effectRef>
-          <a:fontRef idx="minor">
-            <a:schemeClr val="lt1"/>
-          </a:fontRef>
-        </p:style>
-        <p:txBody>
-          <a:bodyPr rtlCol="0" anchor="ctr"/>
-          <a:lstStyle/>
-          <a:p>
-            <a:pPr algn="ctr"/>
-            <a:endParaRPr lang="en-US"/>
-          </a:p>
-        </p:txBody>
-      </p:sp>
-      <p:sp>
-        <p:nvSpPr>
-          <p:cNvPr id="65" name="Oval 64">
-            <a:extLst>
-              <a:ext uri="{FF2B5EF4-FFF2-40B4-BE49-F238E27FC236}">
-                <a16:creationId xmlns:a16="http://schemas.microsoft.com/office/drawing/2014/main" id="{79923AA7-DF75-4EDA-881B-F923BA0604B0}"/>
-              </a:ext>
-            </a:extLst>
-          </p:cNvPr>
-          <p:cNvSpPr/>
-          <p:nvPr/>
-        </p:nvSpPr>
-        <p:spPr>
-          <a:xfrm>
-            <a:off x="7796108" y="6648296"/>
-            <a:ext cx="389776" cy="365214"/>
-          </a:xfrm>
-          <a:prstGeom prst="ellipse">
-            <a:avLst/>
-          </a:prstGeom>
-          <a:solidFill>
-            <a:schemeClr val="accent6">
-              <a:lumMod val="40000"/>
-              <a:lumOff val="60000"/>
-            </a:schemeClr>
-          </a:solidFill>
-          <a:ln>
+            <a:ln>
+              <a:noFill/>
+            </a:ln>
+          </p:spPr>
+          <p:style>
+            <a:lnRef idx="2">
+              <a:schemeClr val="dk1">
+                <a:shade val="50000"/>
+              </a:schemeClr>
+            </a:lnRef>
+            <a:fillRef idx="1">
+              <a:schemeClr val="dk1"/>
+            </a:fillRef>
+            <a:effectRef idx="0">
+              <a:schemeClr val="dk1"/>
+            </a:effectRef>
+            <a:fontRef idx="minor">
+              <a:schemeClr val="lt1"/>
+            </a:fontRef>
+          </p:style>
+          <p:txBody>
+            <a:bodyPr rtlCol="0" anchor="ctr"/>
+            <a:lstStyle/>
+            <a:p>
+              <a:pPr algn="ctr"/>
+              <a:endParaRPr lang="en-US" sz="2400"/>
+            </a:p>
+          </p:txBody>
+        </p:sp>
+        <p:sp>
+          <p:nvSpPr>
+            <p:cNvPr id="38" name="Freeform: Shape 37">
+              <a:extLst>
+                <a:ext uri="{FF2B5EF4-FFF2-40B4-BE49-F238E27FC236}">
+                  <a16:creationId xmlns:a16="http://schemas.microsoft.com/office/drawing/2014/main" id="{F9FBAD9F-878C-4D1D-A2E6-C68C13D284DE}"/>
+                </a:ext>
+              </a:extLst>
+            </p:cNvPr>
+            <p:cNvSpPr/>
+            <p:nvPr/>
+          </p:nvSpPr>
+          <p:spPr>
+            <a:xfrm rot="10800000">
+              <a:off x="9718406" y="6440426"/>
+              <a:ext cx="760673" cy="253491"/>
+            </a:xfrm>
+            <a:custGeom>
+              <a:avLst/>
+              <a:gdLst>
+                <a:gd name="connsiteX0" fmla="*/ 0 w 1351129"/>
+                <a:gd name="connsiteY0" fmla="*/ 791570 h 791570"/>
+                <a:gd name="connsiteX1" fmla="*/ 573206 w 1351129"/>
+                <a:gd name="connsiteY1" fmla="*/ 368489 h 791570"/>
+                <a:gd name="connsiteX2" fmla="*/ 996287 w 1351129"/>
+                <a:gd name="connsiteY2" fmla="*/ 559558 h 791570"/>
+                <a:gd name="connsiteX3" fmla="*/ 1351129 w 1351129"/>
+                <a:gd name="connsiteY3" fmla="*/ 0 h 791570"/>
+              </a:gdLst>
+              <a:ahLst/>
+              <a:cxnLst>
+                <a:cxn ang="0">
+                  <a:pos x="connsiteX0" y="connsiteY0"/>
+                </a:cxn>
+                <a:cxn ang="0">
+                  <a:pos x="connsiteX1" y="connsiteY1"/>
+                </a:cxn>
+                <a:cxn ang="0">
+                  <a:pos x="connsiteX2" y="connsiteY2"/>
+                </a:cxn>
+                <a:cxn ang="0">
+                  <a:pos x="connsiteX3" y="connsiteY3"/>
+                </a:cxn>
+              </a:cxnLst>
+              <a:rect l="l" t="t" r="r" b="b"/>
+              <a:pathLst>
+                <a:path w="1351129" h="791570">
+                  <a:moveTo>
+                    <a:pt x="0" y="791570"/>
+                  </a:moveTo>
+                  <a:cubicBezTo>
+                    <a:pt x="203579" y="599364"/>
+                    <a:pt x="407158" y="407158"/>
+                    <a:pt x="573206" y="368489"/>
+                  </a:cubicBezTo>
+                  <a:cubicBezTo>
+                    <a:pt x="739254" y="329820"/>
+                    <a:pt x="866633" y="620973"/>
+                    <a:pt x="996287" y="559558"/>
+                  </a:cubicBezTo>
+                  <a:cubicBezTo>
+                    <a:pt x="1125941" y="498143"/>
+                    <a:pt x="1238535" y="249071"/>
+                    <a:pt x="1351129" y="0"/>
+                  </a:cubicBezTo>
+                </a:path>
+              </a:pathLst>
+            </a:custGeom>
             <a:noFill/>
-          </a:ln>
-        </p:spPr>
-        <p:style>
-          <a:lnRef idx="2">
-            <a:schemeClr val="dk1">
-              <a:shade val="50000"/>
-            </a:schemeClr>
-          </a:lnRef>
-          <a:fillRef idx="1">
-            <a:schemeClr val="dk1"/>
-          </a:fillRef>
-          <a:effectRef idx="0">
-            <a:schemeClr val="dk1"/>
-          </a:effectRef>
-          <a:fontRef idx="minor">
-            <a:schemeClr val="lt1"/>
-          </a:fontRef>
-        </p:style>
-        <p:txBody>
-          <a:bodyPr rtlCol="0" anchor="ctr"/>
-          <a:lstStyle/>
-          <a:p>
-            <a:pPr algn="ctr"/>
-            <a:endParaRPr lang="en-US" sz="2400"/>
-          </a:p>
-        </p:txBody>
-      </p:sp>
-      <p:sp>
-        <p:nvSpPr>
-          <p:cNvPr id="66" name="Oval 65">
-            <a:extLst>
-              <a:ext uri="{FF2B5EF4-FFF2-40B4-BE49-F238E27FC236}">
-                <a16:creationId xmlns:a16="http://schemas.microsoft.com/office/drawing/2014/main" id="{5E218D62-F6F1-43AF-AE59-DDE40EF60B5C}"/>
-              </a:ext>
-            </a:extLst>
-          </p:cNvPr>
-          <p:cNvSpPr/>
-          <p:nvPr/>
-        </p:nvSpPr>
-        <p:spPr>
-          <a:xfrm>
-            <a:off x="7546960" y="7013509"/>
-            <a:ext cx="252196" cy="219426"/>
-          </a:xfrm>
-          <a:prstGeom prst="ellipse">
-            <a:avLst/>
-          </a:prstGeom>
-          <a:solidFill>
-            <a:schemeClr val="accent1">
-              <a:lumMod val="40000"/>
-              <a:lumOff val="60000"/>
-            </a:schemeClr>
-          </a:solidFill>
-          <a:ln>
+            <a:ln w="50800">
+              <a:solidFill>
+                <a:schemeClr val="accent2">
+                  <a:lumMod val="40000"/>
+                  <a:lumOff val="60000"/>
+                </a:schemeClr>
+              </a:solidFill>
+              <a:prstDash val="sysDot"/>
+            </a:ln>
+          </p:spPr>
+          <p:style>
+            <a:lnRef idx="2">
+              <a:schemeClr val="dk1">
+                <a:shade val="50000"/>
+              </a:schemeClr>
+            </a:lnRef>
+            <a:fillRef idx="1">
+              <a:schemeClr val="dk1"/>
+            </a:fillRef>
+            <a:effectRef idx="0">
+              <a:schemeClr val="dk1"/>
+            </a:effectRef>
+            <a:fontRef idx="minor">
+              <a:schemeClr val="lt1"/>
+            </a:fontRef>
+          </p:style>
+          <p:txBody>
+            <a:bodyPr rtlCol="0" anchor="ctr"/>
+            <a:lstStyle/>
+            <a:p>
+              <a:pPr algn="ctr"/>
+              <a:endParaRPr lang="en-US"/>
+            </a:p>
+          </p:txBody>
+        </p:sp>
+        <p:sp>
+          <p:nvSpPr>
+            <p:cNvPr id="39" name="Freeform: Shape 38">
+              <a:extLst>
+                <a:ext uri="{FF2B5EF4-FFF2-40B4-BE49-F238E27FC236}">
+                  <a16:creationId xmlns:a16="http://schemas.microsoft.com/office/drawing/2014/main" id="{70798F09-0195-4C0A-ABD7-E2EA05B3A603}"/>
+                </a:ext>
+              </a:extLst>
+            </p:cNvPr>
+            <p:cNvSpPr/>
+            <p:nvPr/>
+          </p:nvSpPr>
+          <p:spPr>
+            <a:xfrm>
+              <a:off x="9718403" y="6191099"/>
+              <a:ext cx="760673" cy="132228"/>
+            </a:xfrm>
+            <a:custGeom>
+              <a:avLst/>
+              <a:gdLst>
+                <a:gd name="connsiteX0" fmla="*/ 0 w 1501254"/>
+                <a:gd name="connsiteY0" fmla="*/ 95534 h 395920"/>
+                <a:gd name="connsiteX1" fmla="*/ 300251 w 1501254"/>
+                <a:gd name="connsiteY1" fmla="*/ 395785 h 395920"/>
+                <a:gd name="connsiteX2" fmla="*/ 600501 w 1501254"/>
+                <a:gd name="connsiteY2" fmla="*/ 136478 h 395920"/>
+                <a:gd name="connsiteX3" fmla="*/ 1078173 w 1501254"/>
+                <a:gd name="connsiteY3" fmla="*/ 313899 h 395920"/>
+                <a:gd name="connsiteX4" fmla="*/ 1501254 w 1501254"/>
+                <a:gd name="connsiteY4" fmla="*/ 0 h 395920"/>
+              </a:gdLst>
+              <a:ahLst/>
+              <a:cxnLst>
+                <a:cxn ang="0">
+                  <a:pos x="connsiteX0" y="connsiteY0"/>
+                </a:cxn>
+                <a:cxn ang="0">
+                  <a:pos x="connsiteX1" y="connsiteY1"/>
+                </a:cxn>
+                <a:cxn ang="0">
+                  <a:pos x="connsiteX2" y="connsiteY2"/>
+                </a:cxn>
+                <a:cxn ang="0">
+                  <a:pos x="connsiteX3" y="connsiteY3"/>
+                </a:cxn>
+                <a:cxn ang="0">
+                  <a:pos x="connsiteX4" y="connsiteY4"/>
+                </a:cxn>
+              </a:cxnLst>
+              <a:rect l="l" t="t" r="r" b="b"/>
+              <a:pathLst>
+                <a:path w="1501254" h="395920">
+                  <a:moveTo>
+                    <a:pt x="0" y="95534"/>
+                  </a:moveTo>
+                  <a:cubicBezTo>
+                    <a:pt x="100084" y="242247"/>
+                    <a:pt x="200168" y="388961"/>
+                    <a:pt x="300251" y="395785"/>
+                  </a:cubicBezTo>
+                  <a:cubicBezTo>
+                    <a:pt x="400334" y="402609"/>
+                    <a:pt x="470847" y="150126"/>
+                    <a:pt x="600501" y="136478"/>
+                  </a:cubicBezTo>
+                  <a:cubicBezTo>
+                    <a:pt x="730155" y="122830"/>
+                    <a:pt x="928048" y="336645"/>
+                    <a:pt x="1078173" y="313899"/>
+                  </a:cubicBezTo>
+                  <a:cubicBezTo>
+                    <a:pt x="1228298" y="291153"/>
+                    <a:pt x="1364776" y="145576"/>
+                    <a:pt x="1501254" y="0"/>
+                  </a:cubicBezTo>
+                </a:path>
+              </a:pathLst>
+            </a:custGeom>
             <a:noFill/>
-          </a:ln>
-        </p:spPr>
-        <p:style>
-          <a:lnRef idx="2">
-            <a:schemeClr val="dk1">
-              <a:shade val="50000"/>
-            </a:schemeClr>
-          </a:lnRef>
-          <a:fillRef idx="1">
-            <a:schemeClr val="dk1"/>
-          </a:fillRef>
-          <a:effectRef idx="0">
-            <a:schemeClr val="dk1"/>
-          </a:effectRef>
-          <a:fontRef idx="minor">
-            <a:schemeClr val="lt1"/>
-          </a:fontRef>
-        </p:style>
-        <p:txBody>
-          <a:bodyPr rtlCol="0" anchor="ctr"/>
-          <a:lstStyle/>
-          <a:p>
-            <a:pPr algn="ctr"/>
-            <a:endParaRPr lang="en-US" sz="2400"/>
-          </a:p>
-        </p:txBody>
-      </p:sp>
-      <p:cxnSp>
-        <p:nvCxnSpPr>
-          <p:cNvPr id="67" name="Straight Arrow Connector 66">
-            <a:extLst>
-              <a:ext uri="{FF2B5EF4-FFF2-40B4-BE49-F238E27FC236}">
-                <a16:creationId xmlns:a16="http://schemas.microsoft.com/office/drawing/2014/main" id="{57227ABD-7686-428C-876C-572BEBF9ACD4}"/>
-              </a:ext>
-            </a:extLst>
-          </p:cNvPr>
-          <p:cNvCxnSpPr>
-            <a:cxnSpLocks/>
-          </p:cNvCxnSpPr>
-          <p:nvPr/>
-        </p:nvCxnSpPr>
-        <p:spPr>
-          <a:xfrm>
-            <a:off x="8492748" y="7293578"/>
-            <a:ext cx="851277" cy="0"/>
-          </a:xfrm>
-          <a:prstGeom prst="straightConnector1">
-            <a:avLst/>
-          </a:prstGeom>
-          <a:ln w="12700">
+            <a:ln w="50800">
+              <a:solidFill>
+                <a:schemeClr val="accent1">
+                  <a:lumMod val="60000"/>
+                  <a:lumOff val="40000"/>
+                </a:schemeClr>
+              </a:solidFill>
+            </a:ln>
+          </p:spPr>
+          <p:style>
+            <a:lnRef idx="2">
+              <a:schemeClr val="dk1">
+                <a:shade val="50000"/>
+              </a:schemeClr>
+            </a:lnRef>
+            <a:fillRef idx="1">
+              <a:schemeClr val="dk1"/>
+            </a:fillRef>
+            <a:effectRef idx="0">
+              <a:schemeClr val="dk1"/>
+            </a:effectRef>
+            <a:fontRef idx="minor">
+              <a:schemeClr val="lt1"/>
+            </a:fontRef>
+          </p:style>
+          <p:txBody>
+            <a:bodyPr rtlCol="0" anchor="ctr"/>
+            <a:lstStyle/>
+            <a:p>
+              <a:pPr algn="ctr"/>
+              <a:endParaRPr lang="en-US"/>
+            </a:p>
+          </p:txBody>
+        </p:sp>
+        <p:sp>
+          <p:nvSpPr>
+            <p:cNvPr id="65" name="Oval 64">
+              <a:extLst>
+                <a:ext uri="{FF2B5EF4-FFF2-40B4-BE49-F238E27FC236}">
+                  <a16:creationId xmlns:a16="http://schemas.microsoft.com/office/drawing/2014/main" id="{79923AA7-DF75-4EDA-881B-F923BA0604B0}"/>
+                </a:ext>
+              </a:extLst>
+            </p:cNvPr>
+            <p:cNvSpPr/>
+            <p:nvPr/>
+          </p:nvSpPr>
+          <p:spPr>
+            <a:xfrm>
+              <a:off x="7796108" y="6191098"/>
+              <a:ext cx="389776" cy="365214"/>
+            </a:xfrm>
+            <a:prstGeom prst="ellipse">
+              <a:avLst/>
+            </a:prstGeom>
             <a:solidFill>
+              <a:schemeClr val="accent6">
+                <a:lumMod val="40000"/>
+                <a:lumOff val="60000"/>
+              </a:schemeClr>
+            </a:solidFill>
+            <a:ln>
+              <a:noFill/>
+            </a:ln>
+          </p:spPr>
+          <p:style>
+            <a:lnRef idx="2">
+              <a:schemeClr val="dk1">
+                <a:shade val="50000"/>
+              </a:schemeClr>
+            </a:lnRef>
+            <a:fillRef idx="1">
+              <a:schemeClr val="dk1"/>
+            </a:fillRef>
+            <a:effectRef idx="0">
+              <a:schemeClr val="dk1"/>
+            </a:effectRef>
+            <a:fontRef idx="minor">
+              <a:schemeClr val="lt1"/>
+            </a:fontRef>
+          </p:style>
+          <p:txBody>
+            <a:bodyPr rtlCol="0" anchor="ctr"/>
+            <a:lstStyle/>
+            <a:p>
+              <a:pPr algn="ctr"/>
+              <a:endParaRPr lang="en-US" sz="2400"/>
+            </a:p>
+          </p:txBody>
+        </p:sp>
+        <p:sp>
+          <p:nvSpPr>
+            <p:cNvPr id="66" name="Oval 65">
+              <a:extLst>
+                <a:ext uri="{FF2B5EF4-FFF2-40B4-BE49-F238E27FC236}">
+                  <a16:creationId xmlns:a16="http://schemas.microsoft.com/office/drawing/2014/main" id="{5E218D62-F6F1-43AF-AE59-DDE40EF60B5C}"/>
+                </a:ext>
+              </a:extLst>
+            </p:cNvPr>
+            <p:cNvSpPr/>
+            <p:nvPr/>
+          </p:nvSpPr>
+          <p:spPr>
+            <a:xfrm>
+              <a:off x="7546960" y="6556311"/>
+              <a:ext cx="252196" cy="219426"/>
+            </a:xfrm>
+            <a:prstGeom prst="ellipse">
+              <a:avLst/>
+            </a:prstGeom>
+            <a:solidFill>
+              <a:schemeClr val="accent1">
+                <a:lumMod val="40000"/>
+                <a:lumOff val="60000"/>
+              </a:schemeClr>
+            </a:solidFill>
+            <a:ln>
+              <a:noFill/>
+            </a:ln>
+          </p:spPr>
+          <p:style>
+            <a:lnRef idx="2">
+              <a:schemeClr val="dk1">
+                <a:shade val="50000"/>
+              </a:schemeClr>
+            </a:lnRef>
+            <a:fillRef idx="1">
+              <a:schemeClr val="dk1"/>
+            </a:fillRef>
+            <a:effectRef idx="0">
+              <a:schemeClr val="dk1"/>
+            </a:effectRef>
+            <a:fontRef idx="minor">
+              <a:schemeClr val="lt1"/>
+            </a:fontRef>
+          </p:style>
+          <p:txBody>
+            <a:bodyPr rtlCol="0" anchor="ctr"/>
+            <a:lstStyle/>
+            <a:p>
+              <a:pPr algn="ctr"/>
+              <a:endParaRPr lang="en-US" sz="2400"/>
+            </a:p>
+          </p:txBody>
+        </p:sp>
+        <p:cxnSp>
+          <p:nvCxnSpPr>
+            <p:cNvPr id="67" name="Straight Arrow Connector 66">
+              <a:extLst>
+                <a:ext uri="{FF2B5EF4-FFF2-40B4-BE49-F238E27FC236}">
+                  <a16:creationId xmlns:a16="http://schemas.microsoft.com/office/drawing/2014/main" id="{57227ABD-7686-428C-876C-572BEBF9ACD4}"/>
+                </a:ext>
+              </a:extLst>
+            </p:cNvPr>
+            <p:cNvCxnSpPr>
+              <a:cxnSpLocks/>
+            </p:cNvCxnSpPr>
+            <p:nvPr/>
+          </p:nvCxnSpPr>
+          <p:spPr>
+            <a:xfrm>
+              <a:off x="8492748" y="6836380"/>
+              <a:ext cx="851277" cy="0"/>
+            </a:xfrm>
+            <a:prstGeom prst="straightConnector1">
+              <a:avLst/>
+            </a:prstGeom>
+            <a:ln w="12700">
+              <a:solidFill>
+                <a:schemeClr val="tx1"/>
+              </a:solidFill>
+              <a:tailEnd type="triangle"/>
+            </a:ln>
+          </p:spPr>
+          <p:style>
+            <a:lnRef idx="1">
+              <a:schemeClr val="accent1"/>
+            </a:lnRef>
+            <a:fillRef idx="0">
+              <a:schemeClr val="accent1"/>
+            </a:fillRef>
+            <a:effectRef idx="0">
+              <a:schemeClr val="accent1"/>
+            </a:effectRef>
+            <a:fontRef idx="minor">
               <a:schemeClr val="tx1"/>
-            </a:solidFill>
-            <a:tailEnd type="triangle"/>
-          </a:ln>
-        </p:spPr>
-        <p:style>
-          <a:lnRef idx="1">
-            <a:schemeClr val="accent1"/>
-          </a:lnRef>
-          <a:fillRef idx="0">
-            <a:schemeClr val="accent1"/>
-          </a:fillRef>
-          <a:effectRef idx="0">
-            <a:schemeClr val="accent1"/>
-          </a:effectRef>
-          <a:fontRef idx="minor">
-            <a:schemeClr val="tx1"/>
-          </a:fontRef>
-        </p:style>
-      </p:cxnSp>
-      <p:cxnSp>
-        <p:nvCxnSpPr>
-          <p:cNvPr id="68" name="Straight Arrow Connector 67">
-            <a:extLst>
-              <a:ext uri="{FF2B5EF4-FFF2-40B4-BE49-F238E27FC236}">
-                <a16:creationId xmlns:a16="http://schemas.microsoft.com/office/drawing/2014/main" id="{4A884936-140A-43C1-88DA-659BF51E837A}"/>
-              </a:ext>
-            </a:extLst>
-          </p:cNvPr>
-          <p:cNvCxnSpPr>
-            <a:cxnSpLocks/>
-          </p:cNvCxnSpPr>
-          <p:nvPr/>
-        </p:nvCxnSpPr>
-        <p:spPr>
-          <a:xfrm flipV="1">
-            <a:off x="8492748" y="6460312"/>
-            <a:ext cx="0" cy="833266"/>
-          </a:xfrm>
-          <a:prstGeom prst="straightConnector1">
-            <a:avLst/>
-          </a:prstGeom>
-          <a:ln w="12700">
-            <a:solidFill>
+            </a:fontRef>
+          </p:style>
+        </p:cxnSp>
+        <p:cxnSp>
+          <p:nvCxnSpPr>
+            <p:cNvPr id="68" name="Straight Arrow Connector 67">
+              <a:extLst>
+                <a:ext uri="{FF2B5EF4-FFF2-40B4-BE49-F238E27FC236}">
+                  <a16:creationId xmlns:a16="http://schemas.microsoft.com/office/drawing/2014/main" id="{4A884936-140A-43C1-88DA-659BF51E837A}"/>
+                </a:ext>
+              </a:extLst>
+            </p:cNvPr>
+            <p:cNvCxnSpPr>
+              <a:cxnSpLocks/>
+            </p:cNvCxnSpPr>
+            <p:nvPr/>
+          </p:nvCxnSpPr>
+          <p:spPr>
+            <a:xfrm flipV="1">
+              <a:off x="8492748" y="6003114"/>
+              <a:ext cx="0" cy="833266"/>
+            </a:xfrm>
+            <a:prstGeom prst="straightConnector1">
+              <a:avLst/>
+            </a:prstGeom>
+            <a:ln w="12700">
+              <a:solidFill>
+                <a:schemeClr val="tx1"/>
+              </a:solidFill>
+              <a:tailEnd type="triangle"/>
+            </a:ln>
+          </p:spPr>
+          <p:style>
+            <a:lnRef idx="1">
+              <a:schemeClr val="accent1"/>
+            </a:lnRef>
+            <a:fillRef idx="0">
+              <a:schemeClr val="accent1"/>
+            </a:fillRef>
+            <a:effectRef idx="0">
+              <a:schemeClr val="accent1"/>
+            </a:effectRef>
+            <a:fontRef idx="minor">
               <a:schemeClr val="tx1"/>
-            </a:solidFill>
-            <a:tailEnd type="triangle"/>
-          </a:ln>
-        </p:spPr>
-        <p:style>
-          <a:lnRef idx="1">
-            <a:schemeClr val="accent1"/>
-          </a:lnRef>
-          <a:fillRef idx="0">
-            <a:schemeClr val="accent1"/>
-          </a:fillRef>
-          <a:effectRef idx="0">
-            <a:schemeClr val="accent1"/>
-          </a:effectRef>
-          <a:fontRef idx="minor">
-            <a:schemeClr val="tx1"/>
-          </a:fontRef>
-        </p:style>
-      </p:cxnSp>
-      <p:cxnSp>
-        <p:nvCxnSpPr>
-          <p:cNvPr id="71" name="Straight Arrow Connector 70">
-            <a:extLst>
-              <a:ext uri="{FF2B5EF4-FFF2-40B4-BE49-F238E27FC236}">
-                <a16:creationId xmlns:a16="http://schemas.microsoft.com/office/drawing/2014/main" id="{31F455BF-3F3D-4DF2-8621-87E9655AB473}"/>
-              </a:ext>
-            </a:extLst>
-          </p:cNvPr>
-          <p:cNvCxnSpPr>
-            <a:cxnSpLocks/>
-          </p:cNvCxnSpPr>
-          <p:nvPr/>
-        </p:nvCxnSpPr>
-        <p:spPr>
-          <a:xfrm>
-            <a:off x="9627805" y="7287328"/>
-            <a:ext cx="851277" cy="0"/>
-          </a:xfrm>
-          <a:prstGeom prst="straightConnector1">
-            <a:avLst/>
-          </a:prstGeom>
-          <a:ln w="12700">
-            <a:solidFill>
+            </a:fontRef>
+          </p:style>
+        </p:cxnSp>
+        <p:cxnSp>
+          <p:nvCxnSpPr>
+            <p:cNvPr id="71" name="Straight Arrow Connector 70">
+              <a:extLst>
+                <a:ext uri="{FF2B5EF4-FFF2-40B4-BE49-F238E27FC236}">
+                  <a16:creationId xmlns:a16="http://schemas.microsoft.com/office/drawing/2014/main" id="{31F455BF-3F3D-4DF2-8621-87E9655AB473}"/>
+                </a:ext>
+              </a:extLst>
+            </p:cNvPr>
+            <p:cNvCxnSpPr>
+              <a:cxnSpLocks/>
+            </p:cNvCxnSpPr>
+            <p:nvPr/>
+          </p:nvCxnSpPr>
+          <p:spPr>
+            <a:xfrm>
+              <a:off x="9627805" y="6830130"/>
+              <a:ext cx="851277" cy="0"/>
+            </a:xfrm>
+            <a:prstGeom prst="straightConnector1">
+              <a:avLst/>
+            </a:prstGeom>
+            <a:ln w="12700">
+              <a:solidFill>
+                <a:schemeClr val="tx1"/>
+              </a:solidFill>
+              <a:tailEnd type="triangle"/>
+            </a:ln>
+          </p:spPr>
+          <p:style>
+            <a:lnRef idx="1">
+              <a:schemeClr val="accent1"/>
+            </a:lnRef>
+            <a:fillRef idx="0">
+              <a:schemeClr val="accent1"/>
+            </a:fillRef>
+            <a:effectRef idx="0">
+              <a:schemeClr val="accent1"/>
+            </a:effectRef>
+            <a:fontRef idx="minor">
               <a:schemeClr val="tx1"/>
-            </a:solidFill>
-            <a:tailEnd type="triangle"/>
-          </a:ln>
-        </p:spPr>
-        <p:style>
-          <a:lnRef idx="1">
-            <a:schemeClr val="accent1"/>
-          </a:lnRef>
-          <a:fillRef idx="0">
-            <a:schemeClr val="accent1"/>
-          </a:fillRef>
-          <a:effectRef idx="0">
-            <a:schemeClr val="accent1"/>
-          </a:effectRef>
-          <a:fontRef idx="minor">
-            <a:schemeClr val="tx1"/>
-          </a:fontRef>
-        </p:style>
-      </p:cxnSp>
-      <p:cxnSp>
-        <p:nvCxnSpPr>
-          <p:cNvPr id="72" name="Straight Arrow Connector 71">
-            <a:extLst>
-              <a:ext uri="{FF2B5EF4-FFF2-40B4-BE49-F238E27FC236}">
-                <a16:creationId xmlns:a16="http://schemas.microsoft.com/office/drawing/2014/main" id="{561180D0-8A41-4365-A158-61B8B118958A}"/>
-              </a:ext>
-            </a:extLst>
-          </p:cNvPr>
-          <p:cNvCxnSpPr>
-            <a:cxnSpLocks/>
-          </p:cNvCxnSpPr>
-          <p:nvPr/>
-        </p:nvCxnSpPr>
-        <p:spPr>
-          <a:xfrm flipV="1">
-            <a:off x="9627805" y="6454062"/>
-            <a:ext cx="0" cy="833266"/>
-          </a:xfrm>
-          <a:prstGeom prst="straightConnector1">
-            <a:avLst/>
-          </a:prstGeom>
-          <a:ln w="12700">
-            <a:solidFill>
+            </a:fontRef>
+          </p:style>
+        </p:cxnSp>
+        <p:cxnSp>
+          <p:nvCxnSpPr>
+            <p:cNvPr id="72" name="Straight Arrow Connector 71">
+              <a:extLst>
+                <a:ext uri="{FF2B5EF4-FFF2-40B4-BE49-F238E27FC236}">
+                  <a16:creationId xmlns:a16="http://schemas.microsoft.com/office/drawing/2014/main" id="{561180D0-8A41-4365-A158-61B8B118958A}"/>
+                </a:ext>
+              </a:extLst>
+            </p:cNvPr>
+            <p:cNvCxnSpPr>
+              <a:cxnSpLocks/>
+            </p:cNvCxnSpPr>
+            <p:nvPr/>
+          </p:nvCxnSpPr>
+          <p:spPr>
+            <a:xfrm flipV="1">
+              <a:off x="9627805" y="5996864"/>
+              <a:ext cx="0" cy="833266"/>
+            </a:xfrm>
+            <a:prstGeom prst="straightConnector1">
+              <a:avLst/>
+            </a:prstGeom>
+            <a:ln w="12700">
+              <a:solidFill>
+                <a:schemeClr val="tx1"/>
+              </a:solidFill>
+              <a:tailEnd type="triangle"/>
+            </a:ln>
+          </p:spPr>
+          <p:style>
+            <a:lnRef idx="1">
+              <a:schemeClr val="accent1"/>
+            </a:lnRef>
+            <a:fillRef idx="0">
+              <a:schemeClr val="accent1"/>
+            </a:fillRef>
+            <a:effectRef idx="0">
+              <a:schemeClr val="accent1"/>
+            </a:effectRef>
+            <a:fontRef idx="minor">
               <a:schemeClr val="tx1"/>
-            </a:solidFill>
-            <a:tailEnd type="triangle"/>
-          </a:ln>
-        </p:spPr>
-        <p:style>
-          <a:lnRef idx="1">
-            <a:schemeClr val="accent1"/>
-          </a:lnRef>
-          <a:fillRef idx="0">
-            <a:schemeClr val="accent1"/>
-          </a:fillRef>
-          <a:effectRef idx="0">
-            <a:schemeClr val="accent1"/>
-          </a:effectRef>
-          <a:fontRef idx="minor">
-            <a:schemeClr val="tx1"/>
-          </a:fontRef>
-        </p:style>
-      </p:cxnSp>
+            </a:fontRef>
+          </p:style>
+        </p:cxnSp>
+      </p:grpSp>
       <p:pic>
         <p:nvPicPr>
           <p:cNvPr id="73" name="Picture 72">
@@ -4107,8 +4127,8 @@
         </p:blipFill>
         <p:spPr>
           <a:xfrm>
-            <a:off x="3154465" y="10216578"/>
-            <a:ext cx="5654035" cy="3531777"/>
+            <a:off x="2632262" y="9879697"/>
+            <a:ext cx="6193349" cy="3868658"/>
           </a:xfrm>
           <a:prstGeom prst="rect">
             <a:avLst/>
@@ -4129,8 +4149,8 @@
         </p:nvSpPr>
         <p:spPr>
           <a:xfrm>
-            <a:off x="1754752" y="14404164"/>
-            <a:ext cx="8298691" cy="1077218"/>
+            <a:off x="722955" y="14118414"/>
+            <a:ext cx="10009215" cy="1077218"/>
           </a:xfrm>
           <a:prstGeom prst="rect">
             <a:avLst/>
@@ -4142,2273 +4162,2291 @@
           </a:bodyPr>
           <a:lstStyle/>
           <a:p>
-            <a:pPr algn="ctr"/>
             <a:r>
               <a:rPr lang="en-US" sz="3200" b="1" u="sng" dirty="0"/>
-              <a:t>Gestalt principles of grouping</a:t>
-            </a:r>
-          </a:p>
-          <a:p>
-            <a:pPr algn="ctr"/>
+              <a:t>Gestalt Principles of Grouping</a:t>
+            </a:r>
+            <a:br>
+              <a:rPr lang="en-US" sz="3200" b="1" u="sng" dirty="0"/>
+            </a:br>
             <a:r>
               <a:rPr lang="en-US" sz="3200" i="1" dirty="0"/>
-              <a:t>The whole is greater than the sum of the parts</a:t>
-            </a:r>
-            <a:endParaRPr lang="en-US" sz="3200" dirty="0"/>
+              <a:t>t</a:t>
+            </a:r>
+            <a:r>
+              <a:rPr lang="en-US" sz="3000" i="1" dirty="0"/>
+              <a:t>he whole is greater than the sum of the parts</a:t>
+            </a:r>
+            <a:endParaRPr lang="en-US" sz="3000" dirty="0"/>
           </a:p>
         </p:txBody>
       </p:sp>
-      <p:sp>
-        <p:nvSpPr>
-          <p:cNvPr id="80" name="Oval 79">
-            <a:extLst>
-              <a:ext uri="{FF2B5EF4-FFF2-40B4-BE49-F238E27FC236}">
-                <a16:creationId xmlns:a16="http://schemas.microsoft.com/office/drawing/2014/main" id="{269378B6-C1E1-4045-ADF4-32E405FEA359}"/>
-              </a:ext>
-            </a:extLst>
-          </p:cNvPr>
-          <p:cNvSpPr/>
+      <p:grpSp>
+        <p:nvGrpSpPr>
+          <p:cNvPr id="37" name="Group 36"/>
+          <p:cNvGrpSpPr/>
           <p:nvPr/>
-        </p:nvSpPr>
-        <p:spPr>
+        </p:nvGrpSpPr>
+        <p:grpSpPr>
           <a:xfrm>
-            <a:off x="1256216" y="15726329"/>
-            <a:ext cx="365760" cy="365760"/>
+            <a:off x="898273" y="15464642"/>
+            <a:ext cx="9680228" cy="2217432"/>
+            <a:chOff x="898273" y="15726329"/>
+            <a:chExt cx="9680228" cy="2217432"/>
           </a:xfrm>
-          <a:prstGeom prst="ellipse">
-            <a:avLst/>
-          </a:prstGeom>
-          <a:solidFill>
-            <a:schemeClr val="accent2">
-              <a:lumMod val="40000"/>
-              <a:lumOff val="60000"/>
-            </a:schemeClr>
-          </a:solidFill>
-          <a:ln>
+        </p:grpSpPr>
+        <p:sp>
+          <p:nvSpPr>
+            <p:cNvPr id="80" name="Oval 79">
+              <a:extLst>
+                <a:ext uri="{FF2B5EF4-FFF2-40B4-BE49-F238E27FC236}">
+                  <a16:creationId xmlns:a16="http://schemas.microsoft.com/office/drawing/2014/main" id="{269378B6-C1E1-4045-ADF4-32E405FEA359}"/>
+                </a:ext>
+              </a:extLst>
+            </p:cNvPr>
+            <p:cNvSpPr/>
+            <p:nvPr/>
+          </p:nvSpPr>
+          <p:spPr>
+            <a:xfrm>
+              <a:off x="1256216" y="15726329"/>
+              <a:ext cx="365760" cy="365760"/>
+            </a:xfrm>
+            <a:prstGeom prst="ellipse">
+              <a:avLst/>
+            </a:prstGeom>
+            <a:solidFill>
+              <a:schemeClr val="accent2">
+                <a:lumMod val="40000"/>
+                <a:lumOff val="60000"/>
+              </a:schemeClr>
+            </a:solidFill>
+            <a:ln>
+              <a:noFill/>
+            </a:ln>
+          </p:spPr>
+          <p:style>
+            <a:lnRef idx="2">
+              <a:schemeClr val="accent1">
+                <a:shade val="50000"/>
+              </a:schemeClr>
+            </a:lnRef>
+            <a:fillRef idx="1">
+              <a:schemeClr val="accent1"/>
+            </a:fillRef>
+            <a:effectRef idx="0">
+              <a:schemeClr val="accent1"/>
+            </a:effectRef>
+            <a:fontRef idx="minor">
+              <a:schemeClr val="lt1"/>
+            </a:fontRef>
+          </p:style>
+          <p:txBody>
+            <a:bodyPr rtlCol="0" anchor="ctr"/>
+            <a:lstStyle/>
+            <a:p>
+              <a:pPr algn="ctr"/>
+              <a:endParaRPr lang="en-US"/>
+            </a:p>
+          </p:txBody>
+        </p:sp>
+        <p:sp>
+          <p:nvSpPr>
+            <p:cNvPr id="83" name="Oval 82">
+              <a:extLst>
+                <a:ext uri="{FF2B5EF4-FFF2-40B4-BE49-F238E27FC236}">
+                  <a16:creationId xmlns:a16="http://schemas.microsoft.com/office/drawing/2014/main" id="{76844432-BD62-45BF-9DB2-4A696EA73102}"/>
+                </a:ext>
+              </a:extLst>
+            </p:cNvPr>
+            <p:cNvSpPr/>
+            <p:nvPr/>
+          </p:nvSpPr>
+          <p:spPr>
+            <a:xfrm>
+              <a:off x="1751094" y="15726329"/>
+              <a:ext cx="365760" cy="365760"/>
+            </a:xfrm>
+            <a:prstGeom prst="ellipse">
+              <a:avLst/>
+            </a:prstGeom>
+            <a:solidFill>
+              <a:schemeClr val="accent2">
+                <a:lumMod val="40000"/>
+                <a:lumOff val="60000"/>
+              </a:schemeClr>
+            </a:solidFill>
+            <a:ln>
+              <a:noFill/>
+            </a:ln>
+          </p:spPr>
+          <p:style>
+            <a:lnRef idx="2">
+              <a:schemeClr val="accent1">
+                <a:shade val="50000"/>
+              </a:schemeClr>
+            </a:lnRef>
+            <a:fillRef idx="1">
+              <a:schemeClr val="accent1"/>
+            </a:fillRef>
+            <a:effectRef idx="0">
+              <a:schemeClr val="accent1"/>
+            </a:effectRef>
+            <a:fontRef idx="minor">
+              <a:schemeClr val="lt1"/>
+            </a:fontRef>
+          </p:style>
+          <p:txBody>
+            <a:bodyPr rtlCol="0" anchor="ctr"/>
+            <a:lstStyle/>
+            <a:p>
+              <a:pPr algn="ctr"/>
+              <a:endParaRPr lang="en-US"/>
+            </a:p>
+          </p:txBody>
+        </p:sp>
+        <p:sp>
+          <p:nvSpPr>
+            <p:cNvPr id="86" name="Oval 85">
+              <a:extLst>
+                <a:ext uri="{FF2B5EF4-FFF2-40B4-BE49-F238E27FC236}">
+                  <a16:creationId xmlns:a16="http://schemas.microsoft.com/office/drawing/2014/main" id="{35BFE303-2793-4986-8CCE-E46313EDFBCE}"/>
+                </a:ext>
+              </a:extLst>
+            </p:cNvPr>
+            <p:cNvSpPr/>
+            <p:nvPr/>
+          </p:nvSpPr>
+          <p:spPr>
+            <a:xfrm>
+              <a:off x="2245972" y="15726329"/>
+              <a:ext cx="365760" cy="365760"/>
+            </a:xfrm>
+            <a:prstGeom prst="ellipse">
+              <a:avLst/>
+            </a:prstGeom>
+            <a:solidFill>
+              <a:schemeClr val="accent2">
+                <a:lumMod val="40000"/>
+                <a:lumOff val="60000"/>
+              </a:schemeClr>
+            </a:solidFill>
+            <a:ln>
+              <a:noFill/>
+            </a:ln>
+          </p:spPr>
+          <p:style>
+            <a:lnRef idx="2">
+              <a:schemeClr val="accent1">
+                <a:shade val="50000"/>
+              </a:schemeClr>
+            </a:lnRef>
+            <a:fillRef idx="1">
+              <a:schemeClr val="accent1"/>
+            </a:fillRef>
+            <a:effectRef idx="0">
+              <a:schemeClr val="accent1"/>
+            </a:effectRef>
+            <a:fontRef idx="minor">
+              <a:schemeClr val="lt1"/>
+            </a:fontRef>
+          </p:style>
+          <p:txBody>
+            <a:bodyPr rtlCol="0" anchor="ctr"/>
+            <a:lstStyle/>
+            <a:p>
+              <a:pPr algn="ctr"/>
+              <a:endParaRPr lang="en-US"/>
+            </a:p>
+          </p:txBody>
+        </p:sp>
+        <p:sp>
+          <p:nvSpPr>
+            <p:cNvPr id="113" name="Oval 112">
+              <a:extLst>
+                <a:ext uri="{FF2B5EF4-FFF2-40B4-BE49-F238E27FC236}">
+                  <a16:creationId xmlns:a16="http://schemas.microsoft.com/office/drawing/2014/main" id="{A47F1EF6-8EC5-4E4E-BC25-6595C929A190}"/>
+                </a:ext>
+              </a:extLst>
+            </p:cNvPr>
+            <p:cNvSpPr/>
+            <p:nvPr/>
+          </p:nvSpPr>
+          <p:spPr>
+            <a:xfrm>
+              <a:off x="1256216" y="16264401"/>
+              <a:ext cx="365760" cy="365760"/>
+            </a:xfrm>
+            <a:prstGeom prst="ellipse">
+              <a:avLst/>
+            </a:prstGeom>
+            <a:solidFill>
+              <a:srgbClr val="4472C4"/>
+            </a:solidFill>
+            <a:ln>
+              <a:noFill/>
+            </a:ln>
+          </p:spPr>
+          <p:style>
+            <a:lnRef idx="2">
+              <a:schemeClr val="accent1">
+                <a:shade val="50000"/>
+              </a:schemeClr>
+            </a:lnRef>
+            <a:fillRef idx="1">
+              <a:schemeClr val="accent1"/>
+            </a:fillRef>
+            <a:effectRef idx="0">
+              <a:schemeClr val="accent1"/>
+            </a:effectRef>
+            <a:fontRef idx="minor">
+              <a:schemeClr val="lt1"/>
+            </a:fontRef>
+          </p:style>
+          <p:txBody>
+            <a:bodyPr rtlCol="0" anchor="ctr"/>
+            <a:lstStyle/>
+            <a:p>
+              <a:pPr algn="ctr"/>
+              <a:endParaRPr lang="en-US"/>
+            </a:p>
+          </p:txBody>
+        </p:sp>
+        <p:sp>
+          <p:nvSpPr>
+            <p:cNvPr id="114" name="Oval 113">
+              <a:extLst>
+                <a:ext uri="{FF2B5EF4-FFF2-40B4-BE49-F238E27FC236}">
+                  <a16:creationId xmlns:a16="http://schemas.microsoft.com/office/drawing/2014/main" id="{2ADE7012-F94B-4D33-9919-EA0E93F99AC3}"/>
+                </a:ext>
+              </a:extLst>
+            </p:cNvPr>
+            <p:cNvSpPr/>
+            <p:nvPr/>
+          </p:nvSpPr>
+          <p:spPr>
+            <a:xfrm>
+              <a:off x="1751094" y="16264401"/>
+              <a:ext cx="365760" cy="365760"/>
+            </a:xfrm>
+            <a:prstGeom prst="ellipse">
+              <a:avLst/>
+            </a:prstGeom>
+            <a:solidFill>
+              <a:srgbClr val="4472C4"/>
+            </a:solidFill>
+            <a:ln>
+              <a:noFill/>
+            </a:ln>
+          </p:spPr>
+          <p:style>
+            <a:lnRef idx="2">
+              <a:schemeClr val="accent1">
+                <a:shade val="50000"/>
+              </a:schemeClr>
+            </a:lnRef>
+            <a:fillRef idx="1">
+              <a:schemeClr val="accent1"/>
+            </a:fillRef>
+            <a:effectRef idx="0">
+              <a:schemeClr val="accent1"/>
+            </a:effectRef>
+            <a:fontRef idx="minor">
+              <a:schemeClr val="lt1"/>
+            </a:fontRef>
+          </p:style>
+          <p:txBody>
+            <a:bodyPr rtlCol="0" anchor="ctr"/>
+            <a:lstStyle/>
+            <a:p>
+              <a:pPr algn="ctr"/>
+              <a:endParaRPr lang="en-US"/>
+            </a:p>
+          </p:txBody>
+        </p:sp>
+        <p:sp>
+          <p:nvSpPr>
+            <p:cNvPr id="115" name="Oval 114">
+              <a:extLst>
+                <a:ext uri="{FF2B5EF4-FFF2-40B4-BE49-F238E27FC236}">
+                  <a16:creationId xmlns:a16="http://schemas.microsoft.com/office/drawing/2014/main" id="{FD5F875B-9F3E-4CDC-87A7-29C29980D57B}"/>
+                </a:ext>
+              </a:extLst>
+            </p:cNvPr>
+            <p:cNvSpPr/>
+            <p:nvPr/>
+          </p:nvSpPr>
+          <p:spPr>
+            <a:xfrm>
+              <a:off x="2245972" y="16264401"/>
+              <a:ext cx="365760" cy="365760"/>
+            </a:xfrm>
+            <a:prstGeom prst="ellipse">
+              <a:avLst/>
+            </a:prstGeom>
+            <a:solidFill>
+              <a:srgbClr val="4472C4"/>
+            </a:solidFill>
+            <a:ln>
+              <a:noFill/>
+            </a:ln>
+          </p:spPr>
+          <p:style>
+            <a:lnRef idx="2">
+              <a:schemeClr val="accent1">
+                <a:shade val="50000"/>
+              </a:schemeClr>
+            </a:lnRef>
+            <a:fillRef idx="1">
+              <a:schemeClr val="accent1"/>
+            </a:fillRef>
+            <a:effectRef idx="0">
+              <a:schemeClr val="accent1"/>
+            </a:effectRef>
+            <a:fontRef idx="minor">
+              <a:schemeClr val="lt1"/>
+            </a:fontRef>
+          </p:style>
+          <p:txBody>
+            <a:bodyPr rtlCol="0" anchor="ctr"/>
+            <a:lstStyle/>
+            <a:p>
+              <a:pPr algn="ctr"/>
+              <a:endParaRPr lang="en-US"/>
+            </a:p>
+          </p:txBody>
+        </p:sp>
+        <p:sp>
+          <p:nvSpPr>
+            <p:cNvPr id="116" name="Oval 115">
+              <a:extLst>
+                <a:ext uri="{FF2B5EF4-FFF2-40B4-BE49-F238E27FC236}">
+                  <a16:creationId xmlns:a16="http://schemas.microsoft.com/office/drawing/2014/main" id="{D9588C67-8777-41E3-B539-73D73ADBC266}"/>
+                </a:ext>
+              </a:extLst>
+            </p:cNvPr>
+            <p:cNvSpPr/>
+            <p:nvPr/>
+          </p:nvSpPr>
+          <p:spPr>
+            <a:xfrm>
+              <a:off x="1256216" y="16802473"/>
+              <a:ext cx="365760" cy="365760"/>
+            </a:xfrm>
+            <a:prstGeom prst="ellipse">
+              <a:avLst/>
+            </a:prstGeom>
+            <a:solidFill>
+              <a:schemeClr val="accent2">
+                <a:lumMod val="40000"/>
+                <a:lumOff val="60000"/>
+              </a:schemeClr>
+            </a:solidFill>
+            <a:ln>
+              <a:noFill/>
+            </a:ln>
+          </p:spPr>
+          <p:style>
+            <a:lnRef idx="2">
+              <a:schemeClr val="accent1">
+                <a:shade val="50000"/>
+              </a:schemeClr>
+            </a:lnRef>
+            <a:fillRef idx="1">
+              <a:schemeClr val="accent1"/>
+            </a:fillRef>
+            <a:effectRef idx="0">
+              <a:schemeClr val="accent1"/>
+            </a:effectRef>
+            <a:fontRef idx="minor">
+              <a:schemeClr val="lt1"/>
+            </a:fontRef>
+          </p:style>
+          <p:txBody>
+            <a:bodyPr rtlCol="0" anchor="ctr"/>
+            <a:lstStyle/>
+            <a:p>
+              <a:pPr algn="ctr"/>
+              <a:endParaRPr lang="en-US"/>
+            </a:p>
+          </p:txBody>
+        </p:sp>
+        <p:sp>
+          <p:nvSpPr>
+            <p:cNvPr id="117" name="Oval 116">
+              <a:extLst>
+                <a:ext uri="{FF2B5EF4-FFF2-40B4-BE49-F238E27FC236}">
+                  <a16:creationId xmlns:a16="http://schemas.microsoft.com/office/drawing/2014/main" id="{0921DE10-A589-4931-A651-18EE1DE8BAD4}"/>
+                </a:ext>
+              </a:extLst>
+            </p:cNvPr>
+            <p:cNvSpPr/>
+            <p:nvPr/>
+          </p:nvSpPr>
+          <p:spPr>
+            <a:xfrm>
+              <a:off x="1751094" y="16802473"/>
+              <a:ext cx="365760" cy="365760"/>
+            </a:xfrm>
+            <a:prstGeom prst="ellipse">
+              <a:avLst/>
+            </a:prstGeom>
+            <a:solidFill>
+              <a:schemeClr val="accent2">
+                <a:lumMod val="40000"/>
+                <a:lumOff val="60000"/>
+              </a:schemeClr>
+            </a:solidFill>
+            <a:ln>
+              <a:noFill/>
+            </a:ln>
+          </p:spPr>
+          <p:style>
+            <a:lnRef idx="2">
+              <a:schemeClr val="accent1">
+                <a:shade val="50000"/>
+              </a:schemeClr>
+            </a:lnRef>
+            <a:fillRef idx="1">
+              <a:schemeClr val="accent1"/>
+            </a:fillRef>
+            <a:effectRef idx="0">
+              <a:schemeClr val="accent1"/>
+            </a:effectRef>
+            <a:fontRef idx="minor">
+              <a:schemeClr val="lt1"/>
+            </a:fontRef>
+          </p:style>
+          <p:txBody>
+            <a:bodyPr rtlCol="0" anchor="ctr"/>
+            <a:lstStyle/>
+            <a:p>
+              <a:pPr algn="ctr"/>
+              <a:endParaRPr lang="en-US"/>
+            </a:p>
+          </p:txBody>
+        </p:sp>
+        <p:sp>
+          <p:nvSpPr>
+            <p:cNvPr id="118" name="Oval 117">
+              <a:extLst>
+                <a:ext uri="{FF2B5EF4-FFF2-40B4-BE49-F238E27FC236}">
+                  <a16:creationId xmlns:a16="http://schemas.microsoft.com/office/drawing/2014/main" id="{5E97B91A-CF03-4C48-9558-A7BED210BD0F}"/>
+                </a:ext>
+              </a:extLst>
+            </p:cNvPr>
+            <p:cNvSpPr/>
+            <p:nvPr/>
+          </p:nvSpPr>
+          <p:spPr>
+            <a:xfrm>
+              <a:off x="2245972" y="16802473"/>
+              <a:ext cx="365760" cy="365760"/>
+            </a:xfrm>
+            <a:prstGeom prst="ellipse">
+              <a:avLst/>
+            </a:prstGeom>
+            <a:solidFill>
+              <a:schemeClr val="accent2">
+                <a:lumMod val="40000"/>
+                <a:lumOff val="60000"/>
+              </a:schemeClr>
+            </a:solidFill>
+            <a:ln>
+              <a:noFill/>
+            </a:ln>
+          </p:spPr>
+          <p:style>
+            <a:lnRef idx="2">
+              <a:schemeClr val="accent1">
+                <a:shade val="50000"/>
+              </a:schemeClr>
+            </a:lnRef>
+            <a:fillRef idx="1">
+              <a:schemeClr val="accent1"/>
+            </a:fillRef>
+            <a:effectRef idx="0">
+              <a:schemeClr val="accent1"/>
+            </a:effectRef>
+            <a:fontRef idx="minor">
+              <a:schemeClr val="lt1"/>
+            </a:fontRef>
+          </p:style>
+          <p:txBody>
+            <a:bodyPr rtlCol="0" anchor="ctr"/>
+            <a:lstStyle/>
+            <a:p>
+              <a:pPr algn="ctr"/>
+              <a:endParaRPr lang="en-US"/>
+            </a:p>
+          </p:txBody>
+        </p:sp>
+        <p:sp>
+          <p:nvSpPr>
+            <p:cNvPr id="119" name="Oval 118">
+              <a:extLst>
+                <a:ext uri="{FF2B5EF4-FFF2-40B4-BE49-F238E27FC236}">
+                  <a16:creationId xmlns:a16="http://schemas.microsoft.com/office/drawing/2014/main" id="{2122805D-22FF-4CB9-A2BE-D221A71E9A91}"/>
+                </a:ext>
+              </a:extLst>
+            </p:cNvPr>
+            <p:cNvSpPr/>
+            <p:nvPr/>
+          </p:nvSpPr>
+          <p:spPr>
+            <a:xfrm>
+              <a:off x="3371510" y="15726329"/>
+              <a:ext cx="365760" cy="365760"/>
+            </a:xfrm>
+            <a:prstGeom prst="ellipse">
+              <a:avLst/>
+            </a:prstGeom>
+            <a:solidFill>
+              <a:srgbClr val="4472C4"/>
+            </a:solidFill>
+            <a:ln>
+              <a:noFill/>
+            </a:ln>
+          </p:spPr>
+          <p:style>
+            <a:lnRef idx="2">
+              <a:schemeClr val="accent1">
+                <a:shade val="50000"/>
+              </a:schemeClr>
+            </a:lnRef>
+            <a:fillRef idx="1">
+              <a:schemeClr val="accent1"/>
+            </a:fillRef>
+            <a:effectRef idx="0">
+              <a:schemeClr val="accent1"/>
+            </a:effectRef>
+            <a:fontRef idx="minor">
+              <a:schemeClr val="lt1"/>
+            </a:fontRef>
+          </p:style>
+          <p:txBody>
+            <a:bodyPr rtlCol="0" anchor="ctr"/>
+            <a:lstStyle/>
+            <a:p>
+              <a:pPr algn="ctr"/>
+              <a:endParaRPr lang="en-US"/>
+            </a:p>
+          </p:txBody>
+        </p:sp>
+        <p:sp>
+          <p:nvSpPr>
+            <p:cNvPr id="120" name="Oval 119">
+              <a:extLst>
+                <a:ext uri="{FF2B5EF4-FFF2-40B4-BE49-F238E27FC236}">
+                  <a16:creationId xmlns:a16="http://schemas.microsoft.com/office/drawing/2014/main" id="{AE548B50-48C9-4223-8DB5-A5799F445389}"/>
+                </a:ext>
+              </a:extLst>
+            </p:cNvPr>
+            <p:cNvSpPr/>
+            <p:nvPr/>
+          </p:nvSpPr>
+          <p:spPr>
+            <a:xfrm>
+              <a:off x="4310319" y="15726329"/>
+              <a:ext cx="365760" cy="365760"/>
+            </a:xfrm>
+            <a:prstGeom prst="ellipse">
+              <a:avLst/>
+            </a:prstGeom>
+            <a:solidFill>
+              <a:srgbClr val="4472C4"/>
+            </a:solidFill>
+            <a:ln>
+              <a:noFill/>
+            </a:ln>
+          </p:spPr>
+          <p:style>
+            <a:lnRef idx="2">
+              <a:schemeClr val="accent1">
+                <a:shade val="50000"/>
+              </a:schemeClr>
+            </a:lnRef>
+            <a:fillRef idx="1">
+              <a:schemeClr val="accent1"/>
+            </a:fillRef>
+            <a:effectRef idx="0">
+              <a:schemeClr val="accent1"/>
+            </a:effectRef>
+            <a:fontRef idx="minor">
+              <a:schemeClr val="lt1"/>
+            </a:fontRef>
+          </p:style>
+          <p:txBody>
+            <a:bodyPr rtlCol="0" anchor="ctr"/>
+            <a:lstStyle/>
+            <a:p>
+              <a:pPr algn="ctr"/>
+              <a:endParaRPr lang="en-US"/>
+            </a:p>
+          </p:txBody>
+        </p:sp>
+        <p:sp>
+          <p:nvSpPr>
+            <p:cNvPr id="121" name="Oval 120">
+              <a:extLst>
+                <a:ext uri="{FF2B5EF4-FFF2-40B4-BE49-F238E27FC236}">
+                  <a16:creationId xmlns:a16="http://schemas.microsoft.com/office/drawing/2014/main" id="{7E299323-34F3-4997-9829-8FE869945877}"/>
+                </a:ext>
+              </a:extLst>
+            </p:cNvPr>
+            <p:cNvSpPr/>
+            <p:nvPr/>
+          </p:nvSpPr>
+          <p:spPr>
+            <a:xfrm>
+              <a:off x="5249128" y="15726329"/>
+              <a:ext cx="365760" cy="365760"/>
+            </a:xfrm>
+            <a:prstGeom prst="ellipse">
+              <a:avLst/>
+            </a:prstGeom>
+            <a:solidFill>
+              <a:srgbClr val="4472C4"/>
+            </a:solidFill>
+            <a:ln>
+              <a:noFill/>
+            </a:ln>
+          </p:spPr>
+          <p:style>
+            <a:lnRef idx="2">
+              <a:schemeClr val="accent1">
+                <a:shade val="50000"/>
+              </a:schemeClr>
+            </a:lnRef>
+            <a:fillRef idx="1">
+              <a:schemeClr val="accent1"/>
+            </a:fillRef>
+            <a:effectRef idx="0">
+              <a:schemeClr val="accent1"/>
+            </a:effectRef>
+            <a:fontRef idx="minor">
+              <a:schemeClr val="lt1"/>
+            </a:fontRef>
+          </p:style>
+          <p:txBody>
+            <a:bodyPr rtlCol="0" anchor="ctr"/>
+            <a:lstStyle/>
+            <a:p>
+              <a:pPr algn="ctr"/>
+              <a:endParaRPr lang="en-US"/>
+            </a:p>
+          </p:txBody>
+        </p:sp>
+        <p:sp>
+          <p:nvSpPr>
+            <p:cNvPr id="122" name="Oval 121">
+              <a:extLst>
+                <a:ext uri="{FF2B5EF4-FFF2-40B4-BE49-F238E27FC236}">
+                  <a16:creationId xmlns:a16="http://schemas.microsoft.com/office/drawing/2014/main" id="{CBF70DA1-6D08-44E7-AD38-27039BD178D7}"/>
+                </a:ext>
+              </a:extLst>
+            </p:cNvPr>
+            <p:cNvSpPr/>
+            <p:nvPr/>
+          </p:nvSpPr>
+          <p:spPr>
+            <a:xfrm>
+              <a:off x="3371510" y="16264401"/>
+              <a:ext cx="365760" cy="365760"/>
+            </a:xfrm>
+            <a:prstGeom prst="ellipse">
+              <a:avLst/>
+            </a:prstGeom>
+            <a:solidFill>
+              <a:srgbClr val="4472C4"/>
+            </a:solidFill>
+            <a:ln>
+              <a:noFill/>
+            </a:ln>
+          </p:spPr>
+          <p:style>
+            <a:lnRef idx="2">
+              <a:schemeClr val="accent1">
+                <a:shade val="50000"/>
+              </a:schemeClr>
+            </a:lnRef>
+            <a:fillRef idx="1">
+              <a:schemeClr val="accent1"/>
+            </a:fillRef>
+            <a:effectRef idx="0">
+              <a:schemeClr val="accent1"/>
+            </a:effectRef>
+            <a:fontRef idx="minor">
+              <a:schemeClr val="lt1"/>
+            </a:fontRef>
+          </p:style>
+          <p:txBody>
+            <a:bodyPr rtlCol="0" anchor="ctr"/>
+            <a:lstStyle/>
+            <a:p>
+              <a:pPr algn="ctr"/>
+              <a:endParaRPr lang="en-US"/>
+            </a:p>
+          </p:txBody>
+        </p:sp>
+        <p:sp>
+          <p:nvSpPr>
+            <p:cNvPr id="123" name="Oval 122">
+              <a:extLst>
+                <a:ext uri="{FF2B5EF4-FFF2-40B4-BE49-F238E27FC236}">
+                  <a16:creationId xmlns:a16="http://schemas.microsoft.com/office/drawing/2014/main" id="{4C597CC9-DADC-4D3F-88F3-3BE3510EDE73}"/>
+                </a:ext>
+              </a:extLst>
+            </p:cNvPr>
+            <p:cNvSpPr/>
+            <p:nvPr/>
+          </p:nvSpPr>
+          <p:spPr>
+            <a:xfrm>
+              <a:off x="4310319" y="16264401"/>
+              <a:ext cx="365760" cy="365760"/>
+            </a:xfrm>
+            <a:prstGeom prst="ellipse">
+              <a:avLst/>
+            </a:prstGeom>
+            <a:solidFill>
+              <a:srgbClr val="4472C4"/>
+            </a:solidFill>
+            <a:ln>
+              <a:noFill/>
+            </a:ln>
+          </p:spPr>
+          <p:style>
+            <a:lnRef idx="2">
+              <a:schemeClr val="accent1">
+                <a:shade val="50000"/>
+              </a:schemeClr>
+            </a:lnRef>
+            <a:fillRef idx="1">
+              <a:schemeClr val="accent1"/>
+            </a:fillRef>
+            <a:effectRef idx="0">
+              <a:schemeClr val="accent1"/>
+            </a:effectRef>
+            <a:fontRef idx="minor">
+              <a:schemeClr val="lt1"/>
+            </a:fontRef>
+          </p:style>
+          <p:txBody>
+            <a:bodyPr rtlCol="0" anchor="ctr"/>
+            <a:lstStyle/>
+            <a:p>
+              <a:pPr algn="ctr"/>
+              <a:endParaRPr lang="en-US"/>
+            </a:p>
+          </p:txBody>
+        </p:sp>
+        <p:sp>
+          <p:nvSpPr>
+            <p:cNvPr id="124" name="Oval 123">
+              <a:extLst>
+                <a:ext uri="{FF2B5EF4-FFF2-40B4-BE49-F238E27FC236}">
+                  <a16:creationId xmlns:a16="http://schemas.microsoft.com/office/drawing/2014/main" id="{2174C7A2-6126-4DAB-B135-AF51B046ACF4}"/>
+                </a:ext>
+              </a:extLst>
+            </p:cNvPr>
+            <p:cNvSpPr/>
+            <p:nvPr/>
+          </p:nvSpPr>
+          <p:spPr>
+            <a:xfrm>
+              <a:off x="5249128" y="16264401"/>
+              <a:ext cx="365760" cy="365760"/>
+            </a:xfrm>
+            <a:prstGeom prst="ellipse">
+              <a:avLst/>
+            </a:prstGeom>
+            <a:solidFill>
+              <a:srgbClr val="4472C4"/>
+            </a:solidFill>
+            <a:ln>
+              <a:noFill/>
+            </a:ln>
+          </p:spPr>
+          <p:style>
+            <a:lnRef idx="2">
+              <a:schemeClr val="accent1">
+                <a:shade val="50000"/>
+              </a:schemeClr>
+            </a:lnRef>
+            <a:fillRef idx="1">
+              <a:schemeClr val="accent1"/>
+            </a:fillRef>
+            <a:effectRef idx="0">
+              <a:schemeClr val="accent1"/>
+            </a:effectRef>
+            <a:fontRef idx="minor">
+              <a:schemeClr val="lt1"/>
+            </a:fontRef>
+          </p:style>
+          <p:txBody>
+            <a:bodyPr rtlCol="0" anchor="ctr"/>
+            <a:lstStyle/>
+            <a:p>
+              <a:pPr algn="ctr"/>
+              <a:endParaRPr lang="en-US"/>
+            </a:p>
+          </p:txBody>
+        </p:sp>
+        <p:sp>
+          <p:nvSpPr>
+            <p:cNvPr id="125" name="Oval 124">
+              <a:extLst>
+                <a:ext uri="{FF2B5EF4-FFF2-40B4-BE49-F238E27FC236}">
+                  <a16:creationId xmlns:a16="http://schemas.microsoft.com/office/drawing/2014/main" id="{F16AC2EE-9CAC-4676-ADB0-D222C604B50B}"/>
+                </a:ext>
+              </a:extLst>
+            </p:cNvPr>
+            <p:cNvSpPr/>
+            <p:nvPr/>
+          </p:nvSpPr>
+          <p:spPr>
+            <a:xfrm>
+              <a:off x="3371510" y="16802473"/>
+              <a:ext cx="365760" cy="365760"/>
+            </a:xfrm>
+            <a:prstGeom prst="ellipse">
+              <a:avLst/>
+            </a:prstGeom>
+            <a:solidFill>
+              <a:srgbClr val="4472C4"/>
+            </a:solidFill>
+            <a:ln>
+              <a:noFill/>
+            </a:ln>
+          </p:spPr>
+          <p:style>
+            <a:lnRef idx="2">
+              <a:schemeClr val="accent1">
+                <a:shade val="50000"/>
+              </a:schemeClr>
+            </a:lnRef>
+            <a:fillRef idx="1">
+              <a:schemeClr val="accent1"/>
+            </a:fillRef>
+            <a:effectRef idx="0">
+              <a:schemeClr val="accent1"/>
+            </a:effectRef>
+            <a:fontRef idx="minor">
+              <a:schemeClr val="lt1"/>
+            </a:fontRef>
+          </p:style>
+          <p:txBody>
+            <a:bodyPr rtlCol="0" anchor="ctr"/>
+            <a:lstStyle/>
+            <a:p>
+              <a:pPr algn="ctr"/>
+              <a:endParaRPr lang="en-US"/>
+            </a:p>
+          </p:txBody>
+        </p:sp>
+        <p:sp>
+          <p:nvSpPr>
+            <p:cNvPr id="126" name="Oval 125">
+              <a:extLst>
+                <a:ext uri="{FF2B5EF4-FFF2-40B4-BE49-F238E27FC236}">
+                  <a16:creationId xmlns:a16="http://schemas.microsoft.com/office/drawing/2014/main" id="{67AE4602-0E59-43C6-8B14-D5DA50BFDA45}"/>
+                </a:ext>
+              </a:extLst>
+            </p:cNvPr>
+            <p:cNvSpPr/>
+            <p:nvPr/>
+          </p:nvSpPr>
+          <p:spPr>
+            <a:xfrm>
+              <a:off x="4310319" y="16802473"/>
+              <a:ext cx="365760" cy="365760"/>
+            </a:xfrm>
+            <a:prstGeom prst="ellipse">
+              <a:avLst/>
+            </a:prstGeom>
+            <a:solidFill>
+              <a:srgbClr val="4472C4"/>
+            </a:solidFill>
+            <a:ln>
+              <a:noFill/>
+            </a:ln>
+          </p:spPr>
+          <p:style>
+            <a:lnRef idx="2">
+              <a:schemeClr val="accent1">
+                <a:shade val="50000"/>
+              </a:schemeClr>
+            </a:lnRef>
+            <a:fillRef idx="1">
+              <a:schemeClr val="accent1"/>
+            </a:fillRef>
+            <a:effectRef idx="0">
+              <a:schemeClr val="accent1"/>
+            </a:effectRef>
+            <a:fontRef idx="minor">
+              <a:schemeClr val="lt1"/>
+            </a:fontRef>
+          </p:style>
+          <p:txBody>
+            <a:bodyPr rtlCol="0" anchor="ctr"/>
+            <a:lstStyle/>
+            <a:p>
+              <a:pPr algn="ctr"/>
+              <a:endParaRPr lang="en-US"/>
+            </a:p>
+          </p:txBody>
+        </p:sp>
+        <p:sp>
+          <p:nvSpPr>
+            <p:cNvPr id="127" name="Oval 126">
+              <a:extLst>
+                <a:ext uri="{FF2B5EF4-FFF2-40B4-BE49-F238E27FC236}">
+                  <a16:creationId xmlns:a16="http://schemas.microsoft.com/office/drawing/2014/main" id="{413F38B4-B84A-40D2-A133-B1E7542DE38D}"/>
+                </a:ext>
+              </a:extLst>
+            </p:cNvPr>
+            <p:cNvSpPr/>
+            <p:nvPr/>
+          </p:nvSpPr>
+          <p:spPr>
+            <a:xfrm>
+              <a:off x="5249128" y="16802473"/>
+              <a:ext cx="365760" cy="365760"/>
+            </a:xfrm>
+            <a:prstGeom prst="ellipse">
+              <a:avLst/>
+            </a:prstGeom>
+            <a:solidFill>
+              <a:srgbClr val="4472C4"/>
+            </a:solidFill>
+            <a:ln>
+              <a:noFill/>
+            </a:ln>
+          </p:spPr>
+          <p:style>
+            <a:lnRef idx="2">
+              <a:schemeClr val="accent1">
+                <a:shade val="50000"/>
+              </a:schemeClr>
+            </a:lnRef>
+            <a:fillRef idx="1">
+              <a:schemeClr val="accent1"/>
+            </a:fillRef>
+            <a:effectRef idx="0">
+              <a:schemeClr val="accent1"/>
+            </a:effectRef>
+            <a:fontRef idx="minor">
+              <a:schemeClr val="lt1"/>
+            </a:fontRef>
+          </p:style>
+          <p:txBody>
+            <a:bodyPr rtlCol="0" anchor="ctr"/>
+            <a:lstStyle/>
+            <a:p>
+              <a:pPr algn="ctr"/>
+              <a:endParaRPr lang="en-US"/>
+            </a:p>
+          </p:txBody>
+        </p:sp>
+        <p:sp>
+          <p:nvSpPr>
+            <p:cNvPr id="128" name="Oval 127">
+              <a:extLst>
+                <a:ext uri="{FF2B5EF4-FFF2-40B4-BE49-F238E27FC236}">
+                  <a16:creationId xmlns:a16="http://schemas.microsoft.com/office/drawing/2014/main" id="{3AF9B64C-E9BF-4FDA-A79F-B05F44C6096A}"/>
+                </a:ext>
+              </a:extLst>
+            </p:cNvPr>
+            <p:cNvSpPr/>
+            <p:nvPr/>
+          </p:nvSpPr>
+          <p:spPr>
+            <a:xfrm>
+              <a:off x="6534847" y="15726329"/>
+              <a:ext cx="365760" cy="365760"/>
+            </a:xfrm>
+            <a:prstGeom prst="ellipse">
+              <a:avLst/>
+            </a:prstGeom>
+            <a:solidFill>
+              <a:srgbClr val="4472C4"/>
+            </a:solidFill>
+            <a:ln>
+              <a:noFill/>
+            </a:ln>
+          </p:spPr>
+          <p:style>
+            <a:lnRef idx="2">
+              <a:schemeClr val="accent1">
+                <a:shade val="50000"/>
+              </a:schemeClr>
+            </a:lnRef>
+            <a:fillRef idx="1">
+              <a:schemeClr val="accent1"/>
+            </a:fillRef>
+            <a:effectRef idx="0">
+              <a:schemeClr val="accent1"/>
+            </a:effectRef>
+            <a:fontRef idx="minor">
+              <a:schemeClr val="lt1"/>
+            </a:fontRef>
+          </p:style>
+          <p:txBody>
+            <a:bodyPr rtlCol="0" anchor="ctr"/>
+            <a:lstStyle/>
+            <a:p>
+              <a:pPr algn="ctr"/>
+              <a:endParaRPr lang="en-US"/>
+            </a:p>
+          </p:txBody>
+        </p:sp>
+        <p:sp>
+          <p:nvSpPr>
+            <p:cNvPr id="129" name="Oval 128">
+              <a:extLst>
+                <a:ext uri="{FF2B5EF4-FFF2-40B4-BE49-F238E27FC236}">
+                  <a16:creationId xmlns:a16="http://schemas.microsoft.com/office/drawing/2014/main" id="{F53B3FFC-05DA-4F31-9FA5-2197B1CF52FC}"/>
+                </a:ext>
+              </a:extLst>
+            </p:cNvPr>
+            <p:cNvSpPr/>
+            <p:nvPr/>
+          </p:nvSpPr>
+          <p:spPr>
+            <a:xfrm>
+              <a:off x="7029725" y="15726329"/>
+              <a:ext cx="365760" cy="365760"/>
+            </a:xfrm>
+            <a:prstGeom prst="ellipse">
+              <a:avLst/>
+            </a:prstGeom>
+            <a:solidFill>
+              <a:srgbClr val="4472C4"/>
+            </a:solidFill>
+            <a:ln>
+              <a:noFill/>
+            </a:ln>
+          </p:spPr>
+          <p:style>
+            <a:lnRef idx="2">
+              <a:schemeClr val="accent1">
+                <a:shade val="50000"/>
+              </a:schemeClr>
+            </a:lnRef>
+            <a:fillRef idx="1">
+              <a:schemeClr val="accent1"/>
+            </a:fillRef>
+            <a:effectRef idx="0">
+              <a:schemeClr val="accent1"/>
+            </a:effectRef>
+            <a:fontRef idx="minor">
+              <a:schemeClr val="lt1"/>
+            </a:fontRef>
+          </p:style>
+          <p:txBody>
+            <a:bodyPr rtlCol="0" anchor="ctr"/>
+            <a:lstStyle/>
+            <a:p>
+              <a:pPr algn="ctr"/>
+              <a:endParaRPr lang="en-US"/>
+            </a:p>
+          </p:txBody>
+        </p:sp>
+        <p:sp>
+          <p:nvSpPr>
+            <p:cNvPr id="130" name="Oval 129">
+              <a:extLst>
+                <a:ext uri="{FF2B5EF4-FFF2-40B4-BE49-F238E27FC236}">
+                  <a16:creationId xmlns:a16="http://schemas.microsoft.com/office/drawing/2014/main" id="{28827393-5663-4809-89C2-7F3449AE8BC6}"/>
+                </a:ext>
+              </a:extLst>
+            </p:cNvPr>
+            <p:cNvSpPr/>
+            <p:nvPr/>
+          </p:nvSpPr>
+          <p:spPr>
+            <a:xfrm>
+              <a:off x="7524603" y="15726329"/>
+              <a:ext cx="365760" cy="365760"/>
+            </a:xfrm>
+            <a:prstGeom prst="ellipse">
+              <a:avLst/>
+            </a:prstGeom>
+            <a:solidFill>
+              <a:srgbClr val="4472C4"/>
+            </a:solidFill>
+            <a:ln>
+              <a:noFill/>
+            </a:ln>
+          </p:spPr>
+          <p:style>
+            <a:lnRef idx="2">
+              <a:schemeClr val="accent1">
+                <a:shade val="50000"/>
+              </a:schemeClr>
+            </a:lnRef>
+            <a:fillRef idx="1">
+              <a:schemeClr val="accent1"/>
+            </a:fillRef>
+            <a:effectRef idx="0">
+              <a:schemeClr val="accent1"/>
+            </a:effectRef>
+            <a:fontRef idx="minor">
+              <a:schemeClr val="lt1"/>
+            </a:fontRef>
+          </p:style>
+          <p:txBody>
+            <a:bodyPr rtlCol="0" anchor="ctr"/>
+            <a:lstStyle/>
+            <a:p>
+              <a:pPr algn="ctr"/>
+              <a:endParaRPr lang="en-US"/>
+            </a:p>
+          </p:txBody>
+        </p:sp>
+        <p:sp>
+          <p:nvSpPr>
+            <p:cNvPr id="131" name="Oval 130">
+              <a:extLst>
+                <a:ext uri="{FF2B5EF4-FFF2-40B4-BE49-F238E27FC236}">
+                  <a16:creationId xmlns:a16="http://schemas.microsoft.com/office/drawing/2014/main" id="{32A50CFB-576F-4E12-A705-84EDB6C0F36D}"/>
+                </a:ext>
+              </a:extLst>
+            </p:cNvPr>
+            <p:cNvSpPr/>
+            <p:nvPr/>
+          </p:nvSpPr>
+          <p:spPr>
+            <a:xfrm>
+              <a:off x="6534847" y="16264401"/>
+              <a:ext cx="365760" cy="365760"/>
+            </a:xfrm>
+            <a:prstGeom prst="ellipse">
+              <a:avLst/>
+            </a:prstGeom>
+            <a:solidFill>
+              <a:srgbClr val="4472C4"/>
+            </a:solidFill>
+            <a:ln>
+              <a:noFill/>
+            </a:ln>
+          </p:spPr>
+          <p:style>
+            <a:lnRef idx="2">
+              <a:schemeClr val="accent1">
+                <a:shade val="50000"/>
+              </a:schemeClr>
+            </a:lnRef>
+            <a:fillRef idx="1">
+              <a:schemeClr val="accent1"/>
+            </a:fillRef>
+            <a:effectRef idx="0">
+              <a:schemeClr val="accent1"/>
+            </a:effectRef>
+            <a:fontRef idx="minor">
+              <a:schemeClr val="lt1"/>
+            </a:fontRef>
+          </p:style>
+          <p:txBody>
+            <a:bodyPr rtlCol="0" anchor="ctr"/>
+            <a:lstStyle/>
+            <a:p>
+              <a:pPr algn="ctr"/>
+              <a:endParaRPr lang="en-US"/>
+            </a:p>
+          </p:txBody>
+        </p:sp>
+        <p:sp>
+          <p:nvSpPr>
+            <p:cNvPr id="132" name="Oval 131">
+              <a:extLst>
+                <a:ext uri="{FF2B5EF4-FFF2-40B4-BE49-F238E27FC236}">
+                  <a16:creationId xmlns:a16="http://schemas.microsoft.com/office/drawing/2014/main" id="{29CC9A76-FA6A-4A1A-812E-5FB6D4386E63}"/>
+                </a:ext>
+              </a:extLst>
+            </p:cNvPr>
+            <p:cNvSpPr/>
+            <p:nvPr/>
+          </p:nvSpPr>
+          <p:spPr>
+            <a:xfrm>
+              <a:off x="7029725" y="16264401"/>
+              <a:ext cx="365760" cy="365760"/>
+            </a:xfrm>
+            <a:prstGeom prst="ellipse">
+              <a:avLst/>
+            </a:prstGeom>
+            <a:solidFill>
+              <a:srgbClr val="4472C4"/>
+            </a:solidFill>
+            <a:ln>
+              <a:noFill/>
+            </a:ln>
+          </p:spPr>
+          <p:style>
+            <a:lnRef idx="2">
+              <a:schemeClr val="accent1">
+                <a:shade val="50000"/>
+              </a:schemeClr>
+            </a:lnRef>
+            <a:fillRef idx="1">
+              <a:schemeClr val="accent1"/>
+            </a:fillRef>
+            <a:effectRef idx="0">
+              <a:schemeClr val="accent1"/>
+            </a:effectRef>
+            <a:fontRef idx="minor">
+              <a:schemeClr val="lt1"/>
+            </a:fontRef>
+          </p:style>
+          <p:txBody>
+            <a:bodyPr rtlCol="0" anchor="ctr"/>
+            <a:lstStyle/>
+            <a:p>
+              <a:pPr algn="ctr"/>
+              <a:endParaRPr lang="en-US"/>
+            </a:p>
+          </p:txBody>
+        </p:sp>
+        <p:sp>
+          <p:nvSpPr>
+            <p:cNvPr id="133" name="Oval 132">
+              <a:extLst>
+                <a:ext uri="{FF2B5EF4-FFF2-40B4-BE49-F238E27FC236}">
+                  <a16:creationId xmlns:a16="http://schemas.microsoft.com/office/drawing/2014/main" id="{FB8FABCB-3A3E-4EC3-8A7B-1D4C8045B09E}"/>
+                </a:ext>
+              </a:extLst>
+            </p:cNvPr>
+            <p:cNvSpPr/>
+            <p:nvPr/>
+          </p:nvSpPr>
+          <p:spPr>
+            <a:xfrm>
+              <a:off x="7524603" y="16264401"/>
+              <a:ext cx="365760" cy="365760"/>
+            </a:xfrm>
+            <a:prstGeom prst="ellipse">
+              <a:avLst/>
+            </a:prstGeom>
+            <a:solidFill>
+              <a:srgbClr val="4472C4"/>
+            </a:solidFill>
+            <a:ln>
+              <a:noFill/>
+            </a:ln>
+          </p:spPr>
+          <p:style>
+            <a:lnRef idx="2">
+              <a:schemeClr val="accent1">
+                <a:shade val="50000"/>
+              </a:schemeClr>
+            </a:lnRef>
+            <a:fillRef idx="1">
+              <a:schemeClr val="accent1"/>
+            </a:fillRef>
+            <a:effectRef idx="0">
+              <a:schemeClr val="accent1"/>
+            </a:effectRef>
+            <a:fontRef idx="minor">
+              <a:schemeClr val="lt1"/>
+            </a:fontRef>
+          </p:style>
+          <p:txBody>
+            <a:bodyPr rtlCol="0" anchor="ctr"/>
+            <a:lstStyle/>
+            <a:p>
+              <a:pPr algn="ctr"/>
+              <a:endParaRPr lang="en-US"/>
+            </a:p>
+          </p:txBody>
+        </p:sp>
+        <p:sp>
+          <p:nvSpPr>
+            <p:cNvPr id="134" name="Oval 133">
+              <a:extLst>
+                <a:ext uri="{FF2B5EF4-FFF2-40B4-BE49-F238E27FC236}">
+                  <a16:creationId xmlns:a16="http://schemas.microsoft.com/office/drawing/2014/main" id="{90C9BD4E-85D6-4857-B7CD-1BF32020737C}"/>
+                </a:ext>
+              </a:extLst>
+            </p:cNvPr>
+            <p:cNvSpPr/>
+            <p:nvPr/>
+          </p:nvSpPr>
+          <p:spPr>
+            <a:xfrm>
+              <a:off x="6534847" y="16802473"/>
+              <a:ext cx="365760" cy="365760"/>
+            </a:xfrm>
+            <a:prstGeom prst="ellipse">
+              <a:avLst/>
+            </a:prstGeom>
+            <a:solidFill>
+              <a:srgbClr val="4472C4"/>
+            </a:solidFill>
+            <a:ln>
+              <a:noFill/>
+            </a:ln>
+          </p:spPr>
+          <p:style>
+            <a:lnRef idx="2">
+              <a:schemeClr val="accent1">
+                <a:shade val="50000"/>
+              </a:schemeClr>
+            </a:lnRef>
+            <a:fillRef idx="1">
+              <a:schemeClr val="accent1"/>
+            </a:fillRef>
+            <a:effectRef idx="0">
+              <a:schemeClr val="accent1"/>
+            </a:effectRef>
+            <a:fontRef idx="minor">
+              <a:schemeClr val="lt1"/>
+            </a:fontRef>
+          </p:style>
+          <p:txBody>
+            <a:bodyPr rtlCol="0" anchor="ctr"/>
+            <a:lstStyle/>
+            <a:p>
+              <a:pPr algn="ctr"/>
+              <a:endParaRPr lang="en-US"/>
+            </a:p>
+          </p:txBody>
+        </p:sp>
+        <p:sp>
+          <p:nvSpPr>
+            <p:cNvPr id="135" name="Oval 134">
+              <a:extLst>
+                <a:ext uri="{FF2B5EF4-FFF2-40B4-BE49-F238E27FC236}">
+                  <a16:creationId xmlns:a16="http://schemas.microsoft.com/office/drawing/2014/main" id="{6FC22DF2-9221-40B4-9430-FCFB7ABBDBD9}"/>
+                </a:ext>
+              </a:extLst>
+            </p:cNvPr>
+            <p:cNvSpPr/>
+            <p:nvPr/>
+          </p:nvSpPr>
+          <p:spPr>
+            <a:xfrm>
+              <a:off x="7029725" y="16802473"/>
+              <a:ext cx="365760" cy="365760"/>
+            </a:xfrm>
+            <a:prstGeom prst="ellipse">
+              <a:avLst/>
+            </a:prstGeom>
+            <a:solidFill>
+              <a:srgbClr val="4472C4"/>
+            </a:solidFill>
+            <a:ln>
+              <a:noFill/>
+            </a:ln>
+          </p:spPr>
+          <p:style>
+            <a:lnRef idx="2">
+              <a:schemeClr val="accent1">
+                <a:shade val="50000"/>
+              </a:schemeClr>
+            </a:lnRef>
+            <a:fillRef idx="1">
+              <a:schemeClr val="accent1"/>
+            </a:fillRef>
+            <a:effectRef idx="0">
+              <a:schemeClr val="accent1"/>
+            </a:effectRef>
+            <a:fontRef idx="minor">
+              <a:schemeClr val="lt1"/>
+            </a:fontRef>
+          </p:style>
+          <p:txBody>
+            <a:bodyPr rtlCol="0" anchor="ctr"/>
+            <a:lstStyle/>
+            <a:p>
+              <a:pPr algn="ctr"/>
+              <a:endParaRPr lang="en-US"/>
+            </a:p>
+          </p:txBody>
+        </p:sp>
+        <p:sp>
+          <p:nvSpPr>
+            <p:cNvPr id="136" name="Oval 135">
+              <a:extLst>
+                <a:ext uri="{FF2B5EF4-FFF2-40B4-BE49-F238E27FC236}">
+                  <a16:creationId xmlns:a16="http://schemas.microsoft.com/office/drawing/2014/main" id="{3807C08C-162C-455E-9A4C-E5830E8BDB5D}"/>
+                </a:ext>
+              </a:extLst>
+            </p:cNvPr>
+            <p:cNvSpPr/>
+            <p:nvPr/>
+          </p:nvSpPr>
+          <p:spPr>
+            <a:xfrm>
+              <a:off x="7524603" y="16802473"/>
+              <a:ext cx="365760" cy="365760"/>
+            </a:xfrm>
+            <a:prstGeom prst="ellipse">
+              <a:avLst/>
+            </a:prstGeom>
+            <a:solidFill>
+              <a:srgbClr val="4472C4"/>
+            </a:solidFill>
+            <a:ln>
+              <a:noFill/>
+            </a:ln>
+          </p:spPr>
+          <p:style>
+            <a:lnRef idx="2">
+              <a:schemeClr val="accent1">
+                <a:shade val="50000"/>
+              </a:schemeClr>
+            </a:lnRef>
+            <a:fillRef idx="1">
+              <a:schemeClr val="accent1"/>
+            </a:fillRef>
+            <a:effectRef idx="0">
+              <a:schemeClr val="accent1"/>
+            </a:effectRef>
+            <a:fontRef idx="minor">
+              <a:schemeClr val="lt1"/>
+            </a:fontRef>
+          </p:style>
+          <p:txBody>
+            <a:bodyPr rtlCol="0" anchor="ctr"/>
+            <a:lstStyle/>
+            <a:p>
+              <a:pPr algn="ctr"/>
+              <a:endParaRPr lang="en-US"/>
+            </a:p>
+          </p:txBody>
+        </p:sp>
+        <p:cxnSp>
+          <p:nvCxnSpPr>
+            <p:cNvPr id="137" name="Straight Connector 136">
+              <a:extLst>
+                <a:ext uri="{FF2B5EF4-FFF2-40B4-BE49-F238E27FC236}">
+                  <a16:creationId xmlns:a16="http://schemas.microsoft.com/office/drawing/2014/main" id="{83645AA0-8E2B-4EF5-A7AC-990416EA7A52}"/>
+                </a:ext>
+              </a:extLst>
+            </p:cNvPr>
+            <p:cNvCxnSpPr>
+              <a:cxnSpLocks/>
+            </p:cNvCxnSpPr>
+            <p:nvPr/>
+          </p:nvCxnSpPr>
+          <p:spPr>
+            <a:xfrm>
+              <a:off x="6612524" y="15888351"/>
+              <a:ext cx="1094959" cy="10904"/>
+            </a:xfrm>
+            <a:prstGeom prst="line">
+              <a:avLst/>
+            </a:prstGeom>
+            <a:ln w="38100"/>
+          </p:spPr>
+          <p:style>
+            <a:lnRef idx="1">
+              <a:schemeClr val="accent1"/>
+            </a:lnRef>
+            <a:fillRef idx="0">
+              <a:schemeClr val="accent1"/>
+            </a:fillRef>
+            <a:effectRef idx="0">
+              <a:schemeClr val="accent1"/>
+            </a:effectRef>
+            <a:fontRef idx="minor">
+              <a:schemeClr val="tx1"/>
+            </a:fontRef>
+          </p:style>
+        </p:cxnSp>
+        <p:cxnSp>
+          <p:nvCxnSpPr>
+            <p:cNvPr id="138" name="Straight Connector 137">
+              <a:extLst>
+                <a:ext uri="{FF2B5EF4-FFF2-40B4-BE49-F238E27FC236}">
+                  <a16:creationId xmlns:a16="http://schemas.microsoft.com/office/drawing/2014/main" id="{CA51C038-7D6B-48E5-977D-B4F13B38548F}"/>
+                </a:ext>
+              </a:extLst>
+            </p:cNvPr>
+            <p:cNvCxnSpPr>
+              <a:cxnSpLocks/>
+            </p:cNvCxnSpPr>
+            <p:nvPr/>
+          </p:nvCxnSpPr>
+          <p:spPr>
+            <a:xfrm>
+              <a:off x="6596483" y="16448230"/>
+              <a:ext cx="1076575" cy="0"/>
+            </a:xfrm>
+            <a:prstGeom prst="line">
+              <a:avLst/>
+            </a:prstGeom>
+            <a:ln w="38100"/>
+          </p:spPr>
+          <p:style>
+            <a:lnRef idx="1">
+              <a:schemeClr val="accent1"/>
+            </a:lnRef>
+            <a:fillRef idx="0">
+              <a:schemeClr val="accent1"/>
+            </a:fillRef>
+            <a:effectRef idx="0">
+              <a:schemeClr val="accent1"/>
+            </a:effectRef>
+            <a:fontRef idx="minor">
+              <a:schemeClr val="tx1"/>
+            </a:fontRef>
+          </p:style>
+        </p:cxnSp>
+        <p:cxnSp>
+          <p:nvCxnSpPr>
+            <p:cNvPr id="139" name="Straight Connector 138">
+              <a:extLst>
+                <a:ext uri="{FF2B5EF4-FFF2-40B4-BE49-F238E27FC236}">
+                  <a16:creationId xmlns:a16="http://schemas.microsoft.com/office/drawing/2014/main" id="{D8E0DFA2-368D-4C95-9605-B2180668E822}"/>
+                </a:ext>
+              </a:extLst>
+            </p:cNvPr>
+            <p:cNvCxnSpPr>
+              <a:cxnSpLocks/>
+            </p:cNvCxnSpPr>
+            <p:nvPr/>
+          </p:nvCxnSpPr>
+          <p:spPr>
+            <a:xfrm>
+              <a:off x="6689260" y="16997206"/>
+              <a:ext cx="1004503" cy="0"/>
+            </a:xfrm>
+            <a:prstGeom prst="line">
+              <a:avLst/>
+            </a:prstGeom>
+            <a:ln w="38100"/>
+          </p:spPr>
+          <p:style>
+            <a:lnRef idx="1">
+              <a:schemeClr val="accent1"/>
+            </a:lnRef>
+            <a:fillRef idx="0">
+              <a:schemeClr val="accent1"/>
+            </a:fillRef>
+            <a:effectRef idx="0">
+              <a:schemeClr val="accent1"/>
+            </a:effectRef>
+            <a:fontRef idx="minor">
+              <a:schemeClr val="tx1"/>
+            </a:fontRef>
+          </p:style>
+        </p:cxnSp>
+        <p:sp>
+          <p:nvSpPr>
+            <p:cNvPr id="147" name="Oval 146">
+              <a:extLst>
+                <a:ext uri="{FF2B5EF4-FFF2-40B4-BE49-F238E27FC236}">
+                  <a16:creationId xmlns:a16="http://schemas.microsoft.com/office/drawing/2014/main" id="{27209F24-40AA-4738-B136-46E8E620D9F6}"/>
+                </a:ext>
+              </a:extLst>
+            </p:cNvPr>
+            <p:cNvSpPr/>
+            <p:nvPr/>
+          </p:nvSpPr>
+          <p:spPr>
+            <a:xfrm>
+              <a:off x="8837985" y="15726329"/>
+              <a:ext cx="365760" cy="365760"/>
+            </a:xfrm>
+            <a:prstGeom prst="ellipse">
+              <a:avLst/>
+            </a:prstGeom>
+            <a:solidFill>
+              <a:srgbClr val="4472C4"/>
+            </a:solidFill>
+            <a:ln>
+              <a:noFill/>
+            </a:ln>
+          </p:spPr>
+          <p:style>
+            <a:lnRef idx="2">
+              <a:schemeClr val="accent1">
+                <a:shade val="50000"/>
+              </a:schemeClr>
+            </a:lnRef>
+            <a:fillRef idx="1">
+              <a:schemeClr val="accent1"/>
+            </a:fillRef>
+            <a:effectRef idx="0">
+              <a:schemeClr val="accent1"/>
+            </a:effectRef>
+            <a:fontRef idx="minor">
+              <a:schemeClr val="lt1"/>
+            </a:fontRef>
+          </p:style>
+          <p:txBody>
+            <a:bodyPr rtlCol="0" anchor="ctr"/>
+            <a:lstStyle/>
+            <a:p>
+              <a:pPr algn="ctr"/>
+              <a:endParaRPr lang="en-US"/>
+            </a:p>
+          </p:txBody>
+        </p:sp>
+        <p:sp>
+          <p:nvSpPr>
+            <p:cNvPr id="148" name="Oval 147">
+              <a:extLst>
+                <a:ext uri="{FF2B5EF4-FFF2-40B4-BE49-F238E27FC236}">
+                  <a16:creationId xmlns:a16="http://schemas.microsoft.com/office/drawing/2014/main" id="{738527D5-4BD0-4710-B8EE-12AE0A6F467D}"/>
+                </a:ext>
+              </a:extLst>
+            </p:cNvPr>
+            <p:cNvSpPr/>
+            <p:nvPr/>
+          </p:nvSpPr>
+          <p:spPr>
+            <a:xfrm>
+              <a:off x="9332863" y="15726329"/>
+              <a:ext cx="365760" cy="365760"/>
+            </a:xfrm>
+            <a:prstGeom prst="ellipse">
+              <a:avLst/>
+            </a:prstGeom>
+            <a:solidFill>
+              <a:srgbClr val="4472C4"/>
+            </a:solidFill>
+            <a:ln>
+              <a:noFill/>
+            </a:ln>
+          </p:spPr>
+          <p:style>
+            <a:lnRef idx="2">
+              <a:schemeClr val="accent1">
+                <a:shade val="50000"/>
+              </a:schemeClr>
+            </a:lnRef>
+            <a:fillRef idx="1">
+              <a:schemeClr val="accent1"/>
+            </a:fillRef>
+            <a:effectRef idx="0">
+              <a:schemeClr val="accent1"/>
+            </a:effectRef>
+            <a:fontRef idx="minor">
+              <a:schemeClr val="lt1"/>
+            </a:fontRef>
+          </p:style>
+          <p:txBody>
+            <a:bodyPr rtlCol="0" anchor="ctr"/>
+            <a:lstStyle/>
+            <a:p>
+              <a:pPr algn="ctr"/>
+              <a:endParaRPr lang="en-US"/>
+            </a:p>
+          </p:txBody>
+        </p:sp>
+        <p:sp>
+          <p:nvSpPr>
+            <p:cNvPr id="149" name="Oval 148">
+              <a:extLst>
+                <a:ext uri="{FF2B5EF4-FFF2-40B4-BE49-F238E27FC236}">
+                  <a16:creationId xmlns:a16="http://schemas.microsoft.com/office/drawing/2014/main" id="{2E110943-24CE-464E-99E4-47312B2E4B0E}"/>
+                </a:ext>
+              </a:extLst>
+            </p:cNvPr>
+            <p:cNvSpPr/>
+            <p:nvPr/>
+          </p:nvSpPr>
+          <p:spPr>
+            <a:xfrm>
+              <a:off x="9827741" y="15726329"/>
+              <a:ext cx="365760" cy="365760"/>
+            </a:xfrm>
+            <a:prstGeom prst="ellipse">
+              <a:avLst/>
+            </a:prstGeom>
+            <a:solidFill>
+              <a:srgbClr val="4472C4"/>
+            </a:solidFill>
+            <a:ln>
+              <a:noFill/>
+            </a:ln>
+          </p:spPr>
+          <p:style>
+            <a:lnRef idx="2">
+              <a:schemeClr val="accent1">
+                <a:shade val="50000"/>
+              </a:schemeClr>
+            </a:lnRef>
+            <a:fillRef idx="1">
+              <a:schemeClr val="accent1"/>
+            </a:fillRef>
+            <a:effectRef idx="0">
+              <a:schemeClr val="accent1"/>
+            </a:effectRef>
+            <a:fontRef idx="minor">
+              <a:schemeClr val="lt1"/>
+            </a:fontRef>
+          </p:style>
+          <p:txBody>
+            <a:bodyPr rtlCol="0" anchor="ctr"/>
+            <a:lstStyle/>
+            <a:p>
+              <a:pPr algn="ctr"/>
+              <a:endParaRPr lang="en-US"/>
+            </a:p>
+          </p:txBody>
+        </p:sp>
+        <p:sp>
+          <p:nvSpPr>
+            <p:cNvPr id="150" name="Oval 149">
+              <a:extLst>
+                <a:ext uri="{FF2B5EF4-FFF2-40B4-BE49-F238E27FC236}">
+                  <a16:creationId xmlns:a16="http://schemas.microsoft.com/office/drawing/2014/main" id="{73CDDB13-0DFF-4C5A-BAE4-7D20288C06DB}"/>
+                </a:ext>
+              </a:extLst>
+            </p:cNvPr>
+            <p:cNvSpPr/>
+            <p:nvPr/>
+          </p:nvSpPr>
+          <p:spPr>
+            <a:xfrm>
+              <a:off x="8837985" y="16264401"/>
+              <a:ext cx="365760" cy="365760"/>
+            </a:xfrm>
+            <a:prstGeom prst="ellipse">
+              <a:avLst/>
+            </a:prstGeom>
+            <a:solidFill>
+              <a:srgbClr val="4472C4"/>
+            </a:solidFill>
+            <a:ln>
+              <a:noFill/>
+            </a:ln>
+          </p:spPr>
+          <p:style>
+            <a:lnRef idx="2">
+              <a:schemeClr val="accent1">
+                <a:shade val="50000"/>
+              </a:schemeClr>
+            </a:lnRef>
+            <a:fillRef idx="1">
+              <a:schemeClr val="accent1"/>
+            </a:fillRef>
+            <a:effectRef idx="0">
+              <a:schemeClr val="accent1"/>
+            </a:effectRef>
+            <a:fontRef idx="minor">
+              <a:schemeClr val="lt1"/>
+            </a:fontRef>
+          </p:style>
+          <p:txBody>
+            <a:bodyPr rtlCol="0" anchor="ctr"/>
+            <a:lstStyle/>
+            <a:p>
+              <a:pPr algn="ctr"/>
+              <a:endParaRPr lang="en-US"/>
+            </a:p>
+          </p:txBody>
+        </p:sp>
+        <p:sp>
+          <p:nvSpPr>
+            <p:cNvPr id="151" name="Oval 150">
+              <a:extLst>
+                <a:ext uri="{FF2B5EF4-FFF2-40B4-BE49-F238E27FC236}">
+                  <a16:creationId xmlns:a16="http://schemas.microsoft.com/office/drawing/2014/main" id="{30BACD76-2948-4B58-ACBA-4220B7B935FA}"/>
+                </a:ext>
+              </a:extLst>
+            </p:cNvPr>
+            <p:cNvSpPr/>
+            <p:nvPr/>
+          </p:nvSpPr>
+          <p:spPr>
+            <a:xfrm>
+              <a:off x="9332863" y="16264401"/>
+              <a:ext cx="365760" cy="365760"/>
+            </a:xfrm>
+            <a:prstGeom prst="ellipse">
+              <a:avLst/>
+            </a:prstGeom>
+            <a:solidFill>
+              <a:srgbClr val="4472C4"/>
+            </a:solidFill>
+            <a:ln>
+              <a:noFill/>
+            </a:ln>
+          </p:spPr>
+          <p:style>
+            <a:lnRef idx="2">
+              <a:schemeClr val="accent1">
+                <a:shade val="50000"/>
+              </a:schemeClr>
+            </a:lnRef>
+            <a:fillRef idx="1">
+              <a:schemeClr val="accent1"/>
+            </a:fillRef>
+            <a:effectRef idx="0">
+              <a:schemeClr val="accent1"/>
+            </a:effectRef>
+            <a:fontRef idx="minor">
+              <a:schemeClr val="lt1"/>
+            </a:fontRef>
+          </p:style>
+          <p:txBody>
+            <a:bodyPr rtlCol="0" anchor="ctr"/>
+            <a:lstStyle/>
+            <a:p>
+              <a:pPr algn="ctr"/>
+              <a:endParaRPr lang="en-US"/>
+            </a:p>
+          </p:txBody>
+        </p:sp>
+        <p:sp>
+          <p:nvSpPr>
+            <p:cNvPr id="152" name="Oval 151">
+              <a:extLst>
+                <a:ext uri="{FF2B5EF4-FFF2-40B4-BE49-F238E27FC236}">
+                  <a16:creationId xmlns:a16="http://schemas.microsoft.com/office/drawing/2014/main" id="{BD24E902-15E1-4AE1-B8DA-94D217EA0347}"/>
+                </a:ext>
+              </a:extLst>
+            </p:cNvPr>
+            <p:cNvSpPr/>
+            <p:nvPr/>
+          </p:nvSpPr>
+          <p:spPr>
+            <a:xfrm>
+              <a:off x="9827741" y="16264401"/>
+              <a:ext cx="365760" cy="365760"/>
+            </a:xfrm>
+            <a:prstGeom prst="ellipse">
+              <a:avLst/>
+            </a:prstGeom>
+            <a:solidFill>
+              <a:srgbClr val="4472C4"/>
+            </a:solidFill>
+            <a:ln>
+              <a:noFill/>
+            </a:ln>
+          </p:spPr>
+          <p:style>
+            <a:lnRef idx="2">
+              <a:schemeClr val="accent1">
+                <a:shade val="50000"/>
+              </a:schemeClr>
+            </a:lnRef>
+            <a:fillRef idx="1">
+              <a:schemeClr val="accent1"/>
+            </a:fillRef>
+            <a:effectRef idx="0">
+              <a:schemeClr val="accent1"/>
+            </a:effectRef>
+            <a:fontRef idx="minor">
+              <a:schemeClr val="lt1"/>
+            </a:fontRef>
+          </p:style>
+          <p:txBody>
+            <a:bodyPr rtlCol="0" anchor="ctr"/>
+            <a:lstStyle/>
+            <a:p>
+              <a:pPr algn="ctr"/>
+              <a:endParaRPr lang="en-US"/>
+            </a:p>
+          </p:txBody>
+        </p:sp>
+        <p:sp>
+          <p:nvSpPr>
+            <p:cNvPr id="153" name="Oval 152">
+              <a:extLst>
+                <a:ext uri="{FF2B5EF4-FFF2-40B4-BE49-F238E27FC236}">
+                  <a16:creationId xmlns:a16="http://schemas.microsoft.com/office/drawing/2014/main" id="{F130EFF1-27D3-4605-95D2-5CB66A997BEE}"/>
+                </a:ext>
+              </a:extLst>
+            </p:cNvPr>
+            <p:cNvSpPr/>
+            <p:nvPr/>
+          </p:nvSpPr>
+          <p:spPr>
+            <a:xfrm>
+              <a:off x="8837985" y="16802473"/>
+              <a:ext cx="365760" cy="365760"/>
+            </a:xfrm>
+            <a:prstGeom prst="ellipse">
+              <a:avLst/>
+            </a:prstGeom>
+            <a:solidFill>
+              <a:srgbClr val="4472C4"/>
+            </a:solidFill>
+            <a:ln>
+              <a:noFill/>
+            </a:ln>
+          </p:spPr>
+          <p:style>
+            <a:lnRef idx="2">
+              <a:schemeClr val="accent1">
+                <a:shade val="50000"/>
+              </a:schemeClr>
+            </a:lnRef>
+            <a:fillRef idx="1">
+              <a:schemeClr val="accent1"/>
+            </a:fillRef>
+            <a:effectRef idx="0">
+              <a:schemeClr val="accent1"/>
+            </a:effectRef>
+            <a:fontRef idx="minor">
+              <a:schemeClr val="lt1"/>
+            </a:fontRef>
+          </p:style>
+          <p:txBody>
+            <a:bodyPr rtlCol="0" anchor="ctr"/>
+            <a:lstStyle/>
+            <a:p>
+              <a:pPr algn="ctr"/>
+              <a:endParaRPr lang="en-US"/>
+            </a:p>
+          </p:txBody>
+        </p:sp>
+        <p:sp>
+          <p:nvSpPr>
+            <p:cNvPr id="154" name="Oval 153">
+              <a:extLst>
+                <a:ext uri="{FF2B5EF4-FFF2-40B4-BE49-F238E27FC236}">
+                  <a16:creationId xmlns:a16="http://schemas.microsoft.com/office/drawing/2014/main" id="{5D028210-5C4C-4598-8A3F-4465845C8646}"/>
+                </a:ext>
+              </a:extLst>
+            </p:cNvPr>
+            <p:cNvSpPr/>
+            <p:nvPr/>
+          </p:nvSpPr>
+          <p:spPr>
+            <a:xfrm>
+              <a:off x="9332863" y="16802473"/>
+              <a:ext cx="365760" cy="365760"/>
+            </a:xfrm>
+            <a:prstGeom prst="ellipse">
+              <a:avLst/>
+            </a:prstGeom>
+            <a:solidFill>
+              <a:srgbClr val="4472C4"/>
+            </a:solidFill>
+            <a:ln>
+              <a:noFill/>
+            </a:ln>
+          </p:spPr>
+          <p:style>
+            <a:lnRef idx="2">
+              <a:schemeClr val="accent1">
+                <a:shade val="50000"/>
+              </a:schemeClr>
+            </a:lnRef>
+            <a:fillRef idx="1">
+              <a:schemeClr val="accent1"/>
+            </a:fillRef>
+            <a:effectRef idx="0">
+              <a:schemeClr val="accent1"/>
+            </a:effectRef>
+            <a:fontRef idx="minor">
+              <a:schemeClr val="lt1"/>
+            </a:fontRef>
+          </p:style>
+          <p:txBody>
+            <a:bodyPr rtlCol="0" anchor="ctr"/>
+            <a:lstStyle/>
+            <a:p>
+              <a:pPr algn="ctr"/>
+              <a:endParaRPr lang="en-US"/>
+            </a:p>
+          </p:txBody>
+        </p:sp>
+        <p:sp>
+          <p:nvSpPr>
+            <p:cNvPr id="155" name="Oval 154">
+              <a:extLst>
+                <a:ext uri="{FF2B5EF4-FFF2-40B4-BE49-F238E27FC236}">
+                  <a16:creationId xmlns:a16="http://schemas.microsoft.com/office/drawing/2014/main" id="{2110DFCF-8C8F-4B75-9304-CDE196BC2151}"/>
+                </a:ext>
+              </a:extLst>
+            </p:cNvPr>
+            <p:cNvSpPr/>
+            <p:nvPr/>
+          </p:nvSpPr>
+          <p:spPr>
+            <a:xfrm>
+              <a:off x="9827741" y="16802473"/>
+              <a:ext cx="365760" cy="365760"/>
+            </a:xfrm>
+            <a:prstGeom prst="ellipse">
+              <a:avLst/>
+            </a:prstGeom>
+            <a:solidFill>
+              <a:srgbClr val="4472C4"/>
+            </a:solidFill>
+            <a:ln>
+              <a:noFill/>
+            </a:ln>
+          </p:spPr>
+          <p:style>
+            <a:lnRef idx="2">
+              <a:schemeClr val="accent1">
+                <a:shade val="50000"/>
+              </a:schemeClr>
+            </a:lnRef>
+            <a:fillRef idx="1">
+              <a:schemeClr val="accent1"/>
+            </a:fillRef>
+            <a:effectRef idx="0">
+              <a:schemeClr val="accent1"/>
+            </a:effectRef>
+            <a:fontRef idx="minor">
+              <a:schemeClr val="lt1"/>
+            </a:fontRef>
+          </p:style>
+          <p:txBody>
+            <a:bodyPr rtlCol="0" anchor="ctr"/>
+            <a:lstStyle/>
+            <a:p>
+              <a:pPr algn="ctr"/>
+              <a:endParaRPr lang="en-US"/>
+            </a:p>
+          </p:txBody>
+        </p:sp>
+        <p:sp>
+          <p:nvSpPr>
+            <p:cNvPr id="1031" name="Rectangle 1030">
+              <a:extLst>
+                <a:ext uri="{FF2B5EF4-FFF2-40B4-BE49-F238E27FC236}">
+                  <a16:creationId xmlns:a16="http://schemas.microsoft.com/office/drawing/2014/main" id="{31DD0E3D-03F6-4EB9-A7F9-BA4E507B8294}"/>
+                </a:ext>
+              </a:extLst>
+            </p:cNvPr>
+            <p:cNvSpPr/>
+            <p:nvPr/>
+          </p:nvSpPr>
+          <p:spPr>
+            <a:xfrm>
+              <a:off x="8785485" y="15726329"/>
+              <a:ext cx="437310" cy="1441904"/>
+            </a:xfrm>
+            <a:prstGeom prst="rect">
+              <a:avLst/>
+            </a:prstGeom>
             <a:noFill/>
-          </a:ln>
-        </p:spPr>
-        <p:style>
-          <a:lnRef idx="2">
-            <a:schemeClr val="accent1">
-              <a:shade val="50000"/>
-            </a:schemeClr>
-          </a:lnRef>
-          <a:fillRef idx="1">
-            <a:schemeClr val="accent1"/>
-          </a:fillRef>
-          <a:effectRef idx="0">
-            <a:schemeClr val="accent1"/>
-          </a:effectRef>
-          <a:fontRef idx="minor">
-            <a:schemeClr val="lt1"/>
-          </a:fontRef>
-        </p:style>
-        <p:txBody>
-          <a:bodyPr rtlCol="0" anchor="ctr"/>
-          <a:lstStyle/>
-          <a:p>
-            <a:pPr algn="ctr"/>
-            <a:endParaRPr lang="en-US"/>
-          </a:p>
-        </p:txBody>
-      </p:sp>
-      <p:sp>
-        <p:nvSpPr>
-          <p:cNvPr id="83" name="Oval 82">
-            <a:extLst>
-              <a:ext uri="{FF2B5EF4-FFF2-40B4-BE49-F238E27FC236}">
-                <a16:creationId xmlns:a16="http://schemas.microsoft.com/office/drawing/2014/main" id="{76844432-BD62-45BF-9DB2-4A696EA73102}"/>
-              </a:ext>
-            </a:extLst>
-          </p:cNvPr>
-          <p:cNvSpPr/>
-          <p:nvPr/>
-        </p:nvSpPr>
-        <p:spPr>
-          <a:xfrm>
-            <a:off x="1751094" y="15726329"/>
-            <a:ext cx="365760" cy="365760"/>
-          </a:xfrm>
-          <a:prstGeom prst="ellipse">
-            <a:avLst/>
-          </a:prstGeom>
-          <a:solidFill>
-            <a:schemeClr val="accent2">
-              <a:lumMod val="40000"/>
-              <a:lumOff val="60000"/>
-            </a:schemeClr>
-          </a:solidFill>
-          <a:ln>
+            <a:ln>
+              <a:solidFill>
+                <a:schemeClr val="tx1"/>
+              </a:solidFill>
+            </a:ln>
+          </p:spPr>
+          <p:style>
+            <a:lnRef idx="2">
+              <a:schemeClr val="accent1">
+                <a:shade val="50000"/>
+              </a:schemeClr>
+            </a:lnRef>
+            <a:fillRef idx="1">
+              <a:schemeClr val="accent1"/>
+            </a:fillRef>
+            <a:effectRef idx="0">
+              <a:schemeClr val="accent1"/>
+            </a:effectRef>
+            <a:fontRef idx="minor">
+              <a:schemeClr val="lt1"/>
+            </a:fontRef>
+          </p:style>
+          <p:txBody>
+            <a:bodyPr rtlCol="0" anchor="ctr"/>
+            <a:lstStyle/>
+            <a:p>
+              <a:pPr algn="ctr"/>
+              <a:endParaRPr lang="en-US"/>
+            </a:p>
+          </p:txBody>
+        </p:sp>
+        <p:sp>
+          <p:nvSpPr>
+            <p:cNvPr id="160" name="Rectangle 159">
+              <a:extLst>
+                <a:ext uri="{FF2B5EF4-FFF2-40B4-BE49-F238E27FC236}">
+                  <a16:creationId xmlns:a16="http://schemas.microsoft.com/office/drawing/2014/main" id="{34844FB9-F355-449B-9D31-03026980AFFB}"/>
+                </a:ext>
+              </a:extLst>
+            </p:cNvPr>
+            <p:cNvSpPr/>
+            <p:nvPr/>
+          </p:nvSpPr>
+          <p:spPr>
+            <a:xfrm>
+              <a:off x="9222795" y="15726329"/>
+              <a:ext cx="970706" cy="1441904"/>
+            </a:xfrm>
+            <a:prstGeom prst="rect">
+              <a:avLst/>
+            </a:prstGeom>
             <a:noFill/>
-          </a:ln>
-        </p:spPr>
-        <p:style>
-          <a:lnRef idx="2">
-            <a:schemeClr val="accent1">
-              <a:shade val="50000"/>
-            </a:schemeClr>
-          </a:lnRef>
-          <a:fillRef idx="1">
-            <a:schemeClr val="accent1"/>
-          </a:fillRef>
-          <a:effectRef idx="0">
-            <a:schemeClr val="accent1"/>
-          </a:effectRef>
-          <a:fontRef idx="minor">
-            <a:schemeClr val="lt1"/>
-          </a:fontRef>
-        </p:style>
-        <p:txBody>
-          <a:bodyPr rtlCol="0" anchor="ctr"/>
-          <a:lstStyle/>
-          <a:p>
-            <a:pPr algn="ctr"/>
-            <a:endParaRPr lang="en-US"/>
-          </a:p>
-        </p:txBody>
-      </p:sp>
-      <p:sp>
-        <p:nvSpPr>
-          <p:cNvPr id="86" name="Oval 85">
-            <a:extLst>
-              <a:ext uri="{FF2B5EF4-FFF2-40B4-BE49-F238E27FC236}">
-                <a16:creationId xmlns:a16="http://schemas.microsoft.com/office/drawing/2014/main" id="{35BFE303-2793-4986-8CCE-E46313EDFBCE}"/>
-              </a:ext>
-            </a:extLst>
-          </p:cNvPr>
-          <p:cNvSpPr/>
-          <p:nvPr/>
-        </p:nvSpPr>
-        <p:spPr>
-          <a:xfrm>
-            <a:off x="2245972" y="15726329"/>
-            <a:ext cx="365760" cy="365760"/>
-          </a:xfrm>
-          <a:prstGeom prst="ellipse">
-            <a:avLst/>
-          </a:prstGeom>
-          <a:solidFill>
-            <a:schemeClr val="accent2">
-              <a:lumMod val="40000"/>
-              <a:lumOff val="60000"/>
-            </a:schemeClr>
-          </a:solidFill>
-          <a:ln>
+            <a:ln>
+              <a:solidFill>
+                <a:schemeClr val="tx1"/>
+              </a:solidFill>
+            </a:ln>
+          </p:spPr>
+          <p:style>
+            <a:lnRef idx="2">
+              <a:schemeClr val="accent1">
+                <a:shade val="50000"/>
+              </a:schemeClr>
+            </a:lnRef>
+            <a:fillRef idx="1">
+              <a:schemeClr val="accent1"/>
+            </a:fillRef>
+            <a:effectRef idx="0">
+              <a:schemeClr val="accent1"/>
+            </a:effectRef>
+            <a:fontRef idx="minor">
+              <a:schemeClr val="lt1"/>
+            </a:fontRef>
+          </p:style>
+          <p:txBody>
+            <a:bodyPr rtlCol="0" anchor="ctr"/>
+            <a:lstStyle/>
+            <a:p>
+              <a:pPr algn="ctr"/>
+              <a:endParaRPr lang="en-US"/>
+            </a:p>
+          </p:txBody>
+        </p:sp>
+        <p:sp>
+          <p:nvSpPr>
+            <p:cNvPr id="1032" name="TextBox 1031">
+              <a:extLst>
+                <a:ext uri="{FF2B5EF4-FFF2-40B4-BE49-F238E27FC236}">
+                  <a16:creationId xmlns:a16="http://schemas.microsoft.com/office/drawing/2014/main" id="{FCB032C3-626B-418C-B2F5-649E3D54F213}"/>
+                </a:ext>
+              </a:extLst>
+            </p:cNvPr>
+            <p:cNvSpPr txBox="1"/>
+            <p:nvPr/>
+          </p:nvSpPr>
+          <p:spPr>
+            <a:xfrm>
+              <a:off x="898273" y="17377600"/>
+              <a:ext cx="1946367" cy="553998"/>
+            </a:xfrm>
+            <a:prstGeom prst="rect">
+              <a:avLst/>
+            </a:prstGeom>
             <a:noFill/>
-          </a:ln>
-        </p:spPr>
-        <p:style>
-          <a:lnRef idx="2">
-            <a:schemeClr val="accent1">
-              <a:shade val="50000"/>
-            </a:schemeClr>
-          </a:lnRef>
-          <a:fillRef idx="1">
-            <a:schemeClr val="accent1"/>
-          </a:fillRef>
-          <a:effectRef idx="0">
-            <a:schemeClr val="accent1"/>
-          </a:effectRef>
-          <a:fontRef idx="minor">
-            <a:schemeClr val="lt1"/>
-          </a:fontRef>
-        </p:style>
-        <p:txBody>
-          <a:bodyPr rtlCol="0" anchor="ctr"/>
-          <a:lstStyle/>
-          <a:p>
-            <a:pPr algn="ctr"/>
-            <a:endParaRPr lang="en-US"/>
-          </a:p>
-        </p:txBody>
-      </p:sp>
-      <p:sp>
-        <p:nvSpPr>
-          <p:cNvPr id="113" name="Oval 112">
-            <a:extLst>
-              <a:ext uri="{FF2B5EF4-FFF2-40B4-BE49-F238E27FC236}">
-                <a16:creationId xmlns:a16="http://schemas.microsoft.com/office/drawing/2014/main" id="{A47F1EF6-8EC5-4E4E-BC25-6595C929A190}"/>
-              </a:ext>
-            </a:extLst>
-          </p:cNvPr>
-          <p:cNvSpPr/>
-          <p:nvPr/>
-        </p:nvSpPr>
-        <p:spPr>
-          <a:xfrm>
-            <a:off x="1256216" y="16264401"/>
-            <a:ext cx="365760" cy="365760"/>
-          </a:xfrm>
-          <a:prstGeom prst="ellipse">
-            <a:avLst/>
-          </a:prstGeom>
-          <a:solidFill>
-            <a:srgbClr val="4472C4"/>
-          </a:solidFill>
-          <a:ln>
+          </p:spPr>
+          <p:txBody>
+            <a:bodyPr wrap="none" rtlCol="0">
+              <a:spAutoFit/>
+            </a:bodyPr>
+            <a:lstStyle/>
+            <a:p>
+              <a:r>
+                <a:rPr lang="en-US" sz="3000" dirty="0"/>
+                <a:t>SIMILARITY</a:t>
+              </a:r>
+            </a:p>
+          </p:txBody>
+        </p:sp>
+        <p:sp>
+          <p:nvSpPr>
+            <p:cNvPr id="162" name="TextBox 161">
+              <a:extLst>
+                <a:ext uri="{FF2B5EF4-FFF2-40B4-BE49-F238E27FC236}">
+                  <a16:creationId xmlns:a16="http://schemas.microsoft.com/office/drawing/2014/main" id="{2F0FFE96-7F24-4AB3-94A3-863B38B80103}"/>
+                </a:ext>
+              </a:extLst>
+            </p:cNvPr>
+            <p:cNvSpPr txBox="1"/>
+            <p:nvPr/>
+          </p:nvSpPr>
+          <p:spPr>
+            <a:xfrm>
+              <a:off x="3469136" y="17389763"/>
+              <a:ext cx="1927322" cy="553998"/>
+            </a:xfrm>
+            <a:prstGeom prst="rect">
+              <a:avLst/>
+            </a:prstGeom>
             <a:noFill/>
-          </a:ln>
-        </p:spPr>
-        <p:style>
-          <a:lnRef idx="2">
-            <a:schemeClr val="accent1">
-              <a:shade val="50000"/>
-            </a:schemeClr>
-          </a:lnRef>
-          <a:fillRef idx="1">
-            <a:schemeClr val="accent1"/>
-          </a:fillRef>
-          <a:effectRef idx="0">
-            <a:schemeClr val="accent1"/>
-          </a:effectRef>
-          <a:fontRef idx="minor">
-            <a:schemeClr val="lt1"/>
-          </a:fontRef>
-        </p:style>
-        <p:txBody>
-          <a:bodyPr rtlCol="0" anchor="ctr"/>
-          <a:lstStyle/>
-          <a:p>
-            <a:pPr algn="ctr"/>
-            <a:endParaRPr lang="en-US"/>
-          </a:p>
-        </p:txBody>
-      </p:sp>
-      <p:sp>
-        <p:nvSpPr>
-          <p:cNvPr id="114" name="Oval 113">
-            <a:extLst>
-              <a:ext uri="{FF2B5EF4-FFF2-40B4-BE49-F238E27FC236}">
-                <a16:creationId xmlns:a16="http://schemas.microsoft.com/office/drawing/2014/main" id="{2ADE7012-F94B-4D33-9919-EA0E93F99AC3}"/>
-              </a:ext>
-            </a:extLst>
-          </p:cNvPr>
-          <p:cNvSpPr/>
-          <p:nvPr/>
-        </p:nvSpPr>
-        <p:spPr>
-          <a:xfrm>
-            <a:off x="1751094" y="16264401"/>
-            <a:ext cx="365760" cy="365760"/>
-          </a:xfrm>
-          <a:prstGeom prst="ellipse">
-            <a:avLst/>
-          </a:prstGeom>
-          <a:solidFill>
-            <a:srgbClr val="4472C4"/>
-          </a:solidFill>
-          <a:ln>
+          </p:spPr>
+          <p:txBody>
+            <a:bodyPr wrap="none" rtlCol="0">
+              <a:spAutoFit/>
+            </a:bodyPr>
+            <a:lstStyle/>
+            <a:p>
+              <a:r>
+                <a:rPr lang="en-US" sz="3000" dirty="0"/>
+                <a:t>PROXIMITY</a:t>
+              </a:r>
+            </a:p>
+          </p:txBody>
+        </p:sp>
+        <p:sp>
+          <p:nvSpPr>
+            <p:cNvPr id="163" name="TextBox 162">
+              <a:extLst>
+                <a:ext uri="{FF2B5EF4-FFF2-40B4-BE49-F238E27FC236}">
+                  <a16:creationId xmlns:a16="http://schemas.microsoft.com/office/drawing/2014/main" id="{8060948C-447A-419F-AEB9-404239DA0425}"/>
+                </a:ext>
+              </a:extLst>
+            </p:cNvPr>
+            <p:cNvSpPr txBox="1"/>
+            <p:nvPr/>
+          </p:nvSpPr>
+          <p:spPr>
+            <a:xfrm>
+              <a:off x="6016723" y="17389763"/>
+              <a:ext cx="2315442" cy="553998"/>
+            </a:xfrm>
+            <a:prstGeom prst="rect">
+              <a:avLst/>
+            </a:prstGeom>
             <a:noFill/>
-          </a:ln>
-        </p:spPr>
-        <p:style>
-          <a:lnRef idx="2">
-            <a:schemeClr val="accent1">
-              <a:shade val="50000"/>
-            </a:schemeClr>
-          </a:lnRef>
-          <a:fillRef idx="1">
-            <a:schemeClr val="accent1"/>
-          </a:fillRef>
-          <a:effectRef idx="0">
-            <a:schemeClr val="accent1"/>
-          </a:effectRef>
-          <a:fontRef idx="minor">
-            <a:schemeClr val="lt1"/>
-          </a:fontRef>
-        </p:style>
-        <p:txBody>
-          <a:bodyPr rtlCol="0" anchor="ctr"/>
-          <a:lstStyle/>
-          <a:p>
-            <a:pPr algn="ctr"/>
-            <a:endParaRPr lang="en-US"/>
-          </a:p>
-        </p:txBody>
-      </p:sp>
-      <p:sp>
-        <p:nvSpPr>
-          <p:cNvPr id="115" name="Oval 114">
-            <a:extLst>
-              <a:ext uri="{FF2B5EF4-FFF2-40B4-BE49-F238E27FC236}">
-                <a16:creationId xmlns:a16="http://schemas.microsoft.com/office/drawing/2014/main" id="{FD5F875B-9F3E-4CDC-87A7-29C29980D57B}"/>
-              </a:ext>
-            </a:extLst>
-          </p:cNvPr>
-          <p:cNvSpPr/>
-          <p:nvPr/>
-        </p:nvSpPr>
-        <p:spPr>
-          <a:xfrm>
-            <a:off x="2245972" y="16264401"/>
-            <a:ext cx="365760" cy="365760"/>
-          </a:xfrm>
-          <a:prstGeom prst="ellipse">
-            <a:avLst/>
-          </a:prstGeom>
-          <a:solidFill>
-            <a:srgbClr val="4472C4"/>
-          </a:solidFill>
-          <a:ln>
+          </p:spPr>
+          <p:txBody>
+            <a:bodyPr wrap="none" rtlCol="0">
+              <a:spAutoFit/>
+            </a:bodyPr>
+            <a:lstStyle/>
+            <a:p>
+              <a:r>
+                <a:rPr lang="en-US" sz="3000" dirty="0"/>
+                <a:t>CONNECTION</a:t>
+              </a:r>
+            </a:p>
+          </p:txBody>
+        </p:sp>
+        <p:sp>
+          <p:nvSpPr>
+            <p:cNvPr id="164" name="TextBox 163">
+              <a:extLst>
+                <a:ext uri="{FF2B5EF4-FFF2-40B4-BE49-F238E27FC236}">
+                  <a16:creationId xmlns:a16="http://schemas.microsoft.com/office/drawing/2014/main" id="{BB2408F2-0943-46D4-A6B9-84C1A3285283}"/>
+                </a:ext>
+              </a:extLst>
+            </p:cNvPr>
+            <p:cNvSpPr txBox="1"/>
+            <p:nvPr/>
+          </p:nvSpPr>
+          <p:spPr>
+            <a:xfrm>
+              <a:off x="8525182" y="17377599"/>
+              <a:ext cx="2053319" cy="553998"/>
+            </a:xfrm>
+            <a:prstGeom prst="rect">
+              <a:avLst/>
+            </a:prstGeom>
             <a:noFill/>
-          </a:ln>
-        </p:spPr>
-        <p:style>
-          <a:lnRef idx="2">
-            <a:schemeClr val="accent1">
-              <a:shade val="50000"/>
-            </a:schemeClr>
-          </a:lnRef>
-          <a:fillRef idx="1">
-            <a:schemeClr val="accent1"/>
-          </a:fillRef>
-          <a:effectRef idx="0">
-            <a:schemeClr val="accent1"/>
-          </a:effectRef>
-          <a:fontRef idx="minor">
-            <a:schemeClr val="lt1"/>
-          </a:fontRef>
-        </p:style>
-        <p:txBody>
-          <a:bodyPr rtlCol="0" anchor="ctr"/>
-          <a:lstStyle/>
-          <a:p>
-            <a:pPr algn="ctr"/>
-            <a:endParaRPr lang="en-US"/>
-          </a:p>
-        </p:txBody>
-      </p:sp>
-      <p:sp>
-        <p:nvSpPr>
-          <p:cNvPr id="116" name="Oval 115">
-            <a:extLst>
-              <a:ext uri="{FF2B5EF4-FFF2-40B4-BE49-F238E27FC236}">
-                <a16:creationId xmlns:a16="http://schemas.microsoft.com/office/drawing/2014/main" id="{D9588C67-8777-41E3-B539-73D73ADBC266}"/>
-              </a:ext>
-            </a:extLst>
-          </p:cNvPr>
-          <p:cNvSpPr/>
-          <p:nvPr/>
-        </p:nvSpPr>
-        <p:spPr>
-          <a:xfrm>
-            <a:off x="1256216" y="16802473"/>
-            <a:ext cx="365760" cy="365760"/>
-          </a:xfrm>
-          <a:prstGeom prst="ellipse">
-            <a:avLst/>
-          </a:prstGeom>
-          <a:solidFill>
-            <a:schemeClr val="accent2">
-              <a:lumMod val="40000"/>
-              <a:lumOff val="60000"/>
-            </a:schemeClr>
-          </a:solidFill>
-          <a:ln>
-            <a:noFill/>
-          </a:ln>
-        </p:spPr>
-        <p:style>
-          <a:lnRef idx="2">
-            <a:schemeClr val="accent1">
-              <a:shade val="50000"/>
-            </a:schemeClr>
-          </a:lnRef>
-          <a:fillRef idx="1">
-            <a:schemeClr val="accent1"/>
-          </a:fillRef>
-          <a:effectRef idx="0">
-            <a:schemeClr val="accent1"/>
-          </a:effectRef>
-          <a:fontRef idx="minor">
-            <a:schemeClr val="lt1"/>
-          </a:fontRef>
-        </p:style>
-        <p:txBody>
-          <a:bodyPr rtlCol="0" anchor="ctr"/>
-          <a:lstStyle/>
-          <a:p>
-            <a:pPr algn="ctr"/>
-            <a:endParaRPr lang="en-US"/>
-          </a:p>
-        </p:txBody>
-      </p:sp>
-      <p:sp>
-        <p:nvSpPr>
-          <p:cNvPr id="117" name="Oval 116">
-            <a:extLst>
-              <a:ext uri="{FF2B5EF4-FFF2-40B4-BE49-F238E27FC236}">
-                <a16:creationId xmlns:a16="http://schemas.microsoft.com/office/drawing/2014/main" id="{0921DE10-A589-4931-A651-18EE1DE8BAD4}"/>
-              </a:ext>
-            </a:extLst>
-          </p:cNvPr>
-          <p:cNvSpPr/>
-          <p:nvPr/>
-        </p:nvSpPr>
-        <p:spPr>
-          <a:xfrm>
-            <a:off x="1751094" y="16802473"/>
-            <a:ext cx="365760" cy="365760"/>
-          </a:xfrm>
-          <a:prstGeom prst="ellipse">
-            <a:avLst/>
-          </a:prstGeom>
-          <a:solidFill>
-            <a:schemeClr val="accent2">
-              <a:lumMod val="40000"/>
-              <a:lumOff val="60000"/>
-            </a:schemeClr>
-          </a:solidFill>
-          <a:ln>
-            <a:noFill/>
-          </a:ln>
-        </p:spPr>
-        <p:style>
-          <a:lnRef idx="2">
-            <a:schemeClr val="accent1">
-              <a:shade val="50000"/>
-            </a:schemeClr>
-          </a:lnRef>
-          <a:fillRef idx="1">
-            <a:schemeClr val="accent1"/>
-          </a:fillRef>
-          <a:effectRef idx="0">
-            <a:schemeClr val="accent1"/>
-          </a:effectRef>
-          <a:fontRef idx="minor">
-            <a:schemeClr val="lt1"/>
-          </a:fontRef>
-        </p:style>
-        <p:txBody>
-          <a:bodyPr rtlCol="0" anchor="ctr"/>
-          <a:lstStyle/>
-          <a:p>
-            <a:pPr algn="ctr"/>
-            <a:endParaRPr lang="en-US"/>
-          </a:p>
-        </p:txBody>
-      </p:sp>
-      <p:sp>
-        <p:nvSpPr>
-          <p:cNvPr id="118" name="Oval 117">
-            <a:extLst>
-              <a:ext uri="{FF2B5EF4-FFF2-40B4-BE49-F238E27FC236}">
-                <a16:creationId xmlns:a16="http://schemas.microsoft.com/office/drawing/2014/main" id="{5E97B91A-CF03-4C48-9558-A7BED210BD0F}"/>
-              </a:ext>
-            </a:extLst>
-          </p:cNvPr>
-          <p:cNvSpPr/>
-          <p:nvPr/>
-        </p:nvSpPr>
-        <p:spPr>
-          <a:xfrm>
-            <a:off x="2245972" y="16802473"/>
-            <a:ext cx="365760" cy="365760"/>
-          </a:xfrm>
-          <a:prstGeom prst="ellipse">
-            <a:avLst/>
-          </a:prstGeom>
-          <a:solidFill>
-            <a:schemeClr val="accent2">
-              <a:lumMod val="40000"/>
-              <a:lumOff val="60000"/>
-            </a:schemeClr>
-          </a:solidFill>
-          <a:ln>
-            <a:noFill/>
-          </a:ln>
-        </p:spPr>
-        <p:style>
-          <a:lnRef idx="2">
-            <a:schemeClr val="accent1">
-              <a:shade val="50000"/>
-            </a:schemeClr>
-          </a:lnRef>
-          <a:fillRef idx="1">
-            <a:schemeClr val="accent1"/>
-          </a:fillRef>
-          <a:effectRef idx="0">
-            <a:schemeClr val="accent1"/>
-          </a:effectRef>
-          <a:fontRef idx="minor">
-            <a:schemeClr val="lt1"/>
-          </a:fontRef>
-        </p:style>
-        <p:txBody>
-          <a:bodyPr rtlCol="0" anchor="ctr"/>
-          <a:lstStyle/>
-          <a:p>
-            <a:pPr algn="ctr"/>
-            <a:endParaRPr lang="en-US"/>
-          </a:p>
-        </p:txBody>
-      </p:sp>
-      <p:sp>
-        <p:nvSpPr>
-          <p:cNvPr id="119" name="Oval 118">
-            <a:extLst>
-              <a:ext uri="{FF2B5EF4-FFF2-40B4-BE49-F238E27FC236}">
-                <a16:creationId xmlns:a16="http://schemas.microsoft.com/office/drawing/2014/main" id="{2122805D-22FF-4CB9-A2BE-D221A71E9A91}"/>
-              </a:ext>
-            </a:extLst>
-          </p:cNvPr>
-          <p:cNvSpPr/>
-          <p:nvPr/>
-        </p:nvSpPr>
-        <p:spPr>
-          <a:xfrm>
-            <a:off x="3371510" y="15726329"/>
-            <a:ext cx="365760" cy="365760"/>
-          </a:xfrm>
-          <a:prstGeom prst="ellipse">
-            <a:avLst/>
-          </a:prstGeom>
-          <a:solidFill>
-            <a:srgbClr val="4472C4"/>
-          </a:solidFill>
-          <a:ln>
-            <a:noFill/>
-          </a:ln>
-        </p:spPr>
-        <p:style>
-          <a:lnRef idx="2">
-            <a:schemeClr val="accent1">
-              <a:shade val="50000"/>
-            </a:schemeClr>
-          </a:lnRef>
-          <a:fillRef idx="1">
-            <a:schemeClr val="accent1"/>
-          </a:fillRef>
-          <a:effectRef idx="0">
-            <a:schemeClr val="accent1"/>
-          </a:effectRef>
-          <a:fontRef idx="minor">
-            <a:schemeClr val="lt1"/>
-          </a:fontRef>
-        </p:style>
-        <p:txBody>
-          <a:bodyPr rtlCol="0" anchor="ctr"/>
-          <a:lstStyle/>
-          <a:p>
-            <a:pPr algn="ctr"/>
-            <a:endParaRPr lang="en-US"/>
-          </a:p>
-        </p:txBody>
-      </p:sp>
-      <p:sp>
-        <p:nvSpPr>
-          <p:cNvPr id="120" name="Oval 119">
-            <a:extLst>
-              <a:ext uri="{FF2B5EF4-FFF2-40B4-BE49-F238E27FC236}">
-                <a16:creationId xmlns:a16="http://schemas.microsoft.com/office/drawing/2014/main" id="{AE548B50-48C9-4223-8DB5-A5799F445389}"/>
-              </a:ext>
-            </a:extLst>
-          </p:cNvPr>
-          <p:cNvSpPr/>
-          <p:nvPr/>
-        </p:nvSpPr>
-        <p:spPr>
-          <a:xfrm>
-            <a:off x="4310319" y="15726329"/>
-            <a:ext cx="365760" cy="365760"/>
-          </a:xfrm>
-          <a:prstGeom prst="ellipse">
-            <a:avLst/>
-          </a:prstGeom>
-          <a:solidFill>
-            <a:srgbClr val="4472C4"/>
-          </a:solidFill>
-          <a:ln>
-            <a:noFill/>
-          </a:ln>
-        </p:spPr>
-        <p:style>
-          <a:lnRef idx="2">
-            <a:schemeClr val="accent1">
-              <a:shade val="50000"/>
-            </a:schemeClr>
-          </a:lnRef>
-          <a:fillRef idx="1">
-            <a:schemeClr val="accent1"/>
-          </a:fillRef>
-          <a:effectRef idx="0">
-            <a:schemeClr val="accent1"/>
-          </a:effectRef>
-          <a:fontRef idx="minor">
-            <a:schemeClr val="lt1"/>
-          </a:fontRef>
-        </p:style>
-        <p:txBody>
-          <a:bodyPr rtlCol="0" anchor="ctr"/>
-          <a:lstStyle/>
-          <a:p>
-            <a:pPr algn="ctr"/>
-            <a:endParaRPr lang="en-US"/>
-          </a:p>
-        </p:txBody>
-      </p:sp>
-      <p:sp>
-        <p:nvSpPr>
-          <p:cNvPr id="121" name="Oval 120">
-            <a:extLst>
-              <a:ext uri="{FF2B5EF4-FFF2-40B4-BE49-F238E27FC236}">
-                <a16:creationId xmlns:a16="http://schemas.microsoft.com/office/drawing/2014/main" id="{7E299323-34F3-4997-9829-8FE869945877}"/>
-              </a:ext>
-            </a:extLst>
-          </p:cNvPr>
-          <p:cNvSpPr/>
-          <p:nvPr/>
-        </p:nvSpPr>
-        <p:spPr>
-          <a:xfrm>
-            <a:off x="5249128" y="15726329"/>
-            <a:ext cx="365760" cy="365760"/>
-          </a:xfrm>
-          <a:prstGeom prst="ellipse">
-            <a:avLst/>
-          </a:prstGeom>
-          <a:solidFill>
-            <a:srgbClr val="4472C4"/>
-          </a:solidFill>
-          <a:ln>
-            <a:noFill/>
-          </a:ln>
-        </p:spPr>
-        <p:style>
-          <a:lnRef idx="2">
-            <a:schemeClr val="accent1">
-              <a:shade val="50000"/>
-            </a:schemeClr>
-          </a:lnRef>
-          <a:fillRef idx="1">
-            <a:schemeClr val="accent1"/>
-          </a:fillRef>
-          <a:effectRef idx="0">
-            <a:schemeClr val="accent1"/>
-          </a:effectRef>
-          <a:fontRef idx="minor">
-            <a:schemeClr val="lt1"/>
-          </a:fontRef>
-        </p:style>
-        <p:txBody>
-          <a:bodyPr rtlCol="0" anchor="ctr"/>
-          <a:lstStyle/>
-          <a:p>
-            <a:pPr algn="ctr"/>
-            <a:endParaRPr lang="en-US"/>
-          </a:p>
-        </p:txBody>
-      </p:sp>
-      <p:sp>
-        <p:nvSpPr>
-          <p:cNvPr id="122" name="Oval 121">
-            <a:extLst>
-              <a:ext uri="{FF2B5EF4-FFF2-40B4-BE49-F238E27FC236}">
-                <a16:creationId xmlns:a16="http://schemas.microsoft.com/office/drawing/2014/main" id="{CBF70DA1-6D08-44E7-AD38-27039BD178D7}"/>
-              </a:ext>
-            </a:extLst>
-          </p:cNvPr>
-          <p:cNvSpPr/>
-          <p:nvPr/>
-        </p:nvSpPr>
-        <p:spPr>
-          <a:xfrm>
-            <a:off x="3371510" y="16264401"/>
-            <a:ext cx="365760" cy="365760"/>
-          </a:xfrm>
-          <a:prstGeom prst="ellipse">
-            <a:avLst/>
-          </a:prstGeom>
-          <a:solidFill>
-            <a:srgbClr val="4472C4"/>
-          </a:solidFill>
-          <a:ln>
-            <a:noFill/>
-          </a:ln>
-        </p:spPr>
-        <p:style>
-          <a:lnRef idx="2">
-            <a:schemeClr val="accent1">
-              <a:shade val="50000"/>
-            </a:schemeClr>
-          </a:lnRef>
-          <a:fillRef idx="1">
-            <a:schemeClr val="accent1"/>
-          </a:fillRef>
-          <a:effectRef idx="0">
-            <a:schemeClr val="accent1"/>
-          </a:effectRef>
-          <a:fontRef idx="minor">
-            <a:schemeClr val="lt1"/>
-          </a:fontRef>
-        </p:style>
-        <p:txBody>
-          <a:bodyPr rtlCol="0" anchor="ctr"/>
-          <a:lstStyle/>
-          <a:p>
-            <a:pPr algn="ctr"/>
-            <a:endParaRPr lang="en-US"/>
-          </a:p>
-        </p:txBody>
-      </p:sp>
-      <p:sp>
-        <p:nvSpPr>
-          <p:cNvPr id="123" name="Oval 122">
-            <a:extLst>
-              <a:ext uri="{FF2B5EF4-FFF2-40B4-BE49-F238E27FC236}">
-                <a16:creationId xmlns:a16="http://schemas.microsoft.com/office/drawing/2014/main" id="{4C597CC9-DADC-4D3F-88F3-3BE3510EDE73}"/>
-              </a:ext>
-            </a:extLst>
-          </p:cNvPr>
-          <p:cNvSpPr/>
-          <p:nvPr/>
-        </p:nvSpPr>
-        <p:spPr>
-          <a:xfrm>
-            <a:off x="4310319" y="16264401"/>
-            <a:ext cx="365760" cy="365760"/>
-          </a:xfrm>
-          <a:prstGeom prst="ellipse">
-            <a:avLst/>
-          </a:prstGeom>
-          <a:solidFill>
-            <a:srgbClr val="4472C4"/>
-          </a:solidFill>
-          <a:ln>
-            <a:noFill/>
-          </a:ln>
-        </p:spPr>
-        <p:style>
-          <a:lnRef idx="2">
-            <a:schemeClr val="accent1">
-              <a:shade val="50000"/>
-            </a:schemeClr>
-          </a:lnRef>
-          <a:fillRef idx="1">
-            <a:schemeClr val="accent1"/>
-          </a:fillRef>
-          <a:effectRef idx="0">
-            <a:schemeClr val="accent1"/>
-          </a:effectRef>
-          <a:fontRef idx="minor">
-            <a:schemeClr val="lt1"/>
-          </a:fontRef>
-        </p:style>
-        <p:txBody>
-          <a:bodyPr rtlCol="0" anchor="ctr"/>
-          <a:lstStyle/>
-          <a:p>
-            <a:pPr algn="ctr"/>
-            <a:endParaRPr lang="en-US"/>
-          </a:p>
-        </p:txBody>
-      </p:sp>
-      <p:sp>
-        <p:nvSpPr>
-          <p:cNvPr id="124" name="Oval 123">
-            <a:extLst>
-              <a:ext uri="{FF2B5EF4-FFF2-40B4-BE49-F238E27FC236}">
-                <a16:creationId xmlns:a16="http://schemas.microsoft.com/office/drawing/2014/main" id="{2174C7A2-6126-4DAB-B135-AF51B046ACF4}"/>
-              </a:ext>
-            </a:extLst>
-          </p:cNvPr>
-          <p:cNvSpPr/>
-          <p:nvPr/>
-        </p:nvSpPr>
-        <p:spPr>
-          <a:xfrm>
-            <a:off x="5249128" y="16264401"/>
-            <a:ext cx="365760" cy="365760"/>
-          </a:xfrm>
-          <a:prstGeom prst="ellipse">
-            <a:avLst/>
-          </a:prstGeom>
-          <a:solidFill>
-            <a:srgbClr val="4472C4"/>
-          </a:solidFill>
-          <a:ln>
-            <a:noFill/>
-          </a:ln>
-        </p:spPr>
-        <p:style>
-          <a:lnRef idx="2">
-            <a:schemeClr val="accent1">
-              <a:shade val="50000"/>
-            </a:schemeClr>
-          </a:lnRef>
-          <a:fillRef idx="1">
-            <a:schemeClr val="accent1"/>
-          </a:fillRef>
-          <a:effectRef idx="0">
-            <a:schemeClr val="accent1"/>
-          </a:effectRef>
-          <a:fontRef idx="minor">
-            <a:schemeClr val="lt1"/>
-          </a:fontRef>
-        </p:style>
-        <p:txBody>
-          <a:bodyPr rtlCol="0" anchor="ctr"/>
-          <a:lstStyle/>
-          <a:p>
-            <a:pPr algn="ctr"/>
-            <a:endParaRPr lang="en-US"/>
-          </a:p>
-        </p:txBody>
-      </p:sp>
-      <p:sp>
-        <p:nvSpPr>
-          <p:cNvPr id="125" name="Oval 124">
-            <a:extLst>
-              <a:ext uri="{FF2B5EF4-FFF2-40B4-BE49-F238E27FC236}">
-                <a16:creationId xmlns:a16="http://schemas.microsoft.com/office/drawing/2014/main" id="{F16AC2EE-9CAC-4676-ADB0-D222C604B50B}"/>
-              </a:ext>
-            </a:extLst>
-          </p:cNvPr>
-          <p:cNvSpPr/>
-          <p:nvPr/>
-        </p:nvSpPr>
-        <p:spPr>
-          <a:xfrm>
-            <a:off x="3371510" y="16802473"/>
-            <a:ext cx="365760" cy="365760"/>
-          </a:xfrm>
-          <a:prstGeom prst="ellipse">
-            <a:avLst/>
-          </a:prstGeom>
-          <a:solidFill>
-            <a:srgbClr val="4472C4"/>
-          </a:solidFill>
-          <a:ln>
-            <a:noFill/>
-          </a:ln>
-        </p:spPr>
-        <p:style>
-          <a:lnRef idx="2">
-            <a:schemeClr val="accent1">
-              <a:shade val="50000"/>
-            </a:schemeClr>
-          </a:lnRef>
-          <a:fillRef idx="1">
-            <a:schemeClr val="accent1"/>
-          </a:fillRef>
-          <a:effectRef idx="0">
-            <a:schemeClr val="accent1"/>
-          </a:effectRef>
-          <a:fontRef idx="minor">
-            <a:schemeClr val="lt1"/>
-          </a:fontRef>
-        </p:style>
-        <p:txBody>
-          <a:bodyPr rtlCol="0" anchor="ctr"/>
-          <a:lstStyle/>
-          <a:p>
-            <a:pPr algn="ctr"/>
-            <a:endParaRPr lang="en-US"/>
-          </a:p>
-        </p:txBody>
-      </p:sp>
-      <p:sp>
-        <p:nvSpPr>
-          <p:cNvPr id="126" name="Oval 125">
-            <a:extLst>
-              <a:ext uri="{FF2B5EF4-FFF2-40B4-BE49-F238E27FC236}">
-                <a16:creationId xmlns:a16="http://schemas.microsoft.com/office/drawing/2014/main" id="{67AE4602-0E59-43C6-8B14-D5DA50BFDA45}"/>
-              </a:ext>
-            </a:extLst>
-          </p:cNvPr>
-          <p:cNvSpPr/>
-          <p:nvPr/>
-        </p:nvSpPr>
-        <p:spPr>
-          <a:xfrm>
-            <a:off x="4310319" y="16802473"/>
-            <a:ext cx="365760" cy="365760"/>
-          </a:xfrm>
-          <a:prstGeom prst="ellipse">
-            <a:avLst/>
-          </a:prstGeom>
-          <a:solidFill>
-            <a:srgbClr val="4472C4"/>
-          </a:solidFill>
-          <a:ln>
-            <a:noFill/>
-          </a:ln>
-        </p:spPr>
-        <p:style>
-          <a:lnRef idx="2">
-            <a:schemeClr val="accent1">
-              <a:shade val="50000"/>
-            </a:schemeClr>
-          </a:lnRef>
-          <a:fillRef idx="1">
-            <a:schemeClr val="accent1"/>
-          </a:fillRef>
-          <a:effectRef idx="0">
-            <a:schemeClr val="accent1"/>
-          </a:effectRef>
-          <a:fontRef idx="minor">
-            <a:schemeClr val="lt1"/>
-          </a:fontRef>
-        </p:style>
-        <p:txBody>
-          <a:bodyPr rtlCol="0" anchor="ctr"/>
-          <a:lstStyle/>
-          <a:p>
-            <a:pPr algn="ctr"/>
-            <a:endParaRPr lang="en-US"/>
-          </a:p>
-        </p:txBody>
-      </p:sp>
-      <p:sp>
-        <p:nvSpPr>
-          <p:cNvPr id="127" name="Oval 126">
-            <a:extLst>
-              <a:ext uri="{FF2B5EF4-FFF2-40B4-BE49-F238E27FC236}">
-                <a16:creationId xmlns:a16="http://schemas.microsoft.com/office/drawing/2014/main" id="{413F38B4-B84A-40D2-A133-B1E7542DE38D}"/>
-              </a:ext>
-            </a:extLst>
-          </p:cNvPr>
-          <p:cNvSpPr/>
-          <p:nvPr/>
-        </p:nvSpPr>
-        <p:spPr>
-          <a:xfrm>
-            <a:off x="5249128" y="16802473"/>
-            <a:ext cx="365760" cy="365760"/>
-          </a:xfrm>
-          <a:prstGeom prst="ellipse">
-            <a:avLst/>
-          </a:prstGeom>
-          <a:solidFill>
-            <a:srgbClr val="4472C4"/>
-          </a:solidFill>
-          <a:ln>
-            <a:noFill/>
-          </a:ln>
-        </p:spPr>
-        <p:style>
-          <a:lnRef idx="2">
-            <a:schemeClr val="accent1">
-              <a:shade val="50000"/>
-            </a:schemeClr>
-          </a:lnRef>
-          <a:fillRef idx="1">
-            <a:schemeClr val="accent1"/>
-          </a:fillRef>
-          <a:effectRef idx="0">
-            <a:schemeClr val="accent1"/>
-          </a:effectRef>
-          <a:fontRef idx="minor">
-            <a:schemeClr val="lt1"/>
-          </a:fontRef>
-        </p:style>
-        <p:txBody>
-          <a:bodyPr rtlCol="0" anchor="ctr"/>
-          <a:lstStyle/>
-          <a:p>
-            <a:pPr algn="ctr"/>
-            <a:endParaRPr lang="en-US"/>
-          </a:p>
-        </p:txBody>
-      </p:sp>
-      <p:sp>
-        <p:nvSpPr>
-          <p:cNvPr id="128" name="Oval 127">
-            <a:extLst>
-              <a:ext uri="{FF2B5EF4-FFF2-40B4-BE49-F238E27FC236}">
-                <a16:creationId xmlns:a16="http://schemas.microsoft.com/office/drawing/2014/main" id="{3AF9B64C-E9BF-4FDA-A79F-B05F44C6096A}"/>
-              </a:ext>
-            </a:extLst>
-          </p:cNvPr>
-          <p:cNvSpPr/>
-          <p:nvPr/>
-        </p:nvSpPr>
-        <p:spPr>
-          <a:xfrm>
-            <a:off x="6534847" y="15726329"/>
-            <a:ext cx="365760" cy="365760"/>
-          </a:xfrm>
-          <a:prstGeom prst="ellipse">
-            <a:avLst/>
-          </a:prstGeom>
-          <a:solidFill>
-            <a:srgbClr val="4472C4"/>
-          </a:solidFill>
-          <a:ln>
-            <a:noFill/>
-          </a:ln>
-        </p:spPr>
-        <p:style>
-          <a:lnRef idx="2">
-            <a:schemeClr val="accent1">
-              <a:shade val="50000"/>
-            </a:schemeClr>
-          </a:lnRef>
-          <a:fillRef idx="1">
-            <a:schemeClr val="accent1"/>
-          </a:fillRef>
-          <a:effectRef idx="0">
-            <a:schemeClr val="accent1"/>
-          </a:effectRef>
-          <a:fontRef idx="minor">
-            <a:schemeClr val="lt1"/>
-          </a:fontRef>
-        </p:style>
-        <p:txBody>
-          <a:bodyPr rtlCol="0" anchor="ctr"/>
-          <a:lstStyle/>
-          <a:p>
-            <a:pPr algn="ctr"/>
-            <a:endParaRPr lang="en-US"/>
-          </a:p>
-        </p:txBody>
-      </p:sp>
-      <p:sp>
-        <p:nvSpPr>
-          <p:cNvPr id="129" name="Oval 128">
-            <a:extLst>
-              <a:ext uri="{FF2B5EF4-FFF2-40B4-BE49-F238E27FC236}">
-                <a16:creationId xmlns:a16="http://schemas.microsoft.com/office/drawing/2014/main" id="{F53B3FFC-05DA-4F31-9FA5-2197B1CF52FC}"/>
-              </a:ext>
-            </a:extLst>
-          </p:cNvPr>
-          <p:cNvSpPr/>
-          <p:nvPr/>
-        </p:nvSpPr>
-        <p:spPr>
-          <a:xfrm>
-            <a:off x="7029725" y="15726329"/>
-            <a:ext cx="365760" cy="365760"/>
-          </a:xfrm>
-          <a:prstGeom prst="ellipse">
-            <a:avLst/>
-          </a:prstGeom>
-          <a:solidFill>
-            <a:srgbClr val="4472C4"/>
-          </a:solidFill>
-          <a:ln>
-            <a:noFill/>
-          </a:ln>
-        </p:spPr>
-        <p:style>
-          <a:lnRef idx="2">
-            <a:schemeClr val="accent1">
-              <a:shade val="50000"/>
-            </a:schemeClr>
-          </a:lnRef>
-          <a:fillRef idx="1">
-            <a:schemeClr val="accent1"/>
-          </a:fillRef>
-          <a:effectRef idx="0">
-            <a:schemeClr val="accent1"/>
-          </a:effectRef>
-          <a:fontRef idx="minor">
-            <a:schemeClr val="lt1"/>
-          </a:fontRef>
-        </p:style>
-        <p:txBody>
-          <a:bodyPr rtlCol="0" anchor="ctr"/>
-          <a:lstStyle/>
-          <a:p>
-            <a:pPr algn="ctr"/>
-            <a:endParaRPr lang="en-US"/>
-          </a:p>
-        </p:txBody>
-      </p:sp>
-      <p:sp>
-        <p:nvSpPr>
-          <p:cNvPr id="130" name="Oval 129">
-            <a:extLst>
-              <a:ext uri="{FF2B5EF4-FFF2-40B4-BE49-F238E27FC236}">
-                <a16:creationId xmlns:a16="http://schemas.microsoft.com/office/drawing/2014/main" id="{28827393-5663-4809-89C2-7F3449AE8BC6}"/>
-              </a:ext>
-            </a:extLst>
-          </p:cNvPr>
-          <p:cNvSpPr/>
-          <p:nvPr/>
-        </p:nvSpPr>
-        <p:spPr>
-          <a:xfrm>
-            <a:off x="7524603" y="15726329"/>
-            <a:ext cx="365760" cy="365760"/>
-          </a:xfrm>
-          <a:prstGeom prst="ellipse">
-            <a:avLst/>
-          </a:prstGeom>
-          <a:solidFill>
-            <a:srgbClr val="4472C4"/>
-          </a:solidFill>
-          <a:ln>
-            <a:noFill/>
-          </a:ln>
-        </p:spPr>
-        <p:style>
-          <a:lnRef idx="2">
-            <a:schemeClr val="accent1">
-              <a:shade val="50000"/>
-            </a:schemeClr>
-          </a:lnRef>
-          <a:fillRef idx="1">
-            <a:schemeClr val="accent1"/>
-          </a:fillRef>
-          <a:effectRef idx="0">
-            <a:schemeClr val="accent1"/>
-          </a:effectRef>
-          <a:fontRef idx="minor">
-            <a:schemeClr val="lt1"/>
-          </a:fontRef>
-        </p:style>
-        <p:txBody>
-          <a:bodyPr rtlCol="0" anchor="ctr"/>
-          <a:lstStyle/>
-          <a:p>
-            <a:pPr algn="ctr"/>
-            <a:endParaRPr lang="en-US"/>
-          </a:p>
-        </p:txBody>
-      </p:sp>
-      <p:sp>
-        <p:nvSpPr>
-          <p:cNvPr id="131" name="Oval 130">
-            <a:extLst>
-              <a:ext uri="{FF2B5EF4-FFF2-40B4-BE49-F238E27FC236}">
-                <a16:creationId xmlns:a16="http://schemas.microsoft.com/office/drawing/2014/main" id="{32A50CFB-576F-4E12-A705-84EDB6C0F36D}"/>
-              </a:ext>
-            </a:extLst>
-          </p:cNvPr>
-          <p:cNvSpPr/>
-          <p:nvPr/>
-        </p:nvSpPr>
-        <p:spPr>
-          <a:xfrm>
-            <a:off x="6534847" y="16264401"/>
-            <a:ext cx="365760" cy="365760"/>
-          </a:xfrm>
-          <a:prstGeom prst="ellipse">
-            <a:avLst/>
-          </a:prstGeom>
-          <a:solidFill>
-            <a:srgbClr val="4472C4"/>
-          </a:solidFill>
-          <a:ln>
-            <a:noFill/>
-          </a:ln>
-        </p:spPr>
-        <p:style>
-          <a:lnRef idx="2">
-            <a:schemeClr val="accent1">
-              <a:shade val="50000"/>
-            </a:schemeClr>
-          </a:lnRef>
-          <a:fillRef idx="1">
-            <a:schemeClr val="accent1"/>
-          </a:fillRef>
-          <a:effectRef idx="0">
-            <a:schemeClr val="accent1"/>
-          </a:effectRef>
-          <a:fontRef idx="minor">
-            <a:schemeClr val="lt1"/>
-          </a:fontRef>
-        </p:style>
-        <p:txBody>
-          <a:bodyPr rtlCol="0" anchor="ctr"/>
-          <a:lstStyle/>
-          <a:p>
-            <a:pPr algn="ctr"/>
-            <a:endParaRPr lang="en-US"/>
-          </a:p>
-        </p:txBody>
-      </p:sp>
-      <p:sp>
-        <p:nvSpPr>
-          <p:cNvPr id="132" name="Oval 131">
-            <a:extLst>
-              <a:ext uri="{FF2B5EF4-FFF2-40B4-BE49-F238E27FC236}">
-                <a16:creationId xmlns:a16="http://schemas.microsoft.com/office/drawing/2014/main" id="{29CC9A76-FA6A-4A1A-812E-5FB6D4386E63}"/>
-              </a:ext>
-            </a:extLst>
-          </p:cNvPr>
-          <p:cNvSpPr/>
-          <p:nvPr/>
-        </p:nvSpPr>
-        <p:spPr>
-          <a:xfrm>
-            <a:off x="7029725" y="16264401"/>
-            <a:ext cx="365760" cy="365760"/>
-          </a:xfrm>
-          <a:prstGeom prst="ellipse">
-            <a:avLst/>
-          </a:prstGeom>
-          <a:solidFill>
-            <a:srgbClr val="4472C4"/>
-          </a:solidFill>
-          <a:ln>
-            <a:noFill/>
-          </a:ln>
-        </p:spPr>
-        <p:style>
-          <a:lnRef idx="2">
-            <a:schemeClr val="accent1">
-              <a:shade val="50000"/>
-            </a:schemeClr>
-          </a:lnRef>
-          <a:fillRef idx="1">
-            <a:schemeClr val="accent1"/>
-          </a:fillRef>
-          <a:effectRef idx="0">
-            <a:schemeClr val="accent1"/>
-          </a:effectRef>
-          <a:fontRef idx="minor">
-            <a:schemeClr val="lt1"/>
-          </a:fontRef>
-        </p:style>
-        <p:txBody>
-          <a:bodyPr rtlCol="0" anchor="ctr"/>
-          <a:lstStyle/>
-          <a:p>
-            <a:pPr algn="ctr"/>
-            <a:endParaRPr lang="en-US"/>
-          </a:p>
-        </p:txBody>
-      </p:sp>
-      <p:sp>
-        <p:nvSpPr>
-          <p:cNvPr id="133" name="Oval 132">
-            <a:extLst>
-              <a:ext uri="{FF2B5EF4-FFF2-40B4-BE49-F238E27FC236}">
-                <a16:creationId xmlns:a16="http://schemas.microsoft.com/office/drawing/2014/main" id="{FB8FABCB-3A3E-4EC3-8A7B-1D4C8045B09E}"/>
-              </a:ext>
-            </a:extLst>
-          </p:cNvPr>
-          <p:cNvSpPr/>
-          <p:nvPr/>
-        </p:nvSpPr>
-        <p:spPr>
-          <a:xfrm>
-            <a:off x="7524603" y="16264401"/>
-            <a:ext cx="365760" cy="365760"/>
-          </a:xfrm>
-          <a:prstGeom prst="ellipse">
-            <a:avLst/>
-          </a:prstGeom>
-          <a:solidFill>
-            <a:srgbClr val="4472C4"/>
-          </a:solidFill>
-          <a:ln>
-            <a:noFill/>
-          </a:ln>
-        </p:spPr>
-        <p:style>
-          <a:lnRef idx="2">
-            <a:schemeClr val="accent1">
-              <a:shade val="50000"/>
-            </a:schemeClr>
-          </a:lnRef>
-          <a:fillRef idx="1">
-            <a:schemeClr val="accent1"/>
-          </a:fillRef>
-          <a:effectRef idx="0">
-            <a:schemeClr val="accent1"/>
-          </a:effectRef>
-          <a:fontRef idx="minor">
-            <a:schemeClr val="lt1"/>
-          </a:fontRef>
-        </p:style>
-        <p:txBody>
-          <a:bodyPr rtlCol="0" anchor="ctr"/>
-          <a:lstStyle/>
-          <a:p>
-            <a:pPr algn="ctr"/>
-            <a:endParaRPr lang="en-US"/>
-          </a:p>
-        </p:txBody>
-      </p:sp>
-      <p:sp>
-        <p:nvSpPr>
-          <p:cNvPr id="134" name="Oval 133">
-            <a:extLst>
-              <a:ext uri="{FF2B5EF4-FFF2-40B4-BE49-F238E27FC236}">
-                <a16:creationId xmlns:a16="http://schemas.microsoft.com/office/drawing/2014/main" id="{90C9BD4E-85D6-4857-B7CD-1BF32020737C}"/>
-              </a:ext>
-            </a:extLst>
-          </p:cNvPr>
-          <p:cNvSpPr/>
-          <p:nvPr/>
-        </p:nvSpPr>
-        <p:spPr>
-          <a:xfrm>
-            <a:off x="6534847" y="16802473"/>
-            <a:ext cx="365760" cy="365760"/>
-          </a:xfrm>
-          <a:prstGeom prst="ellipse">
-            <a:avLst/>
-          </a:prstGeom>
-          <a:solidFill>
-            <a:srgbClr val="4472C4"/>
-          </a:solidFill>
-          <a:ln>
-            <a:noFill/>
-          </a:ln>
-        </p:spPr>
-        <p:style>
-          <a:lnRef idx="2">
-            <a:schemeClr val="accent1">
-              <a:shade val="50000"/>
-            </a:schemeClr>
-          </a:lnRef>
-          <a:fillRef idx="1">
-            <a:schemeClr val="accent1"/>
-          </a:fillRef>
-          <a:effectRef idx="0">
-            <a:schemeClr val="accent1"/>
-          </a:effectRef>
-          <a:fontRef idx="minor">
-            <a:schemeClr val="lt1"/>
-          </a:fontRef>
-        </p:style>
-        <p:txBody>
-          <a:bodyPr rtlCol="0" anchor="ctr"/>
-          <a:lstStyle/>
-          <a:p>
-            <a:pPr algn="ctr"/>
-            <a:endParaRPr lang="en-US"/>
-          </a:p>
-        </p:txBody>
-      </p:sp>
-      <p:sp>
-        <p:nvSpPr>
-          <p:cNvPr id="135" name="Oval 134">
-            <a:extLst>
-              <a:ext uri="{FF2B5EF4-FFF2-40B4-BE49-F238E27FC236}">
-                <a16:creationId xmlns:a16="http://schemas.microsoft.com/office/drawing/2014/main" id="{6FC22DF2-9221-40B4-9430-FCFB7ABBDBD9}"/>
-              </a:ext>
-            </a:extLst>
-          </p:cNvPr>
-          <p:cNvSpPr/>
-          <p:nvPr/>
-        </p:nvSpPr>
-        <p:spPr>
-          <a:xfrm>
-            <a:off x="7029725" y="16802473"/>
-            <a:ext cx="365760" cy="365760"/>
-          </a:xfrm>
-          <a:prstGeom prst="ellipse">
-            <a:avLst/>
-          </a:prstGeom>
-          <a:solidFill>
-            <a:srgbClr val="4472C4"/>
-          </a:solidFill>
-          <a:ln>
-            <a:noFill/>
-          </a:ln>
-        </p:spPr>
-        <p:style>
-          <a:lnRef idx="2">
-            <a:schemeClr val="accent1">
-              <a:shade val="50000"/>
-            </a:schemeClr>
-          </a:lnRef>
-          <a:fillRef idx="1">
-            <a:schemeClr val="accent1"/>
-          </a:fillRef>
-          <a:effectRef idx="0">
-            <a:schemeClr val="accent1"/>
-          </a:effectRef>
-          <a:fontRef idx="minor">
-            <a:schemeClr val="lt1"/>
-          </a:fontRef>
-        </p:style>
-        <p:txBody>
-          <a:bodyPr rtlCol="0" anchor="ctr"/>
-          <a:lstStyle/>
-          <a:p>
-            <a:pPr algn="ctr"/>
-            <a:endParaRPr lang="en-US"/>
-          </a:p>
-        </p:txBody>
-      </p:sp>
-      <p:sp>
-        <p:nvSpPr>
-          <p:cNvPr id="136" name="Oval 135">
-            <a:extLst>
-              <a:ext uri="{FF2B5EF4-FFF2-40B4-BE49-F238E27FC236}">
-                <a16:creationId xmlns:a16="http://schemas.microsoft.com/office/drawing/2014/main" id="{3807C08C-162C-455E-9A4C-E5830E8BDB5D}"/>
-              </a:ext>
-            </a:extLst>
-          </p:cNvPr>
-          <p:cNvSpPr/>
-          <p:nvPr/>
-        </p:nvSpPr>
-        <p:spPr>
-          <a:xfrm>
-            <a:off x="7524603" y="16802473"/>
-            <a:ext cx="365760" cy="365760"/>
-          </a:xfrm>
-          <a:prstGeom prst="ellipse">
-            <a:avLst/>
-          </a:prstGeom>
-          <a:solidFill>
-            <a:srgbClr val="4472C4"/>
-          </a:solidFill>
-          <a:ln>
-            <a:noFill/>
-          </a:ln>
-        </p:spPr>
-        <p:style>
-          <a:lnRef idx="2">
-            <a:schemeClr val="accent1">
-              <a:shade val="50000"/>
-            </a:schemeClr>
-          </a:lnRef>
-          <a:fillRef idx="1">
-            <a:schemeClr val="accent1"/>
-          </a:fillRef>
-          <a:effectRef idx="0">
-            <a:schemeClr val="accent1"/>
-          </a:effectRef>
-          <a:fontRef idx="minor">
-            <a:schemeClr val="lt1"/>
-          </a:fontRef>
-        </p:style>
-        <p:txBody>
-          <a:bodyPr rtlCol="0" anchor="ctr"/>
-          <a:lstStyle/>
-          <a:p>
-            <a:pPr algn="ctr"/>
-            <a:endParaRPr lang="en-US"/>
-          </a:p>
-        </p:txBody>
-      </p:sp>
-      <p:cxnSp>
-        <p:nvCxnSpPr>
-          <p:cNvPr id="137" name="Straight Connector 136">
-            <a:extLst>
-              <a:ext uri="{FF2B5EF4-FFF2-40B4-BE49-F238E27FC236}">
-                <a16:creationId xmlns:a16="http://schemas.microsoft.com/office/drawing/2014/main" id="{83645AA0-8E2B-4EF5-A7AC-990416EA7A52}"/>
-              </a:ext>
-            </a:extLst>
-          </p:cNvPr>
-          <p:cNvCxnSpPr>
-            <a:cxnSpLocks/>
-          </p:cNvCxnSpPr>
-          <p:nvPr/>
-        </p:nvCxnSpPr>
-        <p:spPr>
-          <a:xfrm>
-            <a:off x="6612524" y="15888351"/>
-            <a:ext cx="1094959" cy="10904"/>
-          </a:xfrm>
-          <a:prstGeom prst="line">
-            <a:avLst/>
-          </a:prstGeom>
-          <a:ln w="38100"/>
-        </p:spPr>
-        <p:style>
-          <a:lnRef idx="1">
-            <a:schemeClr val="accent1"/>
-          </a:lnRef>
-          <a:fillRef idx="0">
-            <a:schemeClr val="accent1"/>
-          </a:fillRef>
-          <a:effectRef idx="0">
-            <a:schemeClr val="accent1"/>
-          </a:effectRef>
-          <a:fontRef idx="minor">
-            <a:schemeClr val="tx1"/>
-          </a:fontRef>
-        </p:style>
-      </p:cxnSp>
-      <p:cxnSp>
-        <p:nvCxnSpPr>
-          <p:cNvPr id="138" name="Straight Connector 137">
-            <a:extLst>
-              <a:ext uri="{FF2B5EF4-FFF2-40B4-BE49-F238E27FC236}">
-                <a16:creationId xmlns:a16="http://schemas.microsoft.com/office/drawing/2014/main" id="{CA51C038-7D6B-48E5-977D-B4F13B38548F}"/>
-              </a:ext>
-            </a:extLst>
-          </p:cNvPr>
-          <p:cNvCxnSpPr>
-            <a:cxnSpLocks/>
-          </p:cNvCxnSpPr>
-          <p:nvPr/>
-        </p:nvCxnSpPr>
-        <p:spPr>
-          <a:xfrm>
-            <a:off x="6596483" y="16448230"/>
-            <a:ext cx="1076575" cy="0"/>
-          </a:xfrm>
-          <a:prstGeom prst="line">
-            <a:avLst/>
-          </a:prstGeom>
-          <a:ln w="38100"/>
-        </p:spPr>
-        <p:style>
-          <a:lnRef idx="1">
-            <a:schemeClr val="accent1"/>
-          </a:lnRef>
-          <a:fillRef idx="0">
-            <a:schemeClr val="accent1"/>
-          </a:fillRef>
-          <a:effectRef idx="0">
-            <a:schemeClr val="accent1"/>
-          </a:effectRef>
-          <a:fontRef idx="minor">
-            <a:schemeClr val="tx1"/>
-          </a:fontRef>
-        </p:style>
-      </p:cxnSp>
-      <p:cxnSp>
-        <p:nvCxnSpPr>
-          <p:cNvPr id="139" name="Straight Connector 138">
-            <a:extLst>
-              <a:ext uri="{FF2B5EF4-FFF2-40B4-BE49-F238E27FC236}">
-                <a16:creationId xmlns:a16="http://schemas.microsoft.com/office/drawing/2014/main" id="{D8E0DFA2-368D-4C95-9605-B2180668E822}"/>
-              </a:ext>
-            </a:extLst>
-          </p:cNvPr>
-          <p:cNvCxnSpPr>
-            <a:cxnSpLocks/>
-          </p:cNvCxnSpPr>
-          <p:nvPr/>
-        </p:nvCxnSpPr>
-        <p:spPr>
-          <a:xfrm>
-            <a:off x="6689260" y="16997206"/>
-            <a:ext cx="1004503" cy="0"/>
-          </a:xfrm>
-          <a:prstGeom prst="line">
-            <a:avLst/>
-          </a:prstGeom>
-          <a:ln w="38100"/>
-        </p:spPr>
-        <p:style>
-          <a:lnRef idx="1">
-            <a:schemeClr val="accent1"/>
-          </a:lnRef>
-          <a:fillRef idx="0">
-            <a:schemeClr val="accent1"/>
-          </a:fillRef>
-          <a:effectRef idx="0">
-            <a:schemeClr val="accent1"/>
-          </a:effectRef>
-          <a:fontRef idx="minor">
-            <a:schemeClr val="tx1"/>
-          </a:fontRef>
-        </p:style>
-      </p:cxnSp>
-      <p:sp>
-        <p:nvSpPr>
-          <p:cNvPr id="147" name="Oval 146">
-            <a:extLst>
-              <a:ext uri="{FF2B5EF4-FFF2-40B4-BE49-F238E27FC236}">
-                <a16:creationId xmlns:a16="http://schemas.microsoft.com/office/drawing/2014/main" id="{27209F24-40AA-4738-B136-46E8E620D9F6}"/>
-              </a:ext>
-            </a:extLst>
-          </p:cNvPr>
-          <p:cNvSpPr/>
-          <p:nvPr/>
-        </p:nvSpPr>
-        <p:spPr>
-          <a:xfrm>
-            <a:off x="8837985" y="15726329"/>
-            <a:ext cx="365760" cy="365760"/>
-          </a:xfrm>
-          <a:prstGeom prst="ellipse">
-            <a:avLst/>
-          </a:prstGeom>
-          <a:solidFill>
-            <a:srgbClr val="4472C4"/>
-          </a:solidFill>
-          <a:ln>
-            <a:noFill/>
-          </a:ln>
-        </p:spPr>
-        <p:style>
-          <a:lnRef idx="2">
-            <a:schemeClr val="accent1">
-              <a:shade val="50000"/>
-            </a:schemeClr>
-          </a:lnRef>
-          <a:fillRef idx="1">
-            <a:schemeClr val="accent1"/>
-          </a:fillRef>
-          <a:effectRef idx="0">
-            <a:schemeClr val="accent1"/>
-          </a:effectRef>
-          <a:fontRef idx="minor">
-            <a:schemeClr val="lt1"/>
-          </a:fontRef>
-        </p:style>
-        <p:txBody>
-          <a:bodyPr rtlCol="0" anchor="ctr"/>
-          <a:lstStyle/>
-          <a:p>
-            <a:pPr algn="ctr"/>
-            <a:endParaRPr lang="en-US"/>
-          </a:p>
-        </p:txBody>
-      </p:sp>
-      <p:sp>
-        <p:nvSpPr>
-          <p:cNvPr id="148" name="Oval 147">
-            <a:extLst>
-              <a:ext uri="{FF2B5EF4-FFF2-40B4-BE49-F238E27FC236}">
-                <a16:creationId xmlns:a16="http://schemas.microsoft.com/office/drawing/2014/main" id="{738527D5-4BD0-4710-B8EE-12AE0A6F467D}"/>
-              </a:ext>
-            </a:extLst>
-          </p:cNvPr>
-          <p:cNvSpPr/>
-          <p:nvPr/>
-        </p:nvSpPr>
-        <p:spPr>
-          <a:xfrm>
-            <a:off x="9332863" y="15726329"/>
-            <a:ext cx="365760" cy="365760"/>
-          </a:xfrm>
-          <a:prstGeom prst="ellipse">
-            <a:avLst/>
-          </a:prstGeom>
-          <a:solidFill>
-            <a:srgbClr val="4472C4"/>
-          </a:solidFill>
-          <a:ln>
-            <a:noFill/>
-          </a:ln>
-        </p:spPr>
-        <p:style>
-          <a:lnRef idx="2">
-            <a:schemeClr val="accent1">
-              <a:shade val="50000"/>
-            </a:schemeClr>
-          </a:lnRef>
-          <a:fillRef idx="1">
-            <a:schemeClr val="accent1"/>
-          </a:fillRef>
-          <a:effectRef idx="0">
-            <a:schemeClr val="accent1"/>
-          </a:effectRef>
-          <a:fontRef idx="minor">
-            <a:schemeClr val="lt1"/>
-          </a:fontRef>
-        </p:style>
-        <p:txBody>
-          <a:bodyPr rtlCol="0" anchor="ctr"/>
-          <a:lstStyle/>
-          <a:p>
-            <a:pPr algn="ctr"/>
-            <a:endParaRPr lang="en-US"/>
-          </a:p>
-        </p:txBody>
-      </p:sp>
-      <p:sp>
-        <p:nvSpPr>
-          <p:cNvPr id="149" name="Oval 148">
-            <a:extLst>
-              <a:ext uri="{FF2B5EF4-FFF2-40B4-BE49-F238E27FC236}">
-                <a16:creationId xmlns:a16="http://schemas.microsoft.com/office/drawing/2014/main" id="{2E110943-24CE-464E-99E4-47312B2E4B0E}"/>
-              </a:ext>
-            </a:extLst>
-          </p:cNvPr>
-          <p:cNvSpPr/>
-          <p:nvPr/>
-        </p:nvSpPr>
-        <p:spPr>
-          <a:xfrm>
-            <a:off x="9827741" y="15726329"/>
-            <a:ext cx="365760" cy="365760"/>
-          </a:xfrm>
-          <a:prstGeom prst="ellipse">
-            <a:avLst/>
-          </a:prstGeom>
-          <a:solidFill>
-            <a:srgbClr val="4472C4"/>
-          </a:solidFill>
-          <a:ln>
-            <a:noFill/>
-          </a:ln>
-        </p:spPr>
-        <p:style>
-          <a:lnRef idx="2">
-            <a:schemeClr val="accent1">
-              <a:shade val="50000"/>
-            </a:schemeClr>
-          </a:lnRef>
-          <a:fillRef idx="1">
-            <a:schemeClr val="accent1"/>
-          </a:fillRef>
-          <a:effectRef idx="0">
-            <a:schemeClr val="accent1"/>
-          </a:effectRef>
-          <a:fontRef idx="minor">
-            <a:schemeClr val="lt1"/>
-          </a:fontRef>
-        </p:style>
-        <p:txBody>
-          <a:bodyPr rtlCol="0" anchor="ctr"/>
-          <a:lstStyle/>
-          <a:p>
-            <a:pPr algn="ctr"/>
-            <a:endParaRPr lang="en-US"/>
-          </a:p>
-        </p:txBody>
-      </p:sp>
-      <p:sp>
-        <p:nvSpPr>
-          <p:cNvPr id="150" name="Oval 149">
-            <a:extLst>
-              <a:ext uri="{FF2B5EF4-FFF2-40B4-BE49-F238E27FC236}">
-                <a16:creationId xmlns:a16="http://schemas.microsoft.com/office/drawing/2014/main" id="{73CDDB13-0DFF-4C5A-BAE4-7D20288C06DB}"/>
-              </a:ext>
-            </a:extLst>
-          </p:cNvPr>
-          <p:cNvSpPr/>
-          <p:nvPr/>
-        </p:nvSpPr>
-        <p:spPr>
-          <a:xfrm>
-            <a:off x="8837985" y="16264401"/>
-            <a:ext cx="365760" cy="365760"/>
-          </a:xfrm>
-          <a:prstGeom prst="ellipse">
-            <a:avLst/>
-          </a:prstGeom>
-          <a:solidFill>
-            <a:srgbClr val="4472C4"/>
-          </a:solidFill>
-          <a:ln>
-            <a:noFill/>
-          </a:ln>
-        </p:spPr>
-        <p:style>
-          <a:lnRef idx="2">
-            <a:schemeClr val="accent1">
-              <a:shade val="50000"/>
-            </a:schemeClr>
-          </a:lnRef>
-          <a:fillRef idx="1">
-            <a:schemeClr val="accent1"/>
-          </a:fillRef>
-          <a:effectRef idx="0">
-            <a:schemeClr val="accent1"/>
-          </a:effectRef>
-          <a:fontRef idx="minor">
-            <a:schemeClr val="lt1"/>
-          </a:fontRef>
-        </p:style>
-        <p:txBody>
-          <a:bodyPr rtlCol="0" anchor="ctr"/>
-          <a:lstStyle/>
-          <a:p>
-            <a:pPr algn="ctr"/>
-            <a:endParaRPr lang="en-US"/>
-          </a:p>
-        </p:txBody>
-      </p:sp>
-      <p:sp>
-        <p:nvSpPr>
-          <p:cNvPr id="151" name="Oval 150">
-            <a:extLst>
-              <a:ext uri="{FF2B5EF4-FFF2-40B4-BE49-F238E27FC236}">
-                <a16:creationId xmlns:a16="http://schemas.microsoft.com/office/drawing/2014/main" id="{30BACD76-2948-4B58-ACBA-4220B7B935FA}"/>
-              </a:ext>
-            </a:extLst>
-          </p:cNvPr>
-          <p:cNvSpPr/>
-          <p:nvPr/>
-        </p:nvSpPr>
-        <p:spPr>
-          <a:xfrm>
-            <a:off x="9332863" y="16264401"/>
-            <a:ext cx="365760" cy="365760"/>
-          </a:xfrm>
-          <a:prstGeom prst="ellipse">
-            <a:avLst/>
-          </a:prstGeom>
-          <a:solidFill>
-            <a:srgbClr val="4472C4"/>
-          </a:solidFill>
-          <a:ln>
-            <a:noFill/>
-          </a:ln>
-        </p:spPr>
-        <p:style>
-          <a:lnRef idx="2">
-            <a:schemeClr val="accent1">
-              <a:shade val="50000"/>
-            </a:schemeClr>
-          </a:lnRef>
-          <a:fillRef idx="1">
-            <a:schemeClr val="accent1"/>
-          </a:fillRef>
-          <a:effectRef idx="0">
-            <a:schemeClr val="accent1"/>
-          </a:effectRef>
-          <a:fontRef idx="minor">
-            <a:schemeClr val="lt1"/>
-          </a:fontRef>
-        </p:style>
-        <p:txBody>
-          <a:bodyPr rtlCol="0" anchor="ctr"/>
-          <a:lstStyle/>
-          <a:p>
-            <a:pPr algn="ctr"/>
-            <a:endParaRPr lang="en-US"/>
-          </a:p>
-        </p:txBody>
-      </p:sp>
-      <p:sp>
-        <p:nvSpPr>
-          <p:cNvPr id="152" name="Oval 151">
-            <a:extLst>
-              <a:ext uri="{FF2B5EF4-FFF2-40B4-BE49-F238E27FC236}">
-                <a16:creationId xmlns:a16="http://schemas.microsoft.com/office/drawing/2014/main" id="{BD24E902-15E1-4AE1-B8DA-94D217EA0347}"/>
-              </a:ext>
-            </a:extLst>
-          </p:cNvPr>
-          <p:cNvSpPr/>
-          <p:nvPr/>
-        </p:nvSpPr>
-        <p:spPr>
-          <a:xfrm>
-            <a:off x="9827741" y="16264401"/>
-            <a:ext cx="365760" cy="365760"/>
-          </a:xfrm>
-          <a:prstGeom prst="ellipse">
-            <a:avLst/>
-          </a:prstGeom>
-          <a:solidFill>
-            <a:srgbClr val="4472C4"/>
-          </a:solidFill>
-          <a:ln>
-            <a:noFill/>
-          </a:ln>
-        </p:spPr>
-        <p:style>
-          <a:lnRef idx="2">
-            <a:schemeClr val="accent1">
-              <a:shade val="50000"/>
-            </a:schemeClr>
-          </a:lnRef>
-          <a:fillRef idx="1">
-            <a:schemeClr val="accent1"/>
-          </a:fillRef>
-          <a:effectRef idx="0">
-            <a:schemeClr val="accent1"/>
-          </a:effectRef>
-          <a:fontRef idx="minor">
-            <a:schemeClr val="lt1"/>
-          </a:fontRef>
-        </p:style>
-        <p:txBody>
-          <a:bodyPr rtlCol="0" anchor="ctr"/>
-          <a:lstStyle/>
-          <a:p>
-            <a:pPr algn="ctr"/>
-            <a:endParaRPr lang="en-US"/>
-          </a:p>
-        </p:txBody>
-      </p:sp>
-      <p:sp>
-        <p:nvSpPr>
-          <p:cNvPr id="153" name="Oval 152">
-            <a:extLst>
-              <a:ext uri="{FF2B5EF4-FFF2-40B4-BE49-F238E27FC236}">
-                <a16:creationId xmlns:a16="http://schemas.microsoft.com/office/drawing/2014/main" id="{F130EFF1-27D3-4605-95D2-5CB66A997BEE}"/>
-              </a:ext>
-            </a:extLst>
-          </p:cNvPr>
-          <p:cNvSpPr/>
-          <p:nvPr/>
-        </p:nvSpPr>
-        <p:spPr>
-          <a:xfrm>
-            <a:off x="8837985" y="16802473"/>
-            <a:ext cx="365760" cy="365760"/>
-          </a:xfrm>
-          <a:prstGeom prst="ellipse">
-            <a:avLst/>
-          </a:prstGeom>
-          <a:solidFill>
-            <a:srgbClr val="4472C4"/>
-          </a:solidFill>
-          <a:ln>
-            <a:noFill/>
-          </a:ln>
-        </p:spPr>
-        <p:style>
-          <a:lnRef idx="2">
-            <a:schemeClr val="accent1">
-              <a:shade val="50000"/>
-            </a:schemeClr>
-          </a:lnRef>
-          <a:fillRef idx="1">
-            <a:schemeClr val="accent1"/>
-          </a:fillRef>
-          <a:effectRef idx="0">
-            <a:schemeClr val="accent1"/>
-          </a:effectRef>
-          <a:fontRef idx="minor">
-            <a:schemeClr val="lt1"/>
-          </a:fontRef>
-        </p:style>
-        <p:txBody>
-          <a:bodyPr rtlCol="0" anchor="ctr"/>
-          <a:lstStyle/>
-          <a:p>
-            <a:pPr algn="ctr"/>
-            <a:endParaRPr lang="en-US"/>
-          </a:p>
-        </p:txBody>
-      </p:sp>
-      <p:sp>
-        <p:nvSpPr>
-          <p:cNvPr id="154" name="Oval 153">
-            <a:extLst>
-              <a:ext uri="{FF2B5EF4-FFF2-40B4-BE49-F238E27FC236}">
-                <a16:creationId xmlns:a16="http://schemas.microsoft.com/office/drawing/2014/main" id="{5D028210-5C4C-4598-8A3F-4465845C8646}"/>
-              </a:ext>
-            </a:extLst>
-          </p:cNvPr>
-          <p:cNvSpPr/>
-          <p:nvPr/>
-        </p:nvSpPr>
-        <p:spPr>
-          <a:xfrm>
-            <a:off x="9332863" y="16802473"/>
-            <a:ext cx="365760" cy="365760"/>
-          </a:xfrm>
-          <a:prstGeom prst="ellipse">
-            <a:avLst/>
-          </a:prstGeom>
-          <a:solidFill>
-            <a:srgbClr val="4472C4"/>
-          </a:solidFill>
-          <a:ln>
-            <a:noFill/>
-          </a:ln>
-        </p:spPr>
-        <p:style>
-          <a:lnRef idx="2">
-            <a:schemeClr val="accent1">
-              <a:shade val="50000"/>
-            </a:schemeClr>
-          </a:lnRef>
-          <a:fillRef idx="1">
-            <a:schemeClr val="accent1"/>
-          </a:fillRef>
-          <a:effectRef idx="0">
-            <a:schemeClr val="accent1"/>
-          </a:effectRef>
-          <a:fontRef idx="minor">
-            <a:schemeClr val="lt1"/>
-          </a:fontRef>
-        </p:style>
-        <p:txBody>
-          <a:bodyPr rtlCol="0" anchor="ctr"/>
-          <a:lstStyle/>
-          <a:p>
-            <a:pPr algn="ctr"/>
-            <a:endParaRPr lang="en-US"/>
-          </a:p>
-        </p:txBody>
-      </p:sp>
-      <p:sp>
-        <p:nvSpPr>
-          <p:cNvPr id="155" name="Oval 154">
-            <a:extLst>
-              <a:ext uri="{FF2B5EF4-FFF2-40B4-BE49-F238E27FC236}">
-                <a16:creationId xmlns:a16="http://schemas.microsoft.com/office/drawing/2014/main" id="{2110DFCF-8C8F-4B75-9304-CDE196BC2151}"/>
-              </a:ext>
-            </a:extLst>
-          </p:cNvPr>
-          <p:cNvSpPr/>
-          <p:nvPr/>
-        </p:nvSpPr>
-        <p:spPr>
-          <a:xfrm>
-            <a:off x="9827741" y="16802473"/>
-            <a:ext cx="365760" cy="365760"/>
-          </a:xfrm>
-          <a:prstGeom prst="ellipse">
-            <a:avLst/>
-          </a:prstGeom>
-          <a:solidFill>
-            <a:srgbClr val="4472C4"/>
-          </a:solidFill>
-          <a:ln>
-            <a:noFill/>
-          </a:ln>
-        </p:spPr>
-        <p:style>
-          <a:lnRef idx="2">
-            <a:schemeClr val="accent1">
-              <a:shade val="50000"/>
-            </a:schemeClr>
-          </a:lnRef>
-          <a:fillRef idx="1">
-            <a:schemeClr val="accent1"/>
-          </a:fillRef>
-          <a:effectRef idx="0">
-            <a:schemeClr val="accent1"/>
-          </a:effectRef>
-          <a:fontRef idx="minor">
-            <a:schemeClr val="lt1"/>
-          </a:fontRef>
-        </p:style>
-        <p:txBody>
-          <a:bodyPr rtlCol="0" anchor="ctr"/>
-          <a:lstStyle/>
-          <a:p>
-            <a:pPr algn="ctr"/>
-            <a:endParaRPr lang="en-US"/>
-          </a:p>
-        </p:txBody>
-      </p:sp>
-      <p:sp>
-        <p:nvSpPr>
-          <p:cNvPr id="1031" name="Rectangle 1030">
-            <a:extLst>
-              <a:ext uri="{FF2B5EF4-FFF2-40B4-BE49-F238E27FC236}">
-                <a16:creationId xmlns:a16="http://schemas.microsoft.com/office/drawing/2014/main" id="{31DD0E3D-03F6-4EB9-A7F9-BA4E507B8294}"/>
-              </a:ext>
-            </a:extLst>
-          </p:cNvPr>
-          <p:cNvSpPr/>
-          <p:nvPr/>
-        </p:nvSpPr>
-        <p:spPr>
-          <a:xfrm>
-            <a:off x="8785485" y="15726329"/>
-            <a:ext cx="437310" cy="1441904"/>
-          </a:xfrm>
-          <a:prstGeom prst="rect">
-            <a:avLst/>
-          </a:prstGeom>
-          <a:noFill/>
-          <a:ln>
-            <a:solidFill>
-              <a:schemeClr val="tx1"/>
-            </a:solidFill>
-          </a:ln>
-        </p:spPr>
-        <p:style>
-          <a:lnRef idx="2">
-            <a:schemeClr val="accent1">
-              <a:shade val="50000"/>
-            </a:schemeClr>
-          </a:lnRef>
-          <a:fillRef idx="1">
-            <a:schemeClr val="accent1"/>
-          </a:fillRef>
-          <a:effectRef idx="0">
-            <a:schemeClr val="accent1"/>
-          </a:effectRef>
-          <a:fontRef idx="minor">
-            <a:schemeClr val="lt1"/>
-          </a:fontRef>
-        </p:style>
-        <p:txBody>
-          <a:bodyPr rtlCol="0" anchor="ctr"/>
-          <a:lstStyle/>
-          <a:p>
-            <a:pPr algn="ctr"/>
-            <a:endParaRPr lang="en-US"/>
-          </a:p>
-        </p:txBody>
-      </p:sp>
-      <p:sp>
-        <p:nvSpPr>
-          <p:cNvPr id="160" name="Rectangle 159">
-            <a:extLst>
-              <a:ext uri="{FF2B5EF4-FFF2-40B4-BE49-F238E27FC236}">
-                <a16:creationId xmlns:a16="http://schemas.microsoft.com/office/drawing/2014/main" id="{34844FB9-F355-449B-9D31-03026980AFFB}"/>
-              </a:ext>
-            </a:extLst>
-          </p:cNvPr>
-          <p:cNvSpPr/>
-          <p:nvPr/>
-        </p:nvSpPr>
-        <p:spPr>
-          <a:xfrm>
-            <a:off x="9222795" y="15726329"/>
-            <a:ext cx="970706" cy="1441904"/>
-          </a:xfrm>
-          <a:prstGeom prst="rect">
-            <a:avLst/>
-          </a:prstGeom>
-          <a:noFill/>
-          <a:ln>
-            <a:solidFill>
-              <a:schemeClr val="tx1"/>
-            </a:solidFill>
-          </a:ln>
-        </p:spPr>
-        <p:style>
-          <a:lnRef idx="2">
-            <a:schemeClr val="accent1">
-              <a:shade val="50000"/>
-            </a:schemeClr>
-          </a:lnRef>
-          <a:fillRef idx="1">
-            <a:schemeClr val="accent1"/>
-          </a:fillRef>
-          <a:effectRef idx="0">
-            <a:schemeClr val="accent1"/>
-          </a:effectRef>
-          <a:fontRef idx="minor">
-            <a:schemeClr val="lt1"/>
-          </a:fontRef>
-        </p:style>
-        <p:txBody>
-          <a:bodyPr rtlCol="0" anchor="ctr"/>
-          <a:lstStyle/>
-          <a:p>
-            <a:pPr algn="ctr"/>
-            <a:endParaRPr lang="en-US"/>
-          </a:p>
-        </p:txBody>
-      </p:sp>
-      <p:sp>
-        <p:nvSpPr>
-          <p:cNvPr id="1032" name="TextBox 1031">
-            <a:extLst>
-              <a:ext uri="{FF2B5EF4-FFF2-40B4-BE49-F238E27FC236}">
-                <a16:creationId xmlns:a16="http://schemas.microsoft.com/office/drawing/2014/main" id="{FCB032C3-626B-418C-B2F5-649E3D54F213}"/>
-              </a:ext>
-            </a:extLst>
-          </p:cNvPr>
-          <p:cNvSpPr txBox="1"/>
-          <p:nvPr/>
-        </p:nvSpPr>
-        <p:spPr>
-          <a:xfrm>
-            <a:off x="898273" y="17377600"/>
-            <a:ext cx="2071401" cy="584775"/>
-          </a:xfrm>
-          <a:prstGeom prst="rect">
-            <a:avLst/>
-          </a:prstGeom>
-          <a:noFill/>
-        </p:spPr>
-        <p:txBody>
-          <a:bodyPr wrap="none" rtlCol="0">
-            <a:spAutoFit/>
-          </a:bodyPr>
-          <a:lstStyle/>
-          <a:p>
-            <a:r>
-              <a:rPr lang="en-US" sz="3200" dirty="0"/>
-              <a:t>SIMILARITY</a:t>
-            </a:r>
-          </a:p>
-        </p:txBody>
-      </p:sp>
-      <p:sp>
-        <p:nvSpPr>
-          <p:cNvPr id="162" name="TextBox 161">
-            <a:extLst>
-              <a:ext uri="{FF2B5EF4-FFF2-40B4-BE49-F238E27FC236}">
-                <a16:creationId xmlns:a16="http://schemas.microsoft.com/office/drawing/2014/main" id="{2F0FFE96-7F24-4AB3-94A3-863B38B80103}"/>
-              </a:ext>
-            </a:extLst>
-          </p:cNvPr>
-          <p:cNvSpPr txBox="1"/>
-          <p:nvPr/>
-        </p:nvSpPr>
-        <p:spPr>
-          <a:xfrm>
-            <a:off x="3469136" y="17389763"/>
-            <a:ext cx="2048125" cy="584775"/>
-          </a:xfrm>
-          <a:prstGeom prst="rect">
-            <a:avLst/>
-          </a:prstGeom>
-          <a:noFill/>
-        </p:spPr>
-        <p:txBody>
-          <a:bodyPr wrap="none" rtlCol="0">
-            <a:spAutoFit/>
-          </a:bodyPr>
-          <a:lstStyle/>
-          <a:p>
-            <a:r>
-              <a:rPr lang="en-US" sz="3200" dirty="0"/>
-              <a:t>PROXIMITY</a:t>
-            </a:r>
-          </a:p>
-        </p:txBody>
-      </p:sp>
-      <p:sp>
-        <p:nvSpPr>
-          <p:cNvPr id="163" name="TextBox 162">
-            <a:extLst>
-              <a:ext uri="{FF2B5EF4-FFF2-40B4-BE49-F238E27FC236}">
-                <a16:creationId xmlns:a16="http://schemas.microsoft.com/office/drawing/2014/main" id="{8060948C-447A-419F-AEB9-404239DA0425}"/>
-              </a:ext>
-            </a:extLst>
-          </p:cNvPr>
-          <p:cNvSpPr txBox="1"/>
-          <p:nvPr/>
-        </p:nvSpPr>
-        <p:spPr>
-          <a:xfrm>
-            <a:off x="6016723" y="17389763"/>
-            <a:ext cx="2460930" cy="584775"/>
-          </a:xfrm>
-          <a:prstGeom prst="rect">
-            <a:avLst/>
-          </a:prstGeom>
-          <a:noFill/>
-        </p:spPr>
-        <p:txBody>
-          <a:bodyPr wrap="none" rtlCol="0">
-            <a:spAutoFit/>
-          </a:bodyPr>
-          <a:lstStyle/>
-          <a:p>
-            <a:r>
-              <a:rPr lang="en-US" sz="3200" dirty="0"/>
-              <a:t>CONNECTION</a:t>
-            </a:r>
-          </a:p>
-        </p:txBody>
-      </p:sp>
-      <p:sp>
-        <p:nvSpPr>
-          <p:cNvPr id="164" name="TextBox 163">
-            <a:extLst>
-              <a:ext uri="{FF2B5EF4-FFF2-40B4-BE49-F238E27FC236}">
-                <a16:creationId xmlns:a16="http://schemas.microsoft.com/office/drawing/2014/main" id="{BB2408F2-0943-46D4-A6B9-84C1A3285283}"/>
-              </a:ext>
-            </a:extLst>
-          </p:cNvPr>
-          <p:cNvSpPr txBox="1"/>
-          <p:nvPr/>
-        </p:nvSpPr>
-        <p:spPr>
-          <a:xfrm>
-            <a:off x="8525182" y="17377599"/>
-            <a:ext cx="2180982" cy="584775"/>
-          </a:xfrm>
-          <a:prstGeom prst="rect">
-            <a:avLst/>
-          </a:prstGeom>
-          <a:noFill/>
-        </p:spPr>
-        <p:txBody>
-          <a:bodyPr wrap="none" rtlCol="0">
-            <a:spAutoFit/>
-          </a:bodyPr>
-          <a:lstStyle/>
-          <a:p>
-            <a:r>
-              <a:rPr lang="en-US" sz="3200" dirty="0"/>
-              <a:t>ENCLOSURE</a:t>
-            </a:r>
-          </a:p>
-        </p:txBody>
-      </p:sp>
+          </p:spPr>
+          <p:txBody>
+            <a:bodyPr wrap="none" rtlCol="0">
+              <a:spAutoFit/>
+            </a:bodyPr>
+            <a:lstStyle/>
+            <a:p>
+              <a:r>
+                <a:rPr lang="en-US" sz="3000" dirty="0"/>
+                <a:t>ENCLOSURE</a:t>
+              </a:r>
+            </a:p>
+          </p:txBody>
+        </p:sp>
+      </p:grpSp>
       <p:pic>
         <p:nvPicPr>
           <p:cNvPr id="167" name="Picture 166">
@@ -6431,8 +6469,8 @@
         </p:blipFill>
         <p:spPr>
           <a:xfrm>
-            <a:off x="17643754" y="2717890"/>
-            <a:ext cx="3328144" cy="2361909"/>
+            <a:off x="17475311" y="3364582"/>
+            <a:ext cx="3555890" cy="2523535"/>
           </a:xfrm>
           <a:prstGeom prst="rect">
             <a:avLst/>
@@ -6460,7 +6498,7 @@
         </p:blipFill>
         <p:spPr>
           <a:xfrm>
-            <a:off x="13112447" y="2770328"/>
+            <a:off x="12982104" y="3359870"/>
             <a:ext cx="2985782" cy="2107539"/>
           </a:xfrm>
           <a:prstGeom prst="rect">
@@ -6482,8 +6520,8 @@
         </p:nvSpPr>
         <p:spPr>
           <a:xfrm>
-            <a:off x="13206588" y="5220841"/>
-            <a:ext cx="7618831" cy="2123658"/>
+            <a:off x="12123296" y="8617893"/>
+            <a:ext cx="9131968" cy="2123658"/>
           </a:xfrm>
           <a:prstGeom prst="rect">
             <a:avLst/>
@@ -6495,10 +6533,9 @@
           </a:bodyPr>
           <a:lstStyle/>
           <a:p>
-            <a:pPr algn="ctr"/>
-            <a:r>
-              <a:rPr lang="en-US" sz="3200" u="sng" dirty="0"/>
-              <a:t>ggplot2</a:t>
+            <a:r>
+              <a:rPr lang="en-US" sz="3200" b="1" u="sng" dirty="0"/>
+              <a:t>R: ggplot2</a:t>
             </a:r>
           </a:p>
           <a:p>
@@ -6641,8 +6678,8 @@
         </p:nvSpPr>
         <p:spPr>
           <a:xfrm>
-            <a:off x="12208031" y="10101879"/>
-            <a:ext cx="9615946" cy="584775"/>
+            <a:off x="12123297" y="11122556"/>
+            <a:ext cx="9155554" cy="584775"/>
           </a:xfrm>
           <a:prstGeom prst="rect">
             <a:avLst/>
@@ -6654,9 +6691,8 @@
           </a:bodyPr>
           <a:lstStyle/>
           <a:p>
-            <a:pPr algn="ctr"/>
-            <a:r>
-              <a:rPr lang="en-US" sz="3200" u="sng" dirty="0"/>
+            <a:r>
+              <a:rPr lang="en-US" sz="3200" b="1" u="sng" dirty="0"/>
               <a:t>Tableau</a:t>
             </a:r>
           </a:p>
@@ -6676,20 +6712,24 @@
         </p:nvSpPr>
         <p:spPr>
           <a:xfrm>
-            <a:off x="5083480" y="1436216"/>
-            <a:ext cx="2238626" cy="830997"/>
+            <a:off x="734985" y="2325961"/>
+            <a:ext cx="10009215" cy="830997"/>
           </a:xfrm>
           <a:prstGeom prst="rect">
             <a:avLst/>
           </a:prstGeom>
           <a:noFill/>
+          <a:ln>
+            <a:noFill/>
+          </a:ln>
         </p:spPr>
         <p:txBody>
-          <a:bodyPr wrap="none" rtlCol="0">
+          <a:bodyPr wrap="square" rtlCol="0">
             <a:spAutoFit/>
           </a:bodyPr>
           <a:lstStyle/>
           <a:p>
+            <a:pPr algn="ctr"/>
             <a:r>
               <a:rPr lang="en-US" sz="4800" b="1" dirty="0"/>
               <a:t>THEORY</a:t>
@@ -6711,8 +6751,8 @@
         </p:nvSpPr>
         <p:spPr>
           <a:xfrm>
-            <a:off x="15426090" y="1491422"/>
-            <a:ext cx="3576620" cy="830997"/>
+            <a:off x="11705290" y="2369727"/>
+            <a:ext cx="10009215" cy="830997"/>
           </a:xfrm>
           <a:prstGeom prst="rect">
             <a:avLst/>
@@ -6720,11 +6760,12 @@
           <a:noFill/>
         </p:spPr>
         <p:txBody>
-          <a:bodyPr wrap="none" rtlCol="0">
+          <a:bodyPr wrap="square" rtlCol="0">
             <a:spAutoFit/>
           </a:bodyPr>
           <a:lstStyle/>
           <a:p>
+            <a:pPr algn="ctr"/>
             <a:r>
               <a:rPr lang="en-US" sz="4800" b="1" dirty="0"/>
               <a:t>APPLICATION</a:t>
@@ -6746,8 +6787,8 @@
         </p:nvSpPr>
         <p:spPr>
           <a:xfrm>
-            <a:off x="14165745" y="14475809"/>
-            <a:ext cx="6097310" cy="830997"/>
+            <a:off x="11681228" y="14437709"/>
+            <a:ext cx="10033277" cy="830997"/>
           </a:xfrm>
           <a:prstGeom prst="rect">
             <a:avLst/>
@@ -6755,14 +6796,15 @@
           <a:noFill/>
         </p:spPr>
         <p:txBody>
-          <a:bodyPr wrap="none" rtlCol="0">
+          <a:bodyPr wrap="square" rtlCol="0">
             <a:spAutoFit/>
           </a:bodyPr>
           <a:lstStyle/>
           <a:p>
+            <a:pPr algn="ctr"/>
             <a:r>
               <a:rPr lang="en-US" sz="4800" b="1" dirty="0"/>
-              <a:t>STUDENT ASSESSMENT</a:t>
+              <a:t>ASSESSMENT</a:t>
             </a:r>
           </a:p>
         </p:txBody>
@@ -6789,8 +6831,8 @@
         </p:blipFill>
         <p:spPr>
           <a:xfrm>
-            <a:off x="12421743" y="15758018"/>
-            <a:ext cx="2918985" cy="2071538"/>
+            <a:off x="12079897" y="15368547"/>
+            <a:ext cx="3434778" cy="2437585"/>
           </a:xfrm>
           <a:prstGeom prst="rect">
             <a:avLst/>
@@ -6811,8 +6853,8 @@
         </p:nvSpPr>
         <p:spPr>
           <a:xfrm>
-            <a:off x="15679539" y="15502942"/>
-            <a:ext cx="1816459" cy="2031325"/>
+            <a:off x="15717639" y="15369592"/>
+            <a:ext cx="1909497" cy="2031325"/>
           </a:xfrm>
           <a:prstGeom prst="rect">
             <a:avLst/>
@@ -6827,7 +6869,7 @@
           <a:p>
             <a:r>
               <a:rPr lang="en-US" u="sng" dirty="0"/>
-              <a:t>Specification</a:t>
+              <a:t>GoG Specification</a:t>
             </a:r>
           </a:p>
           <a:p>
@@ -6847,7 +6889,7 @@
             </a:pPr>
             <a:r>
               <a:rPr lang="en-US" dirty="0"/>
-              <a:t>X __</a:t>
+              <a:t>X ___</a:t>
             </a:r>
           </a:p>
           <a:p>
@@ -6857,7 +6899,7 @@
             </a:pPr>
             <a:r>
               <a:rPr lang="en-US" dirty="0"/>
-              <a:t>Y __</a:t>
+              <a:t>Y ___</a:t>
             </a:r>
           </a:p>
           <a:p>
@@ -6867,7 +6909,7 @@
             </a:pPr>
             <a:r>
               <a:rPr lang="en-US" dirty="0"/>
-              <a:t>Color __</a:t>
+              <a:t>Color ___</a:t>
             </a:r>
           </a:p>
           <a:p>
@@ -6877,7 +6919,7 @@
             </a:pPr>
             <a:r>
               <a:rPr lang="en-US" dirty="0"/>
-              <a:t>Shape __</a:t>
+              <a:t>Shape ___</a:t>
             </a:r>
           </a:p>
           <a:p>
@@ -6906,7 +6948,7 @@
         </p:nvSpPr>
         <p:spPr>
           <a:xfrm>
-            <a:off x="17842065" y="15501899"/>
+            <a:off x="17880165" y="15368549"/>
             <a:ext cx="1534842" cy="2031325"/>
           </a:xfrm>
           <a:prstGeom prst="rect">
@@ -7000,7 +7042,7 @@
         </p:nvSpPr>
         <p:spPr>
           <a:xfrm>
-            <a:off x="19307826" y="15501898"/>
+            <a:off x="19345926" y="15368548"/>
             <a:ext cx="2071400" cy="1477328"/>
           </a:xfrm>
           <a:prstGeom prst="rect">
@@ -7015,7 +7057,7 @@
           <a:p>
             <a:r>
               <a:rPr lang="en-US" u="sng" dirty="0"/>
-              <a:t>Grouping principles</a:t>
+              <a:t>Gestalt Grouping</a:t>
             </a:r>
           </a:p>
           <a:p>
@@ -7074,8 +7116,8 @@
         </p:nvSpPr>
         <p:spPr>
           <a:xfrm>
-            <a:off x="25243465" y="1491422"/>
-            <a:ext cx="5208605" cy="830997"/>
+            <a:off x="22637366" y="2313582"/>
+            <a:ext cx="10009216" cy="830997"/>
           </a:xfrm>
           <a:prstGeom prst="rect">
             <a:avLst/>
@@ -7083,112 +7125,15 @@
           <a:noFill/>
         </p:spPr>
         <p:txBody>
-          <a:bodyPr wrap="none" rtlCol="0">
+          <a:bodyPr wrap="square" rtlCol="0">
             <a:spAutoFit/>
           </a:bodyPr>
           <a:lstStyle/>
           <a:p>
+            <a:pPr algn="ctr"/>
             <a:r>
               <a:rPr lang="en-US" sz="4800" b="1" dirty="0"/>
-              <a:t>STUDENT PROJECTS</a:t>
-            </a:r>
-          </a:p>
-        </p:txBody>
-      </p:sp>
-      <p:sp>
-        <p:nvSpPr>
-          <p:cNvPr id="2" name="Rectangle 1">
-            <a:extLst>
-              <a:ext uri="{FF2B5EF4-FFF2-40B4-BE49-F238E27FC236}">
-                <a16:creationId xmlns:a16="http://schemas.microsoft.com/office/drawing/2014/main" id="{72FDF23F-B68F-44C5-BC40-CB6DBEED7C31}"/>
-              </a:ext>
-            </a:extLst>
-          </p:cNvPr>
-          <p:cNvSpPr/>
-          <p:nvPr/>
-        </p:nvSpPr>
-        <p:spPr>
-          <a:xfrm>
-            <a:off x="24448908" y="3504637"/>
-            <a:ext cx="2743200" cy="1788678"/>
-          </a:xfrm>
-          <a:prstGeom prst="rect">
-            <a:avLst/>
-          </a:prstGeom>
-        </p:spPr>
-        <p:style>
-          <a:lnRef idx="2">
-            <a:schemeClr val="accent1">
-              <a:shade val="50000"/>
-            </a:schemeClr>
-          </a:lnRef>
-          <a:fillRef idx="1">
-            <a:schemeClr val="accent1"/>
-          </a:fillRef>
-          <a:effectRef idx="0">
-            <a:schemeClr val="accent1"/>
-          </a:effectRef>
-          <a:fontRef idx="minor">
-            <a:schemeClr val="lt1"/>
-          </a:fontRef>
-        </p:style>
-        <p:txBody>
-          <a:bodyPr rtlCol="0" anchor="ctr"/>
-          <a:lstStyle/>
-          <a:p>
-            <a:pPr algn="ctr"/>
-            <a:r>
-              <a:rPr lang="en-US" dirty="0"/>
-              <a:t>Chris Planet Photo 1</a:t>
-            </a:r>
-          </a:p>
-        </p:txBody>
-      </p:sp>
-      <p:sp>
-        <p:nvSpPr>
-          <p:cNvPr id="85" name="Rectangle 84">
-            <a:extLst>
-              <a:ext uri="{FF2B5EF4-FFF2-40B4-BE49-F238E27FC236}">
-                <a16:creationId xmlns:a16="http://schemas.microsoft.com/office/drawing/2014/main" id="{3F69E54E-1E19-462A-A861-348A0ECA00CC}"/>
-              </a:ext>
-            </a:extLst>
-          </p:cNvPr>
-          <p:cNvSpPr/>
-          <p:nvPr/>
-        </p:nvSpPr>
-        <p:spPr>
-          <a:xfrm>
-            <a:off x="28059067" y="3507503"/>
-            <a:ext cx="2743200" cy="1788678"/>
-          </a:xfrm>
-          <a:prstGeom prst="rect">
-            <a:avLst/>
-          </a:prstGeom>
-        </p:spPr>
-        <p:style>
-          <a:lnRef idx="2">
-            <a:schemeClr val="accent1">
-              <a:shade val="50000"/>
-            </a:schemeClr>
-          </a:lnRef>
-          <a:fillRef idx="1">
-            <a:schemeClr val="accent1"/>
-          </a:fillRef>
-          <a:effectRef idx="0">
-            <a:schemeClr val="accent1"/>
-          </a:effectRef>
-          <a:fontRef idx="minor">
-            <a:schemeClr val="lt1"/>
-          </a:fontRef>
-        </p:style>
-        <p:txBody>
-          <a:bodyPr rtlCol="0" anchor="ctr"/>
-          <a:lstStyle/>
-          <a:p>
-            <a:pPr algn="ctr"/>
-            <a:r>
-              <a:rPr lang="en-US" dirty="0"/>
-              <a:t>Chris Planet Photo 2</a:t>
+              <a:t>STUDENT WORK</a:t>
             </a:r>
           </a:p>
         </p:txBody>
@@ -7207,8 +7152,8 @@
         </p:nvSpPr>
         <p:spPr>
           <a:xfrm>
-            <a:off x="26920430" y="2557869"/>
-            <a:ext cx="1679883" cy="584775"/>
+            <a:off x="22874473" y="3423190"/>
+            <a:ext cx="1724126" cy="584775"/>
           </a:xfrm>
           <a:prstGeom prst="rect">
             <a:avLst/>
@@ -7222,9 +7167,10 @@
           <a:lstStyle/>
           <a:p>
             <a:r>
-              <a:rPr lang="en-US" sz="3200" strike="sngStrike" dirty="0"/>
+              <a:rPr lang="en-US" sz="3200" b="1" u="sng" strike="sngStrike" dirty="0"/>
               <a:t>Software</a:t>
             </a:r>
+            <a:endParaRPr lang="en-US" sz="2000" b="1" u="sng" strike="sngStrike" dirty="0"/>
           </a:p>
         </p:txBody>
       </p:sp>
@@ -7242,8 +7188,8 @@
         </p:nvSpPr>
         <p:spPr>
           <a:xfrm>
-            <a:off x="25871919" y="6043542"/>
-            <a:ext cx="3957750" cy="584775"/>
+            <a:off x="22874473" y="7210619"/>
+            <a:ext cx="3968972" cy="584775"/>
           </a:xfrm>
           <a:prstGeom prst="rect">
             <a:avLst/>
@@ -7257,8 +7203,8 @@
           <a:lstStyle/>
           <a:p>
             <a:r>
-              <a:rPr lang="en-US" sz="3200" dirty="0"/>
-              <a:t>Critiques &amp; Makeovers</a:t>
+              <a:rPr lang="en-US" sz="3200" b="1" u="sng" dirty="0"/>
+              <a:t>Critiques + Makeovers</a:t>
             </a:r>
           </a:p>
         </p:txBody>
@@ -7284,8 +7230,8 @@
         </p:blipFill>
         <p:spPr>
           <a:xfrm>
-            <a:off x="26258946" y="6734613"/>
-            <a:ext cx="3007437" cy="1777255"/>
+            <a:off x="23423941" y="8038937"/>
+            <a:ext cx="4153044" cy="2454255"/>
           </a:xfrm>
           <a:prstGeom prst="rect">
             <a:avLst/>
@@ -7314,7 +7260,7 @@
         </p:blipFill>
         <p:spPr>
           <a:xfrm>
-            <a:off x="23977916" y="9073515"/>
+            <a:off x="29097332" y="7670976"/>
             <a:ext cx="2510237" cy="1759165"/>
           </a:xfrm>
           <a:prstGeom prst="rect">
@@ -7344,8 +7290,8 @@
         </p:blipFill>
         <p:spPr>
           <a:xfrm>
-            <a:off x="27847767" y="8954260"/>
-            <a:ext cx="3606815" cy="2188445"/>
+            <a:off x="28818863" y="9579041"/>
+            <a:ext cx="3264637" cy="1980828"/>
           </a:xfrm>
           <a:prstGeom prst="rect">
             <a:avLst/>
@@ -7367,60 +7313,18 @@
           <p:nvPr/>
         </p:nvCxnSpPr>
         <p:spPr>
-          <a:xfrm flipH="1">
-            <a:off x="26826301" y="8741676"/>
-            <a:ext cx="926913" cy="322314"/>
+          <a:xfrm>
+            <a:off x="27664101" y="9115816"/>
+            <a:ext cx="1065278" cy="545702"/>
           </a:xfrm>
           <a:prstGeom prst="straightConnector1">
             <a:avLst/>
           </a:prstGeom>
-          <a:ln>
+          <a:ln w="38100">
             <a:solidFill>
-              <a:schemeClr val="tx1"/>
-            </a:solidFill>
-            <a:tailEnd type="triangle"/>
-          </a:ln>
-        </p:spPr>
-        <p:style>
-          <a:lnRef idx="1">
-            <a:schemeClr val="accent1"/>
-          </a:lnRef>
-          <a:fillRef idx="0">
-            <a:schemeClr val="accent1"/>
-          </a:fillRef>
-          <a:effectRef idx="0">
-            <a:schemeClr val="accent1"/>
-          </a:effectRef>
-          <a:fontRef idx="minor">
-            <a:schemeClr val="tx1"/>
-          </a:fontRef>
-        </p:style>
-      </p:cxnSp>
-      <p:cxnSp>
-        <p:nvCxnSpPr>
-          <p:cNvPr id="97" name="Straight Arrow Connector 96">
-            <a:extLst>
-              <a:ext uri="{FF2B5EF4-FFF2-40B4-BE49-F238E27FC236}">
-                <a16:creationId xmlns:a16="http://schemas.microsoft.com/office/drawing/2014/main" id="{7BA7DB0D-0948-4AED-873A-8DC1CCC44D0E}"/>
-              </a:ext>
-            </a:extLst>
-          </p:cNvPr>
-          <p:cNvCxnSpPr>
-            <a:cxnSpLocks noChangeAspect="1"/>
-          </p:cNvCxnSpPr>
-          <p:nvPr/>
-        </p:nvCxnSpPr>
-        <p:spPr>
-          <a:xfrm rot="-8400000" flipH="1">
-            <a:off x="27748375" y="8761607"/>
-            <a:ext cx="926913" cy="322314"/>
-          </a:xfrm>
-          <a:prstGeom prst="straightConnector1">
-            <a:avLst/>
-          </a:prstGeom>
-          <a:ln>
-            <a:solidFill>
-              <a:schemeClr val="tx1"/>
+              <a:schemeClr val="bg1">
+                <a:lumMod val="50000"/>
+              </a:schemeClr>
             </a:solidFill>
             <a:tailEnd type="triangle"/>
           </a:ln>
@@ -7454,8 +7358,8 @@
         </p:nvSpPr>
         <p:spPr>
           <a:xfrm>
-            <a:off x="26589858" y="11320413"/>
-            <a:ext cx="2515817" cy="584775"/>
+            <a:off x="22954048" y="11556389"/>
+            <a:ext cx="1553439" cy="584775"/>
           </a:xfrm>
           <a:prstGeom prst="rect">
             <a:avLst/>
@@ -7469,8 +7373,8 @@
           <a:lstStyle/>
           <a:p>
             <a:r>
-              <a:rPr lang="en-US" sz="3200" dirty="0"/>
-              <a:t>Large Projects</a:t>
+              <a:rPr lang="en-US" sz="3200" b="1" u="sng" dirty="0"/>
+              <a:t>Projects</a:t>
             </a:r>
           </a:p>
         </p:txBody>
@@ -7497,7 +7401,7 @@
         </p:blipFill>
         <p:spPr>
           <a:xfrm>
-            <a:off x="26488153" y="12185320"/>
+            <a:off x="26488153" y="12559304"/>
             <a:ext cx="2942514" cy="1633761"/>
           </a:xfrm>
           <a:prstGeom prst="rect">
@@ -7527,7 +7431,7 @@
         </p:blipFill>
         <p:spPr>
           <a:xfrm>
-            <a:off x="29763604" y="12258282"/>
+            <a:off x="29699109" y="12595784"/>
             <a:ext cx="2871618" cy="1560799"/>
           </a:xfrm>
           <a:prstGeom prst="rect">
@@ -7557,44 +7461,8 @@
         </p:blipFill>
         <p:spPr>
           <a:xfrm>
-            <a:off x="23123010" y="12185320"/>
+            <a:off x="23269801" y="12588012"/>
             <a:ext cx="3032206" cy="1633761"/>
-          </a:xfrm>
-          <a:prstGeom prst="rect">
-            <a:avLst/>
-          </a:prstGeom>
-        </p:spPr>
-      </p:pic>
-      <p:pic>
-        <p:nvPicPr>
-          <p:cNvPr id="22" name="Picture 21">
-            <a:extLst>
-              <a:ext uri="{FF2B5EF4-FFF2-40B4-BE49-F238E27FC236}">
-                <a16:creationId xmlns:a16="http://schemas.microsoft.com/office/drawing/2014/main" id="{FBCFD63A-C691-4E44-A45C-76810445B8EB}"/>
-              </a:ext>
-            </a:extLst>
-          </p:cNvPr>
-          <p:cNvPicPr>
-            <a:picLocks noChangeAspect="1"/>
-          </p:cNvPicPr>
-          <p:nvPr/>
-        </p:nvPicPr>
-        <p:blipFill>
-          <a:blip r:embed="rId12">
-            <a:extLst>
-              <a:ext uri="{28A0092B-C50C-407E-A947-70E740481C1C}">
-                <a14:useLocalDpi xmlns:a14="http://schemas.microsoft.com/office/drawing/2010/main" val="0"/>
-              </a:ext>
-            </a:extLst>
-          </a:blip>
-          <a:stretch>
-            <a:fillRect/>
-          </a:stretch>
-        </p:blipFill>
-        <p:spPr>
-          <a:xfrm>
-            <a:off x="23123010" y="13132087"/>
-            <a:ext cx="616268" cy="616268"/>
           </a:xfrm>
           <a:prstGeom prst="rect">
             <a:avLst/>
@@ -7615,8 +7483,8 @@
         </p:nvSpPr>
         <p:spPr>
           <a:xfrm>
-            <a:off x="20116588" y="13102024"/>
-            <a:ext cx="3054554" cy="646331"/>
+            <a:off x="23269802" y="12152185"/>
+            <a:ext cx="9300926" cy="369332"/>
           </a:xfrm>
           <a:prstGeom prst="rect">
             <a:avLst/>
@@ -7624,89 +7492,19 @@
           <a:noFill/>
         </p:spPr>
         <p:txBody>
-          <a:bodyPr wrap="none" rtlCol="0">
+          <a:bodyPr wrap="square" rtlCol="0">
             <a:spAutoFit/>
           </a:bodyPr>
           <a:lstStyle/>
           <a:p>
+            <a:pPr algn="ctr"/>
             <a:r>
               <a:rPr lang="en-US" dirty="0"/>
-              <a:t>Work by Stacey Miertschin</a:t>
-            </a:r>
-          </a:p>
-          <a:p>
-            <a:r>
-              <a:rPr lang="en-US" dirty="0"/>
-              <a:t>Stacey’s Tableau Public Profile:</a:t>
+              <a:t>Work by Stacey Miertschin  |  https://public.tableau.com/profile/stacey.miertschin</a:t>
             </a:r>
           </a:p>
         </p:txBody>
       </p:sp>
-      <p:sp>
-        <p:nvSpPr>
-          <p:cNvPr id="28" name="TextBox 27">
-            <a:extLst>
-              <a:ext uri="{FF2B5EF4-FFF2-40B4-BE49-F238E27FC236}">
-                <a16:creationId xmlns:a16="http://schemas.microsoft.com/office/drawing/2014/main" id="{E3B08D4B-0AF5-4E75-9172-9040EA9BFF17}"/>
-              </a:ext>
-            </a:extLst>
-          </p:cNvPr>
-          <p:cNvSpPr txBox="1"/>
-          <p:nvPr/>
-        </p:nvSpPr>
-        <p:spPr>
-          <a:xfrm>
-            <a:off x="26175481" y="14161611"/>
-            <a:ext cx="3344570" cy="830997"/>
-          </a:xfrm>
-          <a:prstGeom prst="rect">
-            <a:avLst/>
-          </a:prstGeom>
-          <a:noFill/>
-        </p:spPr>
-        <p:txBody>
-          <a:bodyPr wrap="none" rtlCol="0">
-            <a:spAutoFit/>
-          </a:bodyPr>
-          <a:lstStyle/>
-          <a:p>
-            <a:r>
-              <a:rPr lang="en-US" sz="4800" b="1" dirty="0"/>
-              <a:t>REFERENCES</a:t>
-            </a:r>
-          </a:p>
-        </p:txBody>
-      </p:sp>
-      <p:pic>
-        <p:nvPicPr>
-          <p:cNvPr id="29" name="Picture 28">
-            <a:extLst>
-              <a:ext uri="{FF2B5EF4-FFF2-40B4-BE49-F238E27FC236}">
-                <a16:creationId xmlns:a16="http://schemas.microsoft.com/office/drawing/2014/main" id="{9BEC36C4-E344-48D7-BDBA-F7E04D53E32A}"/>
-              </a:ext>
-            </a:extLst>
-          </p:cNvPr>
-          <p:cNvPicPr>
-            <a:picLocks noChangeAspect="1"/>
-          </p:cNvPicPr>
-          <p:nvPr/>
-        </p:nvPicPr>
-        <p:blipFill>
-          <a:blip r:embed="rId13"/>
-          <a:stretch>
-            <a:fillRect/>
-          </a:stretch>
-        </p:blipFill>
-        <p:spPr>
-          <a:xfrm>
-            <a:off x="25358652" y="15085501"/>
-            <a:ext cx="4978230" cy="3041546"/>
-          </a:xfrm>
-          <a:prstGeom prst="rect">
-            <a:avLst/>
-          </a:prstGeom>
-        </p:spPr>
-      </p:pic>
       <p:sp>
         <p:nvSpPr>
           <p:cNvPr id="109" name="Rectangle 108">
@@ -7721,8 +7519,8 @@
         </p:nvSpPr>
         <p:spPr>
           <a:xfrm>
-            <a:off x="12686470" y="7560294"/>
-            <a:ext cx="8659066" cy="2431435"/>
+            <a:off x="12146882" y="5856821"/>
+            <a:ext cx="9131968" cy="2431435"/>
           </a:xfrm>
           <a:prstGeom prst="rect">
             <a:avLst/>
@@ -7734,10 +7532,9 @@
           </a:bodyPr>
           <a:lstStyle/>
           <a:p>
-            <a:pPr algn="ctr"/>
-            <a:r>
-              <a:rPr lang="en-US" sz="3200" u="sng" dirty="0"/>
-              <a:t>Altair</a:t>
+            <a:r>
+              <a:rPr lang="en-US" sz="3200" b="1" u="sng" dirty="0"/>
+              <a:t>Python: Altair</a:t>
             </a:r>
           </a:p>
           <a:p>
@@ -7783,7 +7580,7 @@
                 <a:latin typeface="Courier New" panose="02070309020205020404" pitchFamily="49" charset="0"/>
                 <a:cs typeface="Courier New" panose="02070309020205020404" pitchFamily="49" charset="0"/>
               </a:rPr>
-              <a:t>			 								 y = 'Response',</a:t>
+              <a:t>			 								  y = 'Response',</a:t>
             </a:r>
           </a:p>
           <a:p>
@@ -7792,7 +7589,7 @@
                 <a:latin typeface="Courier New" panose="02070309020205020404" pitchFamily="49" charset="0"/>
                 <a:cs typeface="Courier New" panose="02070309020205020404" pitchFamily="49" charset="0"/>
               </a:rPr>
-              <a:t>	  		 								 color = 'Factor2')</a:t>
+              <a:t>	  		 								  color = 'Factor2')</a:t>
             </a:r>
           </a:p>
           <a:p>
@@ -7867,14 +7664,14 @@
           <p:nvPr/>
         </p:nvPicPr>
         <p:blipFill>
-          <a:blip r:embed="rId14"/>
+          <a:blip r:embed="rId12"/>
           <a:stretch>
             <a:fillRect/>
           </a:stretch>
         </p:blipFill>
         <p:spPr>
           <a:xfrm>
-            <a:off x="14631156" y="11824624"/>
+            <a:off x="16724216" y="11818488"/>
             <a:ext cx="1870799" cy="1971244"/>
           </a:xfrm>
           <a:prstGeom prst="rect">
@@ -7897,14 +7694,14 @@
           <p:nvPr/>
         </p:nvPicPr>
         <p:blipFill>
-          <a:blip r:embed="rId15"/>
+          <a:blip r:embed="rId13"/>
           <a:stretch>
             <a:fillRect/>
           </a:stretch>
         </p:blipFill>
         <p:spPr>
           <a:xfrm>
-            <a:off x="16873645" y="11824624"/>
+            <a:off x="18845946" y="11818488"/>
             <a:ext cx="1606859" cy="1934790"/>
           </a:xfrm>
           <a:prstGeom prst="rect">
@@ -7927,14 +7724,14 @@
           <p:nvPr/>
         </p:nvPicPr>
         <p:blipFill>
-          <a:blip r:embed="rId16"/>
+          <a:blip r:embed="rId14"/>
           <a:stretch>
             <a:fillRect/>
           </a:stretch>
         </p:blipFill>
         <p:spPr>
           <a:xfrm>
-            <a:off x="14435030" y="10953175"/>
+            <a:off x="12390318" y="11822777"/>
             <a:ext cx="4133850" cy="628650"/>
           </a:xfrm>
           <a:prstGeom prst="rect">
@@ -7942,6 +7739,707 @@
           </a:prstGeom>
         </p:spPr>
       </p:pic>
+      <p:sp>
+        <p:nvSpPr>
+          <p:cNvPr id="12" name="Rectangle 11"/>
+          <p:cNvSpPr/>
+          <p:nvPr/>
+        </p:nvSpPr>
+        <p:spPr>
+          <a:xfrm>
+            <a:off x="240632" y="67057"/>
+            <a:ext cx="32918400" cy="1200329"/>
+          </a:xfrm>
+          <a:prstGeom prst="rect">
+            <a:avLst/>
+          </a:prstGeom>
+        </p:spPr>
+        <p:txBody>
+          <a:bodyPr wrap="square">
+            <a:spAutoFit/>
+          </a:bodyPr>
+          <a:lstStyle/>
+          <a:p>
+            <a:pPr algn="ctr"/>
+            <a:r>
+              <a:rPr lang="en-US" sz="7200" b="1" dirty="0">
+                <a:solidFill>
+                  <a:srgbClr val="7030A0"/>
+                </a:solidFill>
+                <a:latin typeface="Calibri" panose="020F0502020204030204" pitchFamily="34" charset="0"/>
+                <a:ea typeface="Calibri" panose="020F0502020204030204" pitchFamily="34" charset="0"/>
+              </a:rPr>
+              <a:t>Extending the Grammar of Graphics beyond ggplot2</a:t>
+            </a:r>
+            <a:endParaRPr lang="en-US" sz="7200" b="1" dirty="0">
+              <a:solidFill>
+                <a:srgbClr val="7030A0"/>
+              </a:solidFill>
+              <a:latin typeface="Times New Roman" panose="02020603050405020304" pitchFamily="18" charset="0"/>
+              <a:ea typeface="Calibri" panose="020F0502020204030204" pitchFamily="34" charset="0"/>
+            </a:endParaRPr>
+          </a:p>
+        </p:txBody>
+      </p:sp>
+      <p:sp>
+        <p:nvSpPr>
+          <p:cNvPr id="103" name="Rectangle 102"/>
+          <p:cNvSpPr/>
+          <p:nvPr/>
+        </p:nvSpPr>
+        <p:spPr>
+          <a:xfrm>
+            <a:off x="10912209" y="1035402"/>
+            <a:ext cx="11586841" cy="769441"/>
+          </a:xfrm>
+          <a:prstGeom prst="rect">
+            <a:avLst/>
+          </a:prstGeom>
+        </p:spPr>
+        <p:txBody>
+          <a:bodyPr wrap="square">
+            <a:spAutoFit/>
+          </a:bodyPr>
+          <a:lstStyle/>
+          <a:p>
+            <a:r>
+              <a:rPr lang="en-US" sz="4400" dirty="0">
+                <a:ea typeface="Calibri" panose="020F0502020204030204" pitchFamily="34" charset="0"/>
+              </a:rPr>
+              <a:t> Silas Bergen          Todd Iverson          Chris Malone</a:t>
+            </a:r>
+          </a:p>
+        </p:txBody>
+      </p:sp>
+      <p:sp>
+        <p:nvSpPr>
+          <p:cNvPr id="104" name="Rectangle 103"/>
+          <p:cNvSpPr/>
+          <p:nvPr/>
+        </p:nvSpPr>
+        <p:spPr>
+          <a:xfrm>
+            <a:off x="10814059" y="1649152"/>
+            <a:ext cx="12452619" cy="523220"/>
+          </a:xfrm>
+          <a:prstGeom prst="rect">
+            <a:avLst/>
+          </a:prstGeom>
+        </p:spPr>
+        <p:txBody>
+          <a:bodyPr wrap="square">
+            <a:spAutoFit/>
+          </a:bodyPr>
+          <a:lstStyle/>
+          <a:p>
+            <a:r>
+              <a:rPr lang="en-US" sz="2800" dirty="0">
+                <a:ea typeface="Calibri" panose="020F0502020204030204" pitchFamily="34" charset="0"/>
+              </a:rPr>
+              <a:t>sbergen@winona.edu           tiverson@winona.edu             cmalone@winona.edu</a:t>
+            </a:r>
+          </a:p>
+        </p:txBody>
+      </p:sp>
+      <p:pic>
+        <p:nvPicPr>
+          <p:cNvPr id="16" name="Picture 15"/>
+          <p:cNvPicPr>
+            <a:picLocks noChangeAspect="1"/>
+          </p:cNvPicPr>
+          <p:nvPr/>
+        </p:nvPicPr>
+        <p:blipFill>
+          <a:blip r:embed="rId15">
+            <a:extLst>
+              <a:ext uri="{28A0092B-C50C-407E-A947-70E740481C1C}">
+                <a14:useLocalDpi xmlns:a14="http://schemas.microsoft.com/office/drawing/2010/main" val="0"/>
+              </a:ext>
+            </a:extLst>
+          </a:blip>
+          <a:stretch>
+            <a:fillRect/>
+          </a:stretch>
+        </p:blipFill>
+        <p:spPr>
+          <a:xfrm>
+            <a:off x="1180152" y="222675"/>
+            <a:ext cx="1130841" cy="1813899"/>
+          </a:xfrm>
+          <a:prstGeom prst="rect">
+            <a:avLst/>
+          </a:prstGeom>
+        </p:spPr>
+      </p:pic>
+      <p:pic>
+        <p:nvPicPr>
+          <p:cNvPr id="21" name="Picture 20"/>
+          <p:cNvPicPr>
+            <a:picLocks noChangeAspect="1"/>
+          </p:cNvPicPr>
+          <p:nvPr/>
+        </p:nvPicPr>
+        <p:blipFill>
+          <a:blip r:embed="rId16">
+            <a:extLst>
+              <a:ext uri="{28A0092B-C50C-407E-A947-70E740481C1C}">
+                <a14:useLocalDpi xmlns:a14="http://schemas.microsoft.com/office/drawing/2010/main" val="0"/>
+              </a:ext>
+            </a:extLst>
+          </a:blip>
+          <a:stretch>
+            <a:fillRect/>
+          </a:stretch>
+        </p:blipFill>
+        <p:spPr>
+          <a:xfrm>
+            <a:off x="30322793" y="195424"/>
+            <a:ext cx="2138405" cy="2138405"/>
+          </a:xfrm>
+          <a:prstGeom prst="rect">
+            <a:avLst/>
+          </a:prstGeom>
+        </p:spPr>
+      </p:pic>
+      <p:cxnSp>
+        <p:nvCxnSpPr>
+          <p:cNvPr id="42" name="Straight Connector 41"/>
+          <p:cNvCxnSpPr/>
+          <p:nvPr/>
+        </p:nvCxnSpPr>
+        <p:spPr>
+          <a:xfrm>
+            <a:off x="722955" y="3058608"/>
+            <a:ext cx="10009215" cy="0"/>
+          </a:xfrm>
+          <a:prstGeom prst="line">
+            <a:avLst/>
+          </a:prstGeom>
+          <a:ln>
+            <a:solidFill>
+              <a:schemeClr val="tx1"/>
+            </a:solidFill>
+          </a:ln>
+        </p:spPr>
+        <p:style>
+          <a:lnRef idx="1">
+            <a:schemeClr val="accent1"/>
+          </a:lnRef>
+          <a:fillRef idx="0">
+            <a:schemeClr val="accent1"/>
+          </a:fillRef>
+          <a:effectRef idx="0">
+            <a:schemeClr val="accent1"/>
+          </a:effectRef>
+          <a:fontRef idx="minor">
+            <a:schemeClr val="tx1"/>
+          </a:fontRef>
+        </p:style>
+      </p:cxnSp>
+      <p:cxnSp>
+        <p:nvCxnSpPr>
+          <p:cNvPr id="142" name="Straight Connector 141"/>
+          <p:cNvCxnSpPr/>
+          <p:nvPr/>
+        </p:nvCxnSpPr>
+        <p:spPr>
+          <a:xfrm>
+            <a:off x="11681228" y="3067550"/>
+            <a:ext cx="10009215" cy="0"/>
+          </a:xfrm>
+          <a:prstGeom prst="line">
+            <a:avLst/>
+          </a:prstGeom>
+          <a:ln>
+            <a:solidFill>
+              <a:schemeClr val="tx1"/>
+            </a:solidFill>
+          </a:ln>
+        </p:spPr>
+        <p:style>
+          <a:lnRef idx="1">
+            <a:schemeClr val="accent1"/>
+          </a:lnRef>
+          <a:fillRef idx="0">
+            <a:schemeClr val="accent1"/>
+          </a:fillRef>
+          <a:effectRef idx="0">
+            <a:schemeClr val="accent1"/>
+          </a:effectRef>
+          <a:fontRef idx="minor">
+            <a:schemeClr val="tx1"/>
+          </a:fontRef>
+        </p:style>
+      </p:cxnSp>
+      <p:cxnSp>
+        <p:nvCxnSpPr>
+          <p:cNvPr id="143" name="Straight Connector 142"/>
+          <p:cNvCxnSpPr/>
+          <p:nvPr/>
+        </p:nvCxnSpPr>
+        <p:spPr>
+          <a:xfrm>
+            <a:off x="22669451" y="3067064"/>
+            <a:ext cx="10009215" cy="0"/>
+          </a:xfrm>
+          <a:prstGeom prst="line">
+            <a:avLst/>
+          </a:prstGeom>
+          <a:ln>
+            <a:solidFill>
+              <a:schemeClr val="tx1"/>
+            </a:solidFill>
+          </a:ln>
+        </p:spPr>
+        <p:style>
+          <a:lnRef idx="1">
+            <a:schemeClr val="accent1"/>
+          </a:lnRef>
+          <a:fillRef idx="0">
+            <a:schemeClr val="accent1"/>
+          </a:fillRef>
+          <a:effectRef idx="0">
+            <a:schemeClr val="accent1"/>
+          </a:effectRef>
+          <a:fontRef idx="minor">
+            <a:schemeClr val="tx1"/>
+          </a:fontRef>
+        </p:style>
+      </p:cxnSp>
+      <p:cxnSp>
+        <p:nvCxnSpPr>
+          <p:cNvPr id="144" name="Straight Connector 143"/>
+          <p:cNvCxnSpPr/>
+          <p:nvPr/>
+        </p:nvCxnSpPr>
+        <p:spPr>
+          <a:xfrm>
+            <a:off x="11705290" y="15154906"/>
+            <a:ext cx="10009215" cy="0"/>
+          </a:xfrm>
+          <a:prstGeom prst="line">
+            <a:avLst/>
+          </a:prstGeom>
+          <a:ln>
+            <a:solidFill>
+              <a:schemeClr val="tx1"/>
+            </a:solidFill>
+          </a:ln>
+        </p:spPr>
+        <p:style>
+          <a:lnRef idx="1">
+            <a:schemeClr val="accent1"/>
+          </a:lnRef>
+          <a:fillRef idx="0">
+            <a:schemeClr val="accent1"/>
+          </a:fillRef>
+          <a:effectRef idx="0">
+            <a:schemeClr val="accent1"/>
+          </a:effectRef>
+          <a:fontRef idx="minor">
+            <a:schemeClr val="tx1"/>
+          </a:fontRef>
+        </p:style>
+      </p:cxnSp>
+      <p:pic>
+        <p:nvPicPr>
+          <p:cNvPr id="49" name="Picture 48"/>
+          <p:cNvPicPr>
+            <a:picLocks noChangeAspect="1"/>
+          </p:cNvPicPr>
+          <p:nvPr/>
+        </p:nvPicPr>
+        <p:blipFill rotWithShape="1">
+          <a:blip r:embed="rId17" cstate="hqprint">
+            <a:extLst>
+              <a:ext uri="{28A0092B-C50C-407E-A947-70E740481C1C}">
+                <a14:useLocalDpi xmlns:a14="http://schemas.microsoft.com/office/drawing/2010/main" val="0"/>
+              </a:ext>
+            </a:extLst>
+          </a:blip>
+          <a:srcRect l="1704" t="4097"/>
+          <a:stretch/>
+        </p:blipFill>
+        <p:spPr>
+          <a:xfrm rot="16200000">
+            <a:off x="28907186" y="3452716"/>
+            <a:ext cx="2758756" cy="3589629"/>
+          </a:xfrm>
+          <a:prstGeom prst="rect">
+            <a:avLst/>
+          </a:prstGeom>
+        </p:spPr>
+      </p:pic>
+      <p:pic>
+        <p:nvPicPr>
+          <p:cNvPr id="51" name="Picture 50"/>
+          <p:cNvPicPr>
+            <a:picLocks noChangeAspect="1"/>
+          </p:cNvPicPr>
+          <p:nvPr/>
+        </p:nvPicPr>
+        <p:blipFill rotWithShape="1">
+          <a:blip r:embed="rId18" cstate="hqprint">
+            <a:extLst>
+              <a:ext uri="{28A0092B-C50C-407E-A947-70E740481C1C}">
+                <a14:useLocalDpi xmlns:a14="http://schemas.microsoft.com/office/drawing/2010/main" val="0"/>
+              </a:ext>
+            </a:extLst>
+          </a:blip>
+          <a:srcRect r="4102"/>
+          <a:stretch/>
+        </p:blipFill>
+        <p:spPr>
+          <a:xfrm rot="10800000">
+            <a:off x="23815522" y="4134627"/>
+            <a:ext cx="3172850" cy="2480362"/>
+          </a:xfrm>
+          <a:prstGeom prst="rect">
+            <a:avLst/>
+          </a:prstGeom>
+        </p:spPr>
+      </p:pic>
+      <p:cxnSp>
+        <p:nvCxnSpPr>
+          <p:cNvPr id="145" name="Straight Arrow Connector 144">
+            <a:extLst>
+              <a:ext uri="{FF2B5EF4-FFF2-40B4-BE49-F238E27FC236}">
+                <a16:creationId xmlns:a16="http://schemas.microsoft.com/office/drawing/2014/main" id="{4EBCDD9C-E00E-4650-9578-F9640FDBC536}"/>
+              </a:ext>
+            </a:extLst>
+          </p:cNvPr>
+          <p:cNvCxnSpPr>
+            <a:cxnSpLocks/>
+          </p:cNvCxnSpPr>
+          <p:nvPr/>
+        </p:nvCxnSpPr>
+        <p:spPr>
+          <a:xfrm flipV="1">
+            <a:off x="27664101" y="8716796"/>
+            <a:ext cx="1128841" cy="399020"/>
+          </a:xfrm>
+          <a:prstGeom prst="straightConnector1">
+            <a:avLst/>
+          </a:prstGeom>
+          <a:ln w="38100">
+            <a:solidFill>
+              <a:schemeClr val="bg1">
+                <a:lumMod val="50000"/>
+              </a:schemeClr>
+            </a:solidFill>
+            <a:tailEnd type="triangle"/>
+          </a:ln>
+        </p:spPr>
+        <p:style>
+          <a:lnRef idx="1">
+            <a:schemeClr val="accent1"/>
+          </a:lnRef>
+          <a:fillRef idx="0">
+            <a:schemeClr val="accent1"/>
+          </a:fillRef>
+          <a:effectRef idx="0">
+            <a:schemeClr val="accent1"/>
+          </a:effectRef>
+          <a:fontRef idx="minor">
+            <a:schemeClr val="tx1"/>
+          </a:fontRef>
+        </p:style>
+      </p:cxnSp>
+      <p:sp>
+        <p:nvSpPr>
+          <p:cNvPr id="100" name="Rectangle 99"/>
+          <p:cNvSpPr/>
+          <p:nvPr/>
+        </p:nvSpPr>
+        <p:spPr>
+          <a:xfrm>
+            <a:off x="23269801" y="7962744"/>
+            <a:ext cx="4404257" cy="2682911"/>
+          </a:xfrm>
+          <a:prstGeom prst="rect">
+            <a:avLst/>
+          </a:prstGeom>
+          <a:noFill/>
+          <a:ln w="38100">
+            <a:solidFill>
+              <a:schemeClr val="bg1">
+                <a:lumMod val="50000"/>
+              </a:schemeClr>
+            </a:solidFill>
+          </a:ln>
+        </p:spPr>
+        <p:style>
+          <a:lnRef idx="2">
+            <a:schemeClr val="accent1">
+              <a:shade val="50000"/>
+            </a:schemeClr>
+          </a:lnRef>
+          <a:fillRef idx="1">
+            <a:schemeClr val="accent1"/>
+          </a:fillRef>
+          <a:effectRef idx="0">
+            <a:schemeClr val="accent1"/>
+          </a:effectRef>
+          <a:fontRef idx="minor">
+            <a:schemeClr val="lt1"/>
+          </a:fontRef>
+        </p:style>
+        <p:txBody>
+          <a:bodyPr rtlCol="0" anchor="ctr"/>
+          <a:lstStyle/>
+          <a:p>
+            <a:pPr algn="ctr"/>
+            <a:endParaRPr lang="en-US"/>
+          </a:p>
+        </p:txBody>
+      </p:sp>
+      <p:sp>
+        <p:nvSpPr>
+          <p:cNvPr id="108" name="TextBox 107"/>
+          <p:cNvSpPr txBox="1"/>
+          <p:nvPr/>
+        </p:nvSpPr>
+        <p:spPr>
+          <a:xfrm>
+            <a:off x="22637366" y="15376702"/>
+            <a:ext cx="11185407" cy="3170099"/>
+          </a:xfrm>
+          <a:prstGeom prst="rect">
+            <a:avLst/>
+          </a:prstGeom>
+          <a:noFill/>
+        </p:spPr>
+        <p:txBody>
+          <a:bodyPr wrap="square" rtlCol="0">
+            <a:spAutoFit/>
+          </a:bodyPr>
+          <a:lstStyle/>
+          <a:p>
+            <a:r>
+              <a:rPr lang="en-US" sz="2000" dirty="0"/>
+              <a:t>- Cairo, Alberto. (2016). </a:t>
+            </a:r>
+            <a:r>
+              <a:rPr lang="en-US" sz="2000" i="1" dirty="0"/>
+              <a:t>The Truthful Art: Data, Charts, and Maps for Communication</a:t>
+            </a:r>
+            <a:r>
+              <a:rPr lang="en-US" sz="2000" dirty="0"/>
+              <a:t>.</a:t>
+            </a:r>
+          </a:p>
+          <a:p>
+            <a:r>
+              <a:rPr lang="en-US" sz="2000" dirty="0"/>
+              <a:t>- Cleveland, William. (1994). </a:t>
+            </a:r>
+            <a:r>
+              <a:rPr lang="en-US" sz="2000" i="1" dirty="0"/>
+              <a:t>The Elements of Graphing Data</a:t>
+            </a:r>
+            <a:r>
+              <a:rPr lang="en-US" sz="2000" dirty="0"/>
+              <a:t>.</a:t>
+            </a:r>
+          </a:p>
+          <a:p>
+            <a:r>
+              <a:rPr lang="en-US" sz="2000" dirty="0"/>
+              <a:t>- Cleveland, W &amp; McGill, R. (1984). Graphic Perception: Theory, Experimentation, and Application</a:t>
+            </a:r>
+            <a:br>
+              <a:rPr lang="en-US" sz="2000" dirty="0"/>
+            </a:br>
+            <a:r>
+              <a:rPr lang="en-US" sz="2000" dirty="0"/>
+              <a:t>   to the Development of Graphical Methods. </a:t>
+            </a:r>
+            <a:r>
+              <a:rPr lang="en-US" sz="2000" i="1" dirty="0"/>
+              <a:t>Journal of the American Statistical Association</a:t>
+            </a:r>
+            <a:r>
+              <a:rPr lang="en-US" sz="2000" dirty="0"/>
+              <a:t>.</a:t>
+            </a:r>
+            <a:r>
+              <a:rPr lang="pt-BR" sz="2000" dirty="0"/>
+              <a:t> </a:t>
+            </a:r>
+            <a:br>
+              <a:rPr lang="pt-BR" sz="2000" dirty="0"/>
+            </a:br>
+            <a:r>
+              <a:rPr lang="pt-BR" sz="2000" dirty="0"/>
+              <a:t>   Vol. 79, No. 387. pp. 531-554.</a:t>
+            </a:r>
+            <a:endParaRPr lang="en-US" sz="2000" dirty="0"/>
+          </a:p>
+          <a:p>
+            <a:r>
+              <a:rPr lang="en-US" sz="2000" dirty="0"/>
+              <a:t>- Few, Stephen (2012). </a:t>
+            </a:r>
+            <a:r>
+              <a:rPr lang="en-US" sz="2000" i="1" dirty="0"/>
+              <a:t>Show Me the Numbers: Designing Tables and Graphs to Enlighten</a:t>
+            </a:r>
+            <a:r>
+              <a:rPr lang="en-US" sz="2000" dirty="0"/>
+              <a:t>.</a:t>
+            </a:r>
+          </a:p>
+          <a:p>
+            <a:r>
+              <a:rPr lang="en-US" sz="2000" dirty="0"/>
+              <a:t>- Robbins, Naomi (2013). </a:t>
+            </a:r>
+            <a:r>
+              <a:rPr lang="en-US" sz="2000" i="1" dirty="0"/>
+              <a:t>Creating More Effective Graphs</a:t>
+            </a:r>
+            <a:r>
+              <a:rPr lang="en-US" sz="2000" dirty="0"/>
+              <a:t>. </a:t>
+            </a:r>
+          </a:p>
+          <a:p>
+            <a:r>
+              <a:rPr lang="en-US" sz="2000" dirty="0"/>
+              <a:t>- Wilkinson, Leland. (2005</a:t>
+            </a:r>
+            <a:r>
+              <a:rPr lang="en-US" sz="2000" i="1" dirty="0"/>
+              <a:t>). The Grammar of Graphics, 2</a:t>
+            </a:r>
+            <a:r>
+              <a:rPr lang="en-US" sz="2000" i="1" baseline="30000" dirty="0"/>
+              <a:t>nd</a:t>
+            </a:r>
+            <a:r>
+              <a:rPr lang="en-US" sz="2000" i="1" dirty="0"/>
+              <a:t> Edition</a:t>
+            </a:r>
+            <a:r>
+              <a:rPr lang="en-US" sz="2000" dirty="0"/>
+              <a:t>.</a:t>
+            </a:r>
+            <a:br>
+              <a:rPr lang="en-US" sz="2000" dirty="0"/>
+            </a:br>
+            <a:r>
+              <a:rPr lang="en-US" sz="2000" dirty="0"/>
+              <a:t>- </a:t>
+            </a:r>
+            <a:r>
+              <a:rPr lang="en-US" sz="2000" dirty="0" err="1"/>
+              <a:t>Yau</a:t>
+            </a:r>
+            <a:r>
+              <a:rPr lang="en-US" sz="2000" dirty="0"/>
+              <a:t>, Nathan. (2011). </a:t>
+            </a:r>
+            <a:r>
+              <a:rPr lang="en-US" sz="2000" i="1" dirty="0"/>
+              <a:t>Visualize This: The </a:t>
+            </a:r>
+            <a:r>
+              <a:rPr lang="en-US" sz="2000" i="1" dirty="0" err="1"/>
+              <a:t>FlowingData</a:t>
+            </a:r>
+            <a:r>
+              <a:rPr lang="en-US" sz="2000" i="1" dirty="0"/>
+              <a:t> Guide to Design, Visualization, and Statistics</a:t>
+            </a:r>
+            <a:r>
+              <a:rPr lang="en-US" sz="2000" dirty="0"/>
+              <a:t>.  </a:t>
+            </a:r>
+            <a:br>
+              <a:rPr lang="en-US" sz="2000" dirty="0"/>
+            </a:br>
+            <a:r>
+              <a:rPr lang="en-US" sz="2000" dirty="0"/>
+              <a:t>       </a:t>
+            </a:r>
+            <a:r>
+              <a:rPr lang="en-US" sz="2000" i="1" dirty="0"/>
+              <a:t>Electronic Copy of Poster: https://github.com/WSU-DataScience/SDSS19_data_viz_poster </a:t>
+            </a:r>
+          </a:p>
+        </p:txBody>
+      </p:sp>
+      <p:sp>
+        <p:nvSpPr>
+          <p:cNvPr id="171" name="TextBox 170">
+            <a:extLst>
+              <a:ext uri="{FF2B5EF4-FFF2-40B4-BE49-F238E27FC236}">
+                <a16:creationId xmlns:a16="http://schemas.microsoft.com/office/drawing/2014/main" id="{C79413BB-6F96-4E10-A304-67836D53DDEE}"/>
+              </a:ext>
+            </a:extLst>
+          </p:cNvPr>
+          <p:cNvSpPr txBox="1"/>
+          <p:nvPr/>
+        </p:nvSpPr>
+        <p:spPr>
+          <a:xfrm>
+            <a:off x="22673078" y="14572779"/>
+            <a:ext cx="10033277" cy="830997"/>
+          </a:xfrm>
+          <a:prstGeom prst="rect">
+            <a:avLst/>
+          </a:prstGeom>
+          <a:noFill/>
+        </p:spPr>
+        <p:txBody>
+          <a:bodyPr wrap="square" rtlCol="0">
+            <a:spAutoFit/>
+          </a:bodyPr>
+          <a:lstStyle/>
+          <a:p>
+            <a:pPr algn="ctr"/>
+            <a:r>
+              <a:rPr lang="en-US" sz="4800" b="1" dirty="0"/>
+              <a:t>REFERENCES</a:t>
+            </a:r>
+          </a:p>
+        </p:txBody>
+      </p:sp>
+      <p:cxnSp>
+        <p:nvCxnSpPr>
+          <p:cNvPr id="172" name="Straight Connector 171"/>
+          <p:cNvCxnSpPr/>
+          <p:nvPr/>
+        </p:nvCxnSpPr>
+        <p:spPr>
+          <a:xfrm>
+            <a:off x="22659040" y="15303583"/>
+            <a:ext cx="10009215" cy="0"/>
+          </a:xfrm>
+          <a:prstGeom prst="line">
+            <a:avLst/>
+          </a:prstGeom>
+          <a:ln>
+            <a:solidFill>
+              <a:schemeClr val="tx1"/>
+            </a:solidFill>
+          </a:ln>
+        </p:spPr>
+        <p:style>
+          <a:lnRef idx="1">
+            <a:schemeClr val="accent1"/>
+          </a:lnRef>
+          <a:fillRef idx="0">
+            <a:schemeClr val="accent1"/>
+          </a:fillRef>
+          <a:effectRef idx="0">
+            <a:schemeClr val="accent1"/>
+          </a:effectRef>
+          <a:fontRef idx="minor">
+            <a:schemeClr val="tx1"/>
+          </a:fontRef>
+        </p:style>
+      </p:cxnSp>
     </p:spTree>
     <p:extLst>
       <p:ext uri="{BB962C8B-B14F-4D97-AF65-F5344CB8AC3E}">
